--- a/Machine Learning.pptx
+++ b/Machine Learning.pptx
@@ -5,7 +5,7 @@
     <p:sldMasterId id="2147483660" r:id="rId1"/>
   </p:sldMasterIdLst>
   <p:notesMasterIdLst>
-    <p:notesMasterId r:id="rId17"/>
+    <p:notesMasterId r:id="rId21"/>
   </p:notesMasterIdLst>
   <p:sldIdLst>
     <p:sldId id="256" r:id="rId2"/>
@@ -23,6 +23,10 @@
     <p:sldId id="267" r:id="rId14"/>
     <p:sldId id="269" r:id="rId15"/>
     <p:sldId id="270" r:id="rId16"/>
+    <p:sldId id="271" r:id="rId17"/>
+    <p:sldId id="272" r:id="rId18"/>
+    <p:sldId id="273" r:id="rId19"/>
+    <p:sldId id="274" r:id="rId20"/>
   </p:sldIdLst>
   <p:sldSz cx="12192000" cy="6858000"/>
   <p:notesSz cx="6858000" cy="9144000"/>
@@ -159,8 +163,16 @@
             <p14:sldId id="270"/>
           </p14:sldIdLst>
         </p14:section>
-        <p14:section name="Untitled Section" id="{9790E985-8AA5-479F-BC0B-C3A36C4211D1}">
+        <p14:section name="Decision tree" id="{9790E985-8AA5-479F-BC0B-C3A36C4211D1}">
           <p14:sldIdLst/>
+        </p14:section>
+        <p14:section name="NLP" id="{C612B6C4-DD1C-4845-8CEB-7CB3364C8985}">
+          <p14:sldIdLst>
+            <p14:sldId id="271"/>
+            <p14:sldId id="272"/>
+            <p14:sldId id="273"/>
+            <p14:sldId id="274"/>
+          </p14:sldIdLst>
         </p14:section>
       </p14:sectionLst>
     </p:ext>
@@ -2425,6 +2437,753 @@
 </file>
 
 <file path=ppt/diagrams/colors4.xml><?xml version="1.0" encoding="utf-8"?>
+<dgm:colorsDef xmlns:dgm="http://schemas.openxmlformats.org/drawingml/2006/diagram" xmlns:a="http://schemas.openxmlformats.org/drawingml/2006/main" uniqueId="urn:microsoft.com/office/officeart/2005/8/colors/accent1_2">
+  <dgm:title val=""/>
+  <dgm:desc val=""/>
+  <dgm:catLst>
+    <dgm:cat type="accent1" pri="11200"/>
+  </dgm:catLst>
+  <dgm:styleLbl name="node0">
+    <dgm:fillClrLst meth="repeat">
+      <a:schemeClr val="accent1"/>
+    </dgm:fillClrLst>
+    <dgm:linClrLst meth="repeat">
+      <a:schemeClr val="lt1"/>
+    </dgm:linClrLst>
+    <dgm:effectClrLst/>
+    <dgm:txLinClrLst/>
+    <dgm:txFillClrLst/>
+    <dgm:txEffectClrLst/>
+  </dgm:styleLbl>
+  <dgm:styleLbl name="alignNode1">
+    <dgm:fillClrLst meth="repeat">
+      <a:schemeClr val="accent1"/>
+    </dgm:fillClrLst>
+    <dgm:linClrLst meth="repeat">
+      <a:schemeClr val="accent1"/>
+    </dgm:linClrLst>
+    <dgm:effectClrLst/>
+    <dgm:txLinClrLst/>
+    <dgm:txFillClrLst/>
+    <dgm:txEffectClrLst/>
+  </dgm:styleLbl>
+  <dgm:styleLbl name="node1">
+    <dgm:fillClrLst meth="repeat">
+      <a:schemeClr val="accent1"/>
+    </dgm:fillClrLst>
+    <dgm:linClrLst meth="repeat">
+      <a:schemeClr val="lt1"/>
+    </dgm:linClrLst>
+    <dgm:effectClrLst/>
+    <dgm:txLinClrLst/>
+    <dgm:txFillClrLst/>
+    <dgm:txEffectClrLst/>
+  </dgm:styleLbl>
+  <dgm:styleLbl name="lnNode1">
+    <dgm:fillClrLst meth="repeat">
+      <a:schemeClr val="accent1"/>
+    </dgm:fillClrLst>
+    <dgm:linClrLst meth="repeat">
+      <a:schemeClr val="lt1"/>
+    </dgm:linClrLst>
+    <dgm:effectClrLst/>
+    <dgm:txLinClrLst/>
+    <dgm:txFillClrLst/>
+    <dgm:txEffectClrLst/>
+  </dgm:styleLbl>
+  <dgm:styleLbl name="vennNode1">
+    <dgm:fillClrLst meth="repeat">
+      <a:schemeClr val="accent1">
+        <a:alpha val="50000"/>
+      </a:schemeClr>
+    </dgm:fillClrLst>
+    <dgm:linClrLst meth="repeat">
+      <a:schemeClr val="lt1"/>
+    </dgm:linClrLst>
+    <dgm:effectClrLst/>
+    <dgm:txLinClrLst/>
+    <dgm:txFillClrLst/>
+    <dgm:txEffectClrLst/>
+  </dgm:styleLbl>
+  <dgm:styleLbl name="node2">
+    <dgm:fillClrLst meth="repeat">
+      <a:schemeClr val="accent1"/>
+    </dgm:fillClrLst>
+    <dgm:linClrLst meth="repeat">
+      <a:schemeClr val="lt1"/>
+    </dgm:linClrLst>
+    <dgm:effectClrLst/>
+    <dgm:txLinClrLst/>
+    <dgm:txFillClrLst/>
+    <dgm:txEffectClrLst/>
+  </dgm:styleLbl>
+  <dgm:styleLbl name="node3">
+    <dgm:fillClrLst meth="repeat">
+      <a:schemeClr val="accent1"/>
+    </dgm:fillClrLst>
+    <dgm:linClrLst meth="repeat">
+      <a:schemeClr val="lt1"/>
+    </dgm:linClrLst>
+    <dgm:effectClrLst/>
+    <dgm:txLinClrLst/>
+    <dgm:txFillClrLst/>
+    <dgm:txEffectClrLst/>
+  </dgm:styleLbl>
+  <dgm:styleLbl name="node4">
+    <dgm:fillClrLst meth="repeat">
+      <a:schemeClr val="accent1"/>
+    </dgm:fillClrLst>
+    <dgm:linClrLst meth="repeat">
+      <a:schemeClr val="lt1"/>
+    </dgm:linClrLst>
+    <dgm:effectClrLst/>
+    <dgm:txLinClrLst/>
+    <dgm:txFillClrLst/>
+    <dgm:txEffectClrLst/>
+  </dgm:styleLbl>
+  <dgm:styleLbl name="fgImgPlace1">
+    <dgm:fillClrLst meth="repeat">
+      <a:schemeClr val="accent1">
+        <a:tint val="50000"/>
+      </a:schemeClr>
+    </dgm:fillClrLst>
+    <dgm:linClrLst meth="repeat">
+      <a:schemeClr val="lt1"/>
+    </dgm:linClrLst>
+    <dgm:effectClrLst/>
+    <dgm:txLinClrLst/>
+    <dgm:txFillClrLst meth="repeat">
+      <a:schemeClr val="lt1"/>
+    </dgm:txFillClrLst>
+    <dgm:txEffectClrLst/>
+  </dgm:styleLbl>
+  <dgm:styleLbl name="alignImgPlace1">
+    <dgm:fillClrLst meth="repeat">
+      <a:schemeClr val="accent1">
+        <a:tint val="50000"/>
+      </a:schemeClr>
+    </dgm:fillClrLst>
+    <dgm:linClrLst meth="repeat">
+      <a:schemeClr val="lt1"/>
+    </dgm:linClrLst>
+    <dgm:effectClrLst/>
+    <dgm:txLinClrLst/>
+    <dgm:txFillClrLst meth="repeat">
+      <a:schemeClr val="lt1"/>
+    </dgm:txFillClrLst>
+    <dgm:txEffectClrLst/>
+  </dgm:styleLbl>
+  <dgm:styleLbl name="bgImgPlace1">
+    <dgm:fillClrLst meth="repeat">
+      <a:schemeClr val="accent1">
+        <a:tint val="50000"/>
+      </a:schemeClr>
+    </dgm:fillClrLst>
+    <dgm:linClrLst meth="repeat">
+      <a:schemeClr val="lt1"/>
+    </dgm:linClrLst>
+    <dgm:effectClrLst/>
+    <dgm:txLinClrLst/>
+    <dgm:txFillClrLst meth="repeat">
+      <a:schemeClr val="lt1"/>
+    </dgm:txFillClrLst>
+    <dgm:txEffectClrLst/>
+  </dgm:styleLbl>
+  <dgm:styleLbl name="sibTrans2D1">
+    <dgm:fillClrLst meth="repeat">
+      <a:schemeClr val="accent1">
+        <a:tint val="60000"/>
+      </a:schemeClr>
+    </dgm:fillClrLst>
+    <dgm:linClrLst meth="repeat">
+      <a:schemeClr val="accent1">
+        <a:tint val="60000"/>
+      </a:schemeClr>
+    </dgm:linClrLst>
+    <dgm:effectClrLst/>
+    <dgm:txLinClrLst/>
+    <dgm:txFillClrLst/>
+    <dgm:txEffectClrLst/>
+  </dgm:styleLbl>
+  <dgm:styleLbl name="fgSibTrans2D1">
+    <dgm:fillClrLst meth="repeat">
+      <a:schemeClr val="accent1">
+        <a:tint val="60000"/>
+      </a:schemeClr>
+    </dgm:fillClrLst>
+    <dgm:linClrLst meth="repeat">
+      <a:schemeClr val="accent1">
+        <a:tint val="60000"/>
+      </a:schemeClr>
+    </dgm:linClrLst>
+    <dgm:effectClrLst/>
+    <dgm:txLinClrLst/>
+    <dgm:txFillClrLst/>
+    <dgm:txEffectClrLst/>
+  </dgm:styleLbl>
+  <dgm:styleLbl name="bgSibTrans2D1">
+    <dgm:fillClrLst meth="repeat">
+      <a:schemeClr val="accent1">
+        <a:tint val="60000"/>
+      </a:schemeClr>
+    </dgm:fillClrLst>
+    <dgm:linClrLst meth="repeat">
+      <a:schemeClr val="accent1">
+        <a:tint val="60000"/>
+      </a:schemeClr>
+    </dgm:linClrLst>
+    <dgm:effectClrLst/>
+    <dgm:txLinClrLst/>
+    <dgm:txFillClrLst/>
+    <dgm:txEffectClrLst/>
+  </dgm:styleLbl>
+  <dgm:styleLbl name="sibTrans1D1">
+    <dgm:fillClrLst meth="repeat">
+      <a:schemeClr val="accent1"/>
+    </dgm:fillClrLst>
+    <dgm:linClrLst meth="repeat">
+      <a:schemeClr val="accent1"/>
+    </dgm:linClrLst>
+    <dgm:effectClrLst/>
+    <dgm:txLinClrLst/>
+    <dgm:txFillClrLst meth="repeat">
+      <a:schemeClr val="tx1"/>
+    </dgm:txFillClrLst>
+    <dgm:txEffectClrLst/>
+  </dgm:styleLbl>
+  <dgm:styleLbl name="callout">
+    <dgm:fillClrLst meth="repeat">
+      <a:schemeClr val="accent1"/>
+    </dgm:fillClrLst>
+    <dgm:linClrLst meth="repeat">
+      <a:schemeClr val="accent1">
+        <a:tint val="50000"/>
+      </a:schemeClr>
+    </dgm:linClrLst>
+    <dgm:effectClrLst/>
+    <dgm:txLinClrLst/>
+    <dgm:txFillClrLst meth="repeat">
+      <a:schemeClr val="tx1"/>
+    </dgm:txFillClrLst>
+    <dgm:txEffectClrLst/>
+  </dgm:styleLbl>
+  <dgm:styleLbl name="asst0">
+    <dgm:fillClrLst meth="repeat">
+      <a:schemeClr val="accent1"/>
+    </dgm:fillClrLst>
+    <dgm:linClrLst meth="repeat">
+      <a:schemeClr val="lt1"/>
+    </dgm:linClrLst>
+    <dgm:effectClrLst/>
+    <dgm:txLinClrLst/>
+    <dgm:txFillClrLst/>
+    <dgm:txEffectClrLst/>
+  </dgm:styleLbl>
+  <dgm:styleLbl name="asst1">
+    <dgm:fillClrLst meth="repeat">
+      <a:schemeClr val="accent1"/>
+    </dgm:fillClrLst>
+    <dgm:linClrLst meth="repeat">
+      <a:schemeClr val="lt1"/>
+    </dgm:linClrLst>
+    <dgm:effectClrLst/>
+    <dgm:txLinClrLst/>
+    <dgm:txFillClrLst/>
+    <dgm:txEffectClrLst/>
+  </dgm:styleLbl>
+  <dgm:styleLbl name="asst2">
+    <dgm:fillClrLst meth="repeat">
+      <a:schemeClr val="accent1"/>
+    </dgm:fillClrLst>
+    <dgm:linClrLst meth="repeat">
+      <a:schemeClr val="lt1"/>
+    </dgm:linClrLst>
+    <dgm:effectClrLst/>
+    <dgm:txLinClrLst/>
+    <dgm:txFillClrLst/>
+    <dgm:txEffectClrLst/>
+  </dgm:styleLbl>
+  <dgm:styleLbl name="asst3">
+    <dgm:fillClrLst meth="repeat">
+      <a:schemeClr val="accent1"/>
+    </dgm:fillClrLst>
+    <dgm:linClrLst meth="repeat">
+      <a:schemeClr val="lt1"/>
+    </dgm:linClrLst>
+    <dgm:effectClrLst/>
+    <dgm:txLinClrLst/>
+    <dgm:txFillClrLst/>
+    <dgm:txEffectClrLst/>
+  </dgm:styleLbl>
+  <dgm:styleLbl name="asst4">
+    <dgm:fillClrLst meth="repeat">
+      <a:schemeClr val="accent1"/>
+    </dgm:fillClrLst>
+    <dgm:linClrLst meth="repeat">
+      <a:schemeClr val="lt1"/>
+    </dgm:linClrLst>
+    <dgm:effectClrLst/>
+    <dgm:txLinClrLst/>
+    <dgm:txFillClrLst/>
+    <dgm:txEffectClrLst/>
+  </dgm:styleLbl>
+  <dgm:styleLbl name="parChTrans2D1">
+    <dgm:fillClrLst meth="repeat">
+      <a:schemeClr val="accent1">
+        <a:tint val="60000"/>
+      </a:schemeClr>
+    </dgm:fillClrLst>
+    <dgm:linClrLst meth="repeat">
+      <a:schemeClr val="accent1">
+        <a:tint val="60000"/>
+      </a:schemeClr>
+    </dgm:linClrLst>
+    <dgm:effectClrLst/>
+    <dgm:txLinClrLst/>
+    <dgm:txFillClrLst meth="repeat">
+      <a:schemeClr val="lt1"/>
+    </dgm:txFillClrLst>
+    <dgm:txEffectClrLst/>
+  </dgm:styleLbl>
+  <dgm:styleLbl name="parChTrans2D2">
+    <dgm:fillClrLst meth="repeat">
+      <a:schemeClr val="accent1"/>
+    </dgm:fillClrLst>
+    <dgm:linClrLst meth="repeat">
+      <a:schemeClr val="accent1"/>
+    </dgm:linClrLst>
+    <dgm:effectClrLst/>
+    <dgm:txLinClrLst/>
+    <dgm:txFillClrLst meth="repeat">
+      <a:schemeClr val="lt1"/>
+    </dgm:txFillClrLst>
+    <dgm:txEffectClrLst/>
+  </dgm:styleLbl>
+  <dgm:styleLbl name="parChTrans2D3">
+    <dgm:fillClrLst meth="repeat">
+      <a:schemeClr val="accent1"/>
+    </dgm:fillClrLst>
+    <dgm:linClrLst meth="repeat">
+      <a:schemeClr val="accent1"/>
+    </dgm:linClrLst>
+    <dgm:effectClrLst/>
+    <dgm:txLinClrLst/>
+    <dgm:txFillClrLst meth="repeat">
+      <a:schemeClr val="lt1"/>
+    </dgm:txFillClrLst>
+    <dgm:txEffectClrLst/>
+  </dgm:styleLbl>
+  <dgm:styleLbl name="parChTrans2D4">
+    <dgm:fillClrLst meth="repeat">
+      <a:schemeClr val="accent1"/>
+    </dgm:fillClrLst>
+    <dgm:linClrLst meth="repeat">
+      <a:schemeClr val="accent1"/>
+    </dgm:linClrLst>
+    <dgm:effectClrLst/>
+    <dgm:txLinClrLst/>
+    <dgm:txFillClrLst meth="repeat">
+      <a:schemeClr val="lt1"/>
+    </dgm:txFillClrLst>
+    <dgm:txEffectClrLst/>
+  </dgm:styleLbl>
+  <dgm:styleLbl name="parChTrans1D1">
+    <dgm:fillClrLst meth="repeat">
+      <a:schemeClr val="accent1"/>
+    </dgm:fillClrLst>
+    <dgm:linClrLst meth="repeat">
+      <a:schemeClr val="accent1">
+        <a:shade val="60000"/>
+      </a:schemeClr>
+    </dgm:linClrLst>
+    <dgm:effectClrLst/>
+    <dgm:txLinClrLst/>
+    <dgm:txFillClrLst meth="repeat">
+      <a:schemeClr val="tx1"/>
+    </dgm:txFillClrLst>
+    <dgm:txEffectClrLst/>
+  </dgm:styleLbl>
+  <dgm:styleLbl name="parChTrans1D2">
+    <dgm:fillClrLst meth="repeat">
+      <a:schemeClr val="accent1"/>
+    </dgm:fillClrLst>
+    <dgm:linClrLst meth="repeat">
+      <a:schemeClr val="accent1">
+        <a:shade val="60000"/>
+      </a:schemeClr>
+    </dgm:linClrLst>
+    <dgm:effectClrLst/>
+    <dgm:txLinClrLst/>
+    <dgm:txFillClrLst meth="repeat">
+      <a:schemeClr val="tx1"/>
+    </dgm:txFillClrLst>
+    <dgm:txEffectClrLst/>
+  </dgm:styleLbl>
+  <dgm:styleLbl name="parChTrans1D3">
+    <dgm:fillClrLst meth="repeat">
+      <a:schemeClr val="accent1"/>
+    </dgm:fillClrLst>
+    <dgm:linClrLst meth="repeat">
+      <a:schemeClr val="accent1">
+        <a:shade val="80000"/>
+      </a:schemeClr>
+    </dgm:linClrLst>
+    <dgm:effectClrLst/>
+    <dgm:txLinClrLst/>
+    <dgm:txFillClrLst meth="repeat">
+      <a:schemeClr val="tx1"/>
+    </dgm:txFillClrLst>
+    <dgm:txEffectClrLst/>
+  </dgm:styleLbl>
+  <dgm:styleLbl name="parChTrans1D4">
+    <dgm:fillClrLst meth="repeat">
+      <a:schemeClr val="accent1"/>
+    </dgm:fillClrLst>
+    <dgm:linClrLst meth="repeat">
+      <a:schemeClr val="accent1">
+        <a:shade val="80000"/>
+      </a:schemeClr>
+    </dgm:linClrLst>
+    <dgm:effectClrLst/>
+    <dgm:txLinClrLst/>
+    <dgm:txFillClrLst meth="repeat">
+      <a:schemeClr val="tx1"/>
+    </dgm:txFillClrLst>
+    <dgm:txEffectClrLst/>
+  </dgm:styleLbl>
+  <dgm:styleLbl name="fgAcc1">
+    <dgm:fillClrLst meth="repeat">
+      <a:schemeClr val="lt1">
+        <a:alpha val="90000"/>
+      </a:schemeClr>
+    </dgm:fillClrLst>
+    <dgm:linClrLst meth="repeat">
+      <a:schemeClr val="accent1"/>
+    </dgm:linClrLst>
+    <dgm:effectClrLst/>
+    <dgm:txLinClrLst/>
+    <dgm:txFillClrLst meth="repeat">
+      <a:schemeClr val="dk1"/>
+    </dgm:txFillClrLst>
+    <dgm:txEffectClrLst/>
+  </dgm:styleLbl>
+  <dgm:styleLbl name="conFgAcc1">
+    <dgm:fillClrLst meth="repeat">
+      <a:schemeClr val="lt1">
+        <a:alpha val="90000"/>
+      </a:schemeClr>
+    </dgm:fillClrLst>
+    <dgm:linClrLst meth="repeat">
+      <a:schemeClr val="accent1"/>
+    </dgm:linClrLst>
+    <dgm:effectClrLst/>
+    <dgm:txLinClrLst/>
+    <dgm:txFillClrLst meth="repeat">
+      <a:schemeClr val="dk1"/>
+    </dgm:txFillClrLst>
+    <dgm:txEffectClrLst/>
+  </dgm:styleLbl>
+  <dgm:styleLbl name="alignAcc1">
+    <dgm:fillClrLst meth="repeat">
+      <a:schemeClr val="lt1">
+        <a:alpha val="90000"/>
+      </a:schemeClr>
+    </dgm:fillClrLst>
+    <dgm:linClrLst meth="repeat">
+      <a:schemeClr val="accent1"/>
+    </dgm:linClrLst>
+    <dgm:effectClrLst/>
+    <dgm:txLinClrLst/>
+    <dgm:txFillClrLst meth="repeat">
+      <a:schemeClr val="dk1"/>
+    </dgm:txFillClrLst>
+    <dgm:txEffectClrLst/>
+  </dgm:styleLbl>
+  <dgm:styleLbl name="trAlignAcc1">
+    <dgm:fillClrLst meth="repeat">
+      <a:schemeClr val="lt1">
+        <a:alpha val="40000"/>
+      </a:schemeClr>
+    </dgm:fillClrLst>
+    <dgm:linClrLst meth="repeat">
+      <a:schemeClr val="accent1"/>
+    </dgm:linClrLst>
+    <dgm:effectClrLst/>
+    <dgm:txLinClrLst/>
+    <dgm:txFillClrLst meth="repeat">
+      <a:schemeClr val="dk1"/>
+    </dgm:txFillClrLst>
+    <dgm:txEffectClrLst/>
+  </dgm:styleLbl>
+  <dgm:styleLbl name="bgAcc1">
+    <dgm:fillClrLst meth="repeat">
+      <a:schemeClr val="lt1">
+        <a:alpha val="90000"/>
+      </a:schemeClr>
+    </dgm:fillClrLst>
+    <dgm:linClrLst meth="repeat">
+      <a:schemeClr val="accent1"/>
+    </dgm:linClrLst>
+    <dgm:effectClrLst/>
+    <dgm:txLinClrLst/>
+    <dgm:txFillClrLst meth="repeat">
+      <a:schemeClr val="dk1"/>
+    </dgm:txFillClrLst>
+    <dgm:txEffectClrLst/>
+  </dgm:styleLbl>
+  <dgm:styleLbl name="solidFgAcc1">
+    <dgm:fillClrLst meth="repeat">
+      <a:schemeClr val="lt1"/>
+    </dgm:fillClrLst>
+    <dgm:linClrLst meth="repeat">
+      <a:schemeClr val="accent1"/>
+    </dgm:linClrLst>
+    <dgm:effectClrLst/>
+    <dgm:txLinClrLst/>
+    <dgm:txFillClrLst meth="repeat">
+      <a:schemeClr val="dk1"/>
+    </dgm:txFillClrLst>
+    <dgm:txEffectClrLst/>
+  </dgm:styleLbl>
+  <dgm:styleLbl name="solidAlignAcc1">
+    <dgm:fillClrLst meth="repeat">
+      <a:schemeClr val="lt1"/>
+    </dgm:fillClrLst>
+    <dgm:linClrLst meth="repeat">
+      <a:schemeClr val="accent1"/>
+    </dgm:linClrLst>
+    <dgm:effectClrLst/>
+    <dgm:txLinClrLst/>
+    <dgm:txFillClrLst meth="repeat">
+      <a:schemeClr val="dk1"/>
+    </dgm:txFillClrLst>
+    <dgm:txEffectClrLst/>
+  </dgm:styleLbl>
+  <dgm:styleLbl name="solidBgAcc1">
+    <dgm:fillClrLst meth="repeat">
+      <a:schemeClr val="lt1"/>
+    </dgm:fillClrLst>
+    <dgm:linClrLst meth="repeat">
+      <a:schemeClr val="accent1"/>
+    </dgm:linClrLst>
+    <dgm:effectClrLst/>
+    <dgm:txLinClrLst/>
+    <dgm:txFillClrLst meth="repeat">
+      <a:schemeClr val="dk1"/>
+    </dgm:txFillClrLst>
+    <dgm:txEffectClrLst/>
+  </dgm:styleLbl>
+  <dgm:styleLbl name="fgAccFollowNode1">
+    <dgm:fillClrLst meth="repeat">
+      <a:schemeClr val="accent1">
+        <a:alpha val="90000"/>
+        <a:tint val="40000"/>
+      </a:schemeClr>
+    </dgm:fillClrLst>
+    <dgm:linClrLst meth="repeat">
+      <a:schemeClr val="accent1">
+        <a:alpha val="90000"/>
+        <a:tint val="40000"/>
+      </a:schemeClr>
+    </dgm:linClrLst>
+    <dgm:effectClrLst/>
+    <dgm:txLinClrLst/>
+    <dgm:txFillClrLst meth="repeat">
+      <a:schemeClr val="dk1"/>
+    </dgm:txFillClrLst>
+    <dgm:txEffectClrLst/>
+  </dgm:styleLbl>
+  <dgm:styleLbl name="alignAccFollowNode1">
+    <dgm:fillClrLst meth="repeat">
+      <a:schemeClr val="accent1">
+        <a:alpha val="90000"/>
+        <a:tint val="40000"/>
+      </a:schemeClr>
+    </dgm:fillClrLst>
+    <dgm:linClrLst meth="repeat">
+      <a:schemeClr val="accent1">
+        <a:alpha val="90000"/>
+        <a:tint val="40000"/>
+      </a:schemeClr>
+    </dgm:linClrLst>
+    <dgm:effectClrLst/>
+    <dgm:txLinClrLst/>
+    <dgm:txFillClrLst meth="repeat">
+      <a:schemeClr val="dk1"/>
+    </dgm:txFillClrLst>
+    <dgm:txEffectClrLst/>
+  </dgm:styleLbl>
+  <dgm:styleLbl name="bgAccFollowNode1">
+    <dgm:fillClrLst meth="repeat">
+      <a:schemeClr val="accent1">
+        <a:alpha val="90000"/>
+        <a:tint val="40000"/>
+      </a:schemeClr>
+    </dgm:fillClrLst>
+    <dgm:linClrLst meth="repeat">
+      <a:schemeClr val="accent1">
+        <a:alpha val="90000"/>
+        <a:tint val="40000"/>
+      </a:schemeClr>
+    </dgm:linClrLst>
+    <dgm:effectClrLst/>
+    <dgm:txLinClrLst/>
+    <dgm:txFillClrLst meth="repeat">
+      <a:schemeClr val="dk1"/>
+    </dgm:txFillClrLst>
+    <dgm:txEffectClrLst/>
+  </dgm:styleLbl>
+  <dgm:styleLbl name="fgAcc0">
+    <dgm:fillClrLst meth="repeat">
+      <a:schemeClr val="lt1">
+        <a:alpha val="90000"/>
+      </a:schemeClr>
+    </dgm:fillClrLst>
+    <dgm:linClrLst meth="repeat">
+      <a:schemeClr val="accent1"/>
+    </dgm:linClrLst>
+    <dgm:effectClrLst/>
+    <dgm:txLinClrLst/>
+    <dgm:txFillClrLst meth="repeat">
+      <a:schemeClr val="dk1"/>
+    </dgm:txFillClrLst>
+    <dgm:txEffectClrLst/>
+  </dgm:styleLbl>
+  <dgm:styleLbl name="fgAcc2">
+    <dgm:fillClrLst meth="repeat">
+      <a:schemeClr val="lt1">
+        <a:alpha val="90000"/>
+      </a:schemeClr>
+    </dgm:fillClrLst>
+    <dgm:linClrLst meth="repeat">
+      <a:schemeClr val="accent1"/>
+    </dgm:linClrLst>
+    <dgm:effectClrLst/>
+    <dgm:txLinClrLst/>
+    <dgm:txFillClrLst meth="repeat">
+      <a:schemeClr val="dk1"/>
+    </dgm:txFillClrLst>
+    <dgm:txEffectClrLst/>
+  </dgm:styleLbl>
+  <dgm:styleLbl name="fgAcc3">
+    <dgm:fillClrLst meth="repeat">
+      <a:schemeClr val="lt1">
+        <a:alpha val="90000"/>
+      </a:schemeClr>
+    </dgm:fillClrLst>
+    <dgm:linClrLst meth="repeat">
+      <a:schemeClr val="accent1"/>
+    </dgm:linClrLst>
+    <dgm:effectClrLst/>
+    <dgm:txLinClrLst/>
+    <dgm:txFillClrLst meth="repeat">
+      <a:schemeClr val="dk1"/>
+    </dgm:txFillClrLst>
+    <dgm:txEffectClrLst/>
+  </dgm:styleLbl>
+  <dgm:styleLbl name="fgAcc4">
+    <dgm:fillClrLst meth="repeat">
+      <a:schemeClr val="lt1">
+        <a:alpha val="90000"/>
+      </a:schemeClr>
+    </dgm:fillClrLst>
+    <dgm:linClrLst meth="repeat">
+      <a:schemeClr val="accent1"/>
+    </dgm:linClrLst>
+    <dgm:effectClrLst/>
+    <dgm:txLinClrLst/>
+    <dgm:txFillClrLst meth="repeat">
+      <a:schemeClr val="dk1"/>
+    </dgm:txFillClrLst>
+    <dgm:txEffectClrLst/>
+  </dgm:styleLbl>
+  <dgm:styleLbl name="bgShp">
+    <dgm:fillClrLst meth="repeat">
+      <a:schemeClr val="accent1">
+        <a:tint val="40000"/>
+      </a:schemeClr>
+    </dgm:fillClrLst>
+    <dgm:linClrLst meth="repeat">
+      <a:schemeClr val="accent1"/>
+    </dgm:linClrLst>
+    <dgm:effectClrLst/>
+    <dgm:txLinClrLst/>
+    <dgm:txFillClrLst meth="repeat">
+      <a:schemeClr val="dk1"/>
+    </dgm:txFillClrLst>
+    <dgm:txEffectClrLst/>
+  </dgm:styleLbl>
+  <dgm:styleLbl name="dkBgShp">
+    <dgm:fillClrLst meth="repeat">
+      <a:schemeClr val="accent1">
+        <a:shade val="80000"/>
+      </a:schemeClr>
+    </dgm:fillClrLst>
+    <dgm:linClrLst meth="repeat">
+      <a:schemeClr val="accent1"/>
+    </dgm:linClrLst>
+    <dgm:effectClrLst/>
+    <dgm:txLinClrLst/>
+    <dgm:txFillClrLst meth="repeat">
+      <a:schemeClr val="lt1"/>
+    </dgm:txFillClrLst>
+    <dgm:txEffectClrLst/>
+  </dgm:styleLbl>
+  <dgm:styleLbl name="trBgShp">
+    <dgm:fillClrLst meth="repeat">
+      <a:schemeClr val="accent1">
+        <a:tint val="50000"/>
+        <a:alpha val="40000"/>
+      </a:schemeClr>
+    </dgm:fillClrLst>
+    <dgm:linClrLst meth="repeat">
+      <a:schemeClr val="accent1"/>
+    </dgm:linClrLst>
+    <dgm:effectClrLst/>
+    <dgm:txLinClrLst/>
+    <dgm:txFillClrLst meth="repeat">
+      <a:schemeClr val="lt1"/>
+    </dgm:txFillClrLst>
+    <dgm:txEffectClrLst/>
+  </dgm:styleLbl>
+  <dgm:styleLbl name="fgShp">
+    <dgm:fillClrLst meth="repeat">
+      <a:schemeClr val="accent1">
+        <a:tint val="60000"/>
+      </a:schemeClr>
+    </dgm:fillClrLst>
+    <dgm:linClrLst meth="repeat">
+      <a:schemeClr val="lt1"/>
+    </dgm:linClrLst>
+    <dgm:effectClrLst/>
+    <dgm:txLinClrLst/>
+    <dgm:txFillClrLst meth="repeat">
+      <a:schemeClr val="dk1"/>
+    </dgm:txFillClrLst>
+    <dgm:txEffectClrLst/>
+  </dgm:styleLbl>
+  <dgm:styleLbl name="revTx">
+    <dgm:fillClrLst meth="repeat">
+      <a:schemeClr val="lt1">
+        <a:alpha val="0"/>
+      </a:schemeClr>
+    </dgm:fillClrLst>
+    <dgm:linClrLst meth="repeat">
+      <a:schemeClr val="dk1">
+        <a:alpha val="0"/>
+      </a:schemeClr>
+    </dgm:linClrLst>
+    <dgm:effectClrLst/>
+    <dgm:txLinClrLst/>
+    <dgm:txFillClrLst meth="repeat">
+      <a:schemeClr val="tx1"/>
+    </dgm:txFillClrLst>
+    <dgm:txEffectClrLst/>
+  </dgm:styleLbl>
+</dgm:colorsDef>
+</file>
+
+<file path=ppt/diagrams/colors5.xml><?xml version="1.0" encoding="utf-8"?>
 <dgm:colorsDef xmlns:dgm="http://schemas.openxmlformats.org/drawingml/2006/diagram" xmlns:a="http://schemas.openxmlformats.org/drawingml/2006/main" uniqueId="urn:microsoft.com/office/officeart/2005/8/colors/accent1_2">
   <dgm:title val=""/>
   <dgm:desc val=""/>
@@ -3231,15 +3990,7 @@
         <a:p>
           <a:r>
             <a:rPr lang="en-US" b="0" i="0" dirty="0" smtClean="0"/>
-            <a:t>The model is initialized with pre-trained word </a:t>
-          </a:r>
-          <a:r>
-            <a:rPr lang="en-US" b="0" i="0" dirty="0" err="1" smtClean="0"/>
-            <a:t>embeddings</a:t>
-          </a:r>
-          <a:r>
-            <a:rPr lang="en-US" b="0" i="0" dirty="0" smtClean="0"/>
-            <a:t> that have been trained on a large corpus of text data, such as </a:t>
+            <a:t>The model is initialized with pre-trained word embeddings that have been trained on a large corpus of text data, such as </a:t>
           </a:r>
           <a:r>
             <a:rPr lang="en-US" b="0" i="0" dirty="0" err="1" smtClean="0"/>
@@ -3288,15 +4039,7 @@
         <a:p>
           <a:r>
             <a:rPr lang="en-US" b="0" i="0" dirty="0" smtClean="0"/>
-            <a:t>These </a:t>
-          </a:r>
-          <a:r>
-            <a:rPr lang="en-US" b="0" i="0" dirty="0" err="1" smtClean="0"/>
-            <a:t>embeddings</a:t>
-          </a:r>
-          <a:r>
-            <a:rPr lang="en-US" b="0" i="0" dirty="0" smtClean="0"/>
-            <a:t> represent the meanings of words in a high-dimensional vector space, which allows the model to capture semantic relationships between words.</a:t>
+            <a:t>These embeddings represent the meanings of words in a high-dimensional vector space, which allows the model to capture semantic relationships between words.</a:t>
           </a:r>
           <a:endParaRPr lang="en-US" dirty="0"/>
         </a:p>
@@ -3730,8 +4473,8 @@
     <dgm:cxn modelId="{28F840DB-8C63-4B8C-AB71-898C689012C9}" srcId="{FF60D5A4-1C0C-43EF-A101-AA8D948778A7}" destId="{1730A75D-BB50-40D4-B9A7-09433A540D1E}" srcOrd="0" destOrd="0" parTransId="{C1691A4C-C605-471A-947A-D6115FB40308}" sibTransId="{E8BC9DDF-BDE3-4590-AAED-735F73B3DF44}"/>
     <dgm:cxn modelId="{B10D18F5-EEB2-47E1-B810-85993562F5A2}" type="presOf" srcId="{C4396E3A-CC74-412B-9CBF-C62B3E2A9375}" destId="{6025A077-DE59-400A-A5F7-4C35AE2DC0C5}" srcOrd="0" destOrd="0" presId="urn:microsoft.com/office/officeart/2005/8/layout/vList5"/>
     <dgm:cxn modelId="{A7C7AF6F-7A8D-4ECC-A051-3B33A64CFFB9}" type="presOf" srcId="{27D9E8E7-5B28-4362-A9FC-A9601C689D38}" destId="{493DBCE3-007E-4931-A861-7DF1668278D1}" srcOrd="0" destOrd="2" presId="urn:microsoft.com/office/officeart/2005/8/layout/vList5"/>
+    <dgm:cxn modelId="{A387CB5A-BDAC-4154-8C9F-963DEE693A5C}" type="presOf" srcId="{FF60D5A4-1C0C-43EF-A101-AA8D948778A7}" destId="{CA590EB6-D6BE-4D58-AAF7-877249315D18}" srcOrd="0" destOrd="0" presId="urn:microsoft.com/office/officeart/2005/8/layout/vList5"/>
     <dgm:cxn modelId="{4859C838-A755-472C-846D-7061A1CBB696}" srcId="{69DCE5AE-3BBC-4CA1-92D3-252E6C5AF4A5}" destId="{8A4F1567-AF22-4B0B-965B-7CF29EC7EA50}" srcOrd="1" destOrd="0" parTransId="{B085C7F2-6C27-4DE7-BB73-1E813B6D0CF9}" sibTransId="{8BCD9CC9-5944-4449-880D-6E134122786E}"/>
-    <dgm:cxn modelId="{A387CB5A-BDAC-4154-8C9F-963DEE693A5C}" type="presOf" srcId="{FF60D5A4-1C0C-43EF-A101-AA8D948778A7}" destId="{CA590EB6-D6BE-4D58-AAF7-877249315D18}" srcOrd="0" destOrd="0" presId="urn:microsoft.com/office/officeart/2005/8/layout/vList5"/>
     <dgm:cxn modelId="{91EFA916-A6AB-44AB-8A6D-3F6C75F535E8}" srcId="{509D75C4-AA81-4AE6-B393-0A873A2CC6FB}" destId="{6B07150D-E7D7-4052-89FF-D07828AF134A}" srcOrd="1" destOrd="0" parTransId="{B3DFA1EC-6004-47C0-94BB-AD0D3C25C57B}" sibTransId="{9690C5F3-4368-47D0-859E-29EDEC6D562A}"/>
     <dgm:cxn modelId="{8C507020-283E-4F76-A0AD-3767E01BC86A}" type="presOf" srcId="{4B89CE12-B596-43F0-B561-5493DD430C7C}" destId="{493DBCE3-007E-4931-A861-7DF1668278D1}" srcOrd="0" destOrd="0" presId="urn:microsoft.com/office/officeart/2005/8/layout/vList5"/>
     <dgm:cxn modelId="{7C8EE947-FA44-4F6E-9704-402986577A60}" srcId="{1730A75D-BB50-40D4-B9A7-09433A540D1E}" destId="{45781D27-FDD2-4CFB-A428-2853CF0CE23D}" srcOrd="1" destOrd="0" parTransId="{598A995F-343E-4EBD-8F62-DDD24791688A}" sibTransId="{7EAD6699-CCEB-4192-945D-05784ADE59BE}"/>
@@ -4119,10 +4862,24 @@
     <dgm:pt modelId="{FD86B5D0-3B13-4581-B738-D1AF41FA2DEB}" type="pres">
       <dgm:prSet presAssocID="{82A30AB6-17E4-4C09-856E-0631074A346C}" presName="sibTrans" presStyleLbl="sibTrans2D1" presStyleIdx="0" presStyleCnt="4"/>
       <dgm:spPr/>
+      <dgm:t>
+        <a:bodyPr/>
+        <a:lstStyle/>
+        <a:p>
+          <a:endParaRPr lang="en-US"/>
+        </a:p>
+      </dgm:t>
     </dgm:pt>
     <dgm:pt modelId="{4F3F81A0-132C-47E5-A770-D60900870D4E}" type="pres">
       <dgm:prSet presAssocID="{82A30AB6-17E4-4C09-856E-0631074A346C}" presName="connectorText" presStyleLbl="sibTrans2D1" presStyleIdx="0" presStyleCnt="4"/>
       <dgm:spPr/>
+      <dgm:t>
+        <a:bodyPr/>
+        <a:lstStyle/>
+        <a:p>
+          <a:endParaRPr lang="en-US"/>
+        </a:p>
+      </dgm:t>
     </dgm:pt>
     <dgm:pt modelId="{50FAC0DD-A97D-4AFE-A3FE-6336165F7D75}" type="pres">
       <dgm:prSet presAssocID="{94A0D78F-C2D7-49B8-8DCB-D014577E7AD2}" presName="node" presStyleLbl="node1" presStyleIdx="1" presStyleCnt="5">
@@ -4142,10 +4899,24 @@
     <dgm:pt modelId="{9AEA580B-908B-492A-8C4C-FBE92B4244FF}" type="pres">
       <dgm:prSet presAssocID="{B20D2E25-85D6-455D-9B1F-66FE89B2D3B9}" presName="sibTrans" presStyleLbl="sibTrans2D1" presStyleIdx="1" presStyleCnt="4"/>
       <dgm:spPr/>
+      <dgm:t>
+        <a:bodyPr/>
+        <a:lstStyle/>
+        <a:p>
+          <a:endParaRPr lang="en-US"/>
+        </a:p>
+      </dgm:t>
     </dgm:pt>
     <dgm:pt modelId="{52EE0C61-F9E2-4E2B-870A-F204B6107D32}" type="pres">
       <dgm:prSet presAssocID="{B20D2E25-85D6-455D-9B1F-66FE89B2D3B9}" presName="connectorText" presStyleLbl="sibTrans2D1" presStyleIdx="1" presStyleCnt="4"/>
       <dgm:spPr/>
+      <dgm:t>
+        <a:bodyPr/>
+        <a:lstStyle/>
+        <a:p>
+          <a:endParaRPr lang="en-US"/>
+        </a:p>
+      </dgm:t>
     </dgm:pt>
     <dgm:pt modelId="{D0E70199-2B72-45CD-8F8A-4092BA346A80}" type="pres">
       <dgm:prSet presAssocID="{3CB407AB-C1A2-4F89-A1BC-35625A4B7CFB}" presName="node" presStyleLbl="node1" presStyleIdx="2" presStyleCnt="5">
@@ -4165,10 +4936,24 @@
     <dgm:pt modelId="{166F1274-573F-45D4-9AE5-3F9073E6C170}" type="pres">
       <dgm:prSet presAssocID="{54AC97C1-DD65-4443-BAE9-C08AD877BB8A}" presName="sibTrans" presStyleLbl="sibTrans2D1" presStyleIdx="2" presStyleCnt="4"/>
       <dgm:spPr/>
+      <dgm:t>
+        <a:bodyPr/>
+        <a:lstStyle/>
+        <a:p>
+          <a:endParaRPr lang="en-US"/>
+        </a:p>
+      </dgm:t>
     </dgm:pt>
     <dgm:pt modelId="{816285C1-2288-426E-8C6C-2434EDB3F5CB}" type="pres">
       <dgm:prSet presAssocID="{54AC97C1-DD65-4443-BAE9-C08AD877BB8A}" presName="connectorText" presStyleLbl="sibTrans2D1" presStyleIdx="2" presStyleCnt="4"/>
       <dgm:spPr/>
+      <dgm:t>
+        <a:bodyPr/>
+        <a:lstStyle/>
+        <a:p>
+          <a:endParaRPr lang="en-US"/>
+        </a:p>
+      </dgm:t>
     </dgm:pt>
     <dgm:pt modelId="{3CAB99B7-327E-42DE-96E9-F7677911DCCC}" type="pres">
       <dgm:prSet presAssocID="{7F4BA2B6-2306-49D6-A62B-60FB729EB91E}" presName="node" presStyleLbl="node1" presStyleIdx="3" presStyleCnt="5">
@@ -4177,14 +4962,35 @@
         </dgm:presLayoutVars>
       </dgm:prSet>
       <dgm:spPr/>
+      <dgm:t>
+        <a:bodyPr/>
+        <a:lstStyle/>
+        <a:p>
+          <a:endParaRPr lang="en-US"/>
+        </a:p>
+      </dgm:t>
     </dgm:pt>
     <dgm:pt modelId="{48402B6C-E76D-458E-881A-BEFF37FCA634}" type="pres">
       <dgm:prSet presAssocID="{976BE2BC-8F67-40C5-B46D-B71A0DDF9B5D}" presName="sibTrans" presStyleLbl="sibTrans2D1" presStyleIdx="3" presStyleCnt="4"/>
       <dgm:spPr/>
+      <dgm:t>
+        <a:bodyPr/>
+        <a:lstStyle/>
+        <a:p>
+          <a:endParaRPr lang="en-US"/>
+        </a:p>
+      </dgm:t>
     </dgm:pt>
     <dgm:pt modelId="{BB0151D5-66A0-4FAB-8C4A-61012D8B8A2B}" type="pres">
       <dgm:prSet presAssocID="{976BE2BC-8F67-40C5-B46D-B71A0DDF9B5D}" presName="connectorText" presStyleLbl="sibTrans2D1" presStyleIdx="3" presStyleCnt="4"/>
       <dgm:spPr/>
+      <dgm:t>
+        <a:bodyPr/>
+        <a:lstStyle/>
+        <a:p>
+          <a:endParaRPr lang="en-US"/>
+        </a:p>
+      </dgm:t>
     </dgm:pt>
     <dgm:pt modelId="{D630C1FD-81CF-4D08-92B6-0B5E92C7832D}" type="pres">
       <dgm:prSet presAssocID="{F6FD96AE-110B-4359-8A42-6CB2C967EDCF}" presName="node" presStyleLbl="node1" presStyleIdx="4" presStyleCnt="5">
@@ -4193,13 +4999,20 @@
         </dgm:presLayoutVars>
       </dgm:prSet>
       <dgm:spPr/>
+      <dgm:t>
+        <a:bodyPr/>
+        <a:lstStyle/>
+        <a:p>
+          <a:endParaRPr lang="en-US"/>
+        </a:p>
+      </dgm:t>
     </dgm:pt>
   </dgm:ptLst>
   <dgm:cxnLst>
+    <dgm:cxn modelId="{364A076F-0B73-4140-A73F-96BD5045E332}" type="presOf" srcId="{F6FD96AE-110B-4359-8A42-6CB2C967EDCF}" destId="{D630C1FD-81CF-4D08-92B6-0B5E92C7832D}" srcOrd="0" destOrd="0" presId="urn:microsoft.com/office/officeart/2005/8/layout/process2"/>
     <dgm:cxn modelId="{D957709A-1084-49C5-9FFD-07CB3DB9B7F6}" srcId="{A9E5F2A9-BF45-43F9-81C5-B4287D896179}" destId="{3CB407AB-C1A2-4F89-A1BC-35625A4B7CFB}" srcOrd="2" destOrd="0" parTransId="{738DF8BC-92DE-480F-8B2F-06D23739177F}" sibTransId="{54AC97C1-DD65-4443-BAE9-C08AD877BB8A}"/>
-    <dgm:cxn modelId="{364A076F-0B73-4140-A73F-96BD5045E332}" type="presOf" srcId="{F6FD96AE-110B-4359-8A42-6CB2C967EDCF}" destId="{D630C1FD-81CF-4D08-92B6-0B5E92C7832D}" srcOrd="0" destOrd="0" presId="urn:microsoft.com/office/officeart/2005/8/layout/process2"/>
+    <dgm:cxn modelId="{FA2CC1ED-746A-41D0-AAED-AAEF3EEF75A5}" type="presOf" srcId="{A9E5F2A9-BF45-43F9-81C5-B4287D896179}" destId="{801932FF-B33B-422B-A640-73A190A0188B}" srcOrd="0" destOrd="0" presId="urn:microsoft.com/office/officeart/2005/8/layout/process2"/>
     <dgm:cxn modelId="{7366F716-B1E0-417F-B4D8-A1470D745704}" type="presOf" srcId="{0A3A0F32-74BC-4B41-BC13-72DF34E9865D}" destId="{CF37AD14-2D34-47D5-8744-9EC43B03B5F1}" srcOrd="0" destOrd="0" presId="urn:microsoft.com/office/officeart/2005/8/layout/process2"/>
-    <dgm:cxn modelId="{FA2CC1ED-746A-41D0-AAED-AAEF3EEF75A5}" type="presOf" srcId="{A9E5F2A9-BF45-43F9-81C5-B4287D896179}" destId="{801932FF-B33B-422B-A640-73A190A0188B}" srcOrd="0" destOrd="0" presId="urn:microsoft.com/office/officeart/2005/8/layout/process2"/>
     <dgm:cxn modelId="{5315D6F0-3AFD-42EF-A5ED-CAAA01AED618}" type="presOf" srcId="{82A30AB6-17E4-4C09-856E-0631074A346C}" destId="{4F3F81A0-132C-47E5-A770-D60900870D4E}" srcOrd="1" destOrd="0" presId="urn:microsoft.com/office/officeart/2005/8/layout/process2"/>
     <dgm:cxn modelId="{5943AC6D-618D-4B08-962C-70970032B6F7}" srcId="{A9E5F2A9-BF45-43F9-81C5-B4287D896179}" destId="{94A0D78F-C2D7-49B8-8DCB-D014577E7AD2}" srcOrd="1" destOrd="0" parTransId="{40B307A3-3DAA-4352-B34B-5D1D2CFD8DEF}" sibTransId="{B20D2E25-85D6-455D-9B1F-66FE89B2D3B9}"/>
     <dgm:cxn modelId="{261D9A4D-46F0-498A-BF4D-9A0EEE1F4B22}" srcId="{A9E5F2A9-BF45-43F9-81C5-B4287D896179}" destId="{0A3A0F32-74BC-4B41-BC13-72DF34E9865D}" srcOrd="0" destOrd="0" parTransId="{A61E30BE-3051-40EA-8465-9999576298EC}" sibTransId="{82A30AB6-17E4-4C09-856E-0631074A346C}"/>
@@ -4210,10 +5023,10 @@
     <dgm:cxn modelId="{96232A32-7FDA-4C92-A99E-0E19A6A306DD}" type="presOf" srcId="{B20D2E25-85D6-455D-9B1F-66FE89B2D3B9}" destId="{9AEA580B-908B-492A-8C4C-FBE92B4244FF}" srcOrd="0" destOrd="0" presId="urn:microsoft.com/office/officeart/2005/8/layout/process2"/>
     <dgm:cxn modelId="{F4CF0787-B666-47D2-950C-9F1DA6627806}" srcId="{A9E5F2A9-BF45-43F9-81C5-B4287D896179}" destId="{7F4BA2B6-2306-49D6-A62B-60FB729EB91E}" srcOrd="3" destOrd="0" parTransId="{2D7435CB-67CB-4011-8FAD-D8723F700E52}" sibTransId="{976BE2BC-8F67-40C5-B46D-B71A0DDF9B5D}"/>
     <dgm:cxn modelId="{DB53EC4E-0F81-481C-8081-5C7CE497CBC6}" srcId="{A9E5F2A9-BF45-43F9-81C5-B4287D896179}" destId="{F6FD96AE-110B-4359-8A42-6CB2C967EDCF}" srcOrd="4" destOrd="0" parTransId="{2ED49180-8D8A-45FE-A2C9-6531AE4F2383}" sibTransId="{C00240AA-902B-4FAE-A62C-A51667EC5615}"/>
+    <dgm:cxn modelId="{15350BE7-B622-44BE-965B-F9E255027982}" type="presOf" srcId="{94A0D78F-C2D7-49B8-8DCB-D014577E7AD2}" destId="{50FAC0DD-A97D-4AFE-A3FE-6336165F7D75}" srcOrd="0" destOrd="0" presId="urn:microsoft.com/office/officeart/2005/8/layout/process2"/>
     <dgm:cxn modelId="{ED606520-E690-4E59-98DC-EE45DF256A5A}" type="presOf" srcId="{82A30AB6-17E4-4C09-856E-0631074A346C}" destId="{FD86B5D0-3B13-4581-B738-D1AF41FA2DEB}" srcOrd="0" destOrd="0" presId="urn:microsoft.com/office/officeart/2005/8/layout/process2"/>
-    <dgm:cxn modelId="{15350BE7-B622-44BE-965B-F9E255027982}" type="presOf" srcId="{94A0D78F-C2D7-49B8-8DCB-D014577E7AD2}" destId="{50FAC0DD-A97D-4AFE-A3FE-6336165F7D75}" srcOrd="0" destOrd="0" presId="urn:microsoft.com/office/officeart/2005/8/layout/process2"/>
+    <dgm:cxn modelId="{6267BCB9-D836-4842-8FC5-13D5326F9DC5}" type="presOf" srcId="{976BE2BC-8F67-40C5-B46D-B71A0DDF9B5D}" destId="{BB0151D5-66A0-4FAB-8C4A-61012D8B8A2B}" srcOrd="1" destOrd="0" presId="urn:microsoft.com/office/officeart/2005/8/layout/process2"/>
     <dgm:cxn modelId="{A06583E7-0C55-48D1-95DC-336C4898C265}" type="presOf" srcId="{B20D2E25-85D6-455D-9B1F-66FE89B2D3B9}" destId="{52EE0C61-F9E2-4E2B-870A-F204B6107D32}" srcOrd="1" destOrd="0" presId="urn:microsoft.com/office/officeart/2005/8/layout/process2"/>
-    <dgm:cxn modelId="{6267BCB9-D836-4842-8FC5-13D5326F9DC5}" type="presOf" srcId="{976BE2BC-8F67-40C5-B46D-B71A0DDF9B5D}" destId="{BB0151D5-66A0-4FAB-8C4A-61012D8B8A2B}" srcOrd="1" destOrd="0" presId="urn:microsoft.com/office/officeart/2005/8/layout/process2"/>
     <dgm:cxn modelId="{3D0C18E4-E606-41D2-9D85-D54D64F0E4ED}" type="presOf" srcId="{976BE2BC-8F67-40C5-B46D-B71A0DDF9B5D}" destId="{48402B6C-E76D-458E-881A-BEFF37FCA634}" srcOrd="0" destOrd="0" presId="urn:microsoft.com/office/officeart/2005/8/layout/process2"/>
     <dgm:cxn modelId="{AF610C51-A506-4178-A743-9514C5462209}" type="presParOf" srcId="{801932FF-B33B-422B-A640-73A190A0188B}" destId="{CF37AD14-2D34-47D5-8744-9EC43B03B5F1}" srcOrd="0" destOrd="0" presId="urn:microsoft.com/office/officeart/2005/8/layout/process2"/>
     <dgm:cxn modelId="{D806F506-4776-4527-8D5D-6BF589991D81}" type="presParOf" srcId="{801932FF-B33B-422B-A640-73A190A0188B}" destId="{FD86B5D0-3B13-4581-B738-D1AF41FA2DEB}" srcOrd="1" destOrd="0" presId="urn:microsoft.com/office/officeart/2005/8/layout/process2"/>
@@ -4591,6 +5404,13 @@
         </dgm:presLayoutVars>
       </dgm:prSet>
       <dgm:spPr/>
+      <dgm:t>
+        <a:bodyPr/>
+        <a:lstStyle/>
+        <a:p>
+          <a:endParaRPr lang="en-US"/>
+        </a:p>
+      </dgm:t>
     </dgm:pt>
     <dgm:pt modelId="{22DF6D8C-0ED5-451A-B09B-B0A1271F66A8}" type="pres">
       <dgm:prSet presAssocID="{87709601-C45A-46D9-A0EC-020CA6D42875}" presName="parentText" presStyleLbl="node1" presStyleIdx="0" presStyleCnt="5">
@@ -4600,6 +5420,13 @@
         </dgm:presLayoutVars>
       </dgm:prSet>
       <dgm:spPr/>
+      <dgm:t>
+        <a:bodyPr/>
+        <a:lstStyle/>
+        <a:p>
+          <a:endParaRPr lang="en-US"/>
+        </a:p>
+      </dgm:t>
     </dgm:pt>
     <dgm:pt modelId="{899CE179-FEB3-4CD3-9022-FDAF3D86187C}" type="pres">
       <dgm:prSet presAssocID="{41154383-69C8-4C26-8006-9B836F83C253}" presName="spacer" presStyleCnt="0"/>
@@ -4613,6 +5440,13 @@
         </dgm:presLayoutVars>
       </dgm:prSet>
       <dgm:spPr/>
+      <dgm:t>
+        <a:bodyPr/>
+        <a:lstStyle/>
+        <a:p>
+          <a:endParaRPr lang="en-US"/>
+        </a:p>
+      </dgm:t>
     </dgm:pt>
     <dgm:pt modelId="{D4A64117-83FD-4539-8D86-2431D17CAFE3}" type="pres">
       <dgm:prSet presAssocID="{7941CB6F-C278-4BB3-8F34-1586184136AB}" presName="spacer" presStyleCnt="0"/>
@@ -4626,6 +5460,13 @@
         </dgm:presLayoutVars>
       </dgm:prSet>
       <dgm:spPr/>
+      <dgm:t>
+        <a:bodyPr/>
+        <a:lstStyle/>
+        <a:p>
+          <a:endParaRPr lang="en-US"/>
+        </a:p>
+      </dgm:t>
     </dgm:pt>
     <dgm:pt modelId="{39789325-B576-427B-8942-652CAC3C48B7}" type="pres">
       <dgm:prSet presAssocID="{2C2E3372-7921-4C81-9821-E14D9486D302}" presName="spacer" presStyleCnt="0"/>
@@ -4639,6 +5480,13 @@
         </dgm:presLayoutVars>
       </dgm:prSet>
       <dgm:spPr/>
+      <dgm:t>
+        <a:bodyPr/>
+        <a:lstStyle/>
+        <a:p>
+          <a:endParaRPr lang="en-US"/>
+        </a:p>
+      </dgm:t>
     </dgm:pt>
     <dgm:pt modelId="{A05E6FA2-2579-4D8D-AB97-29FFC20BE843}" type="pres">
       <dgm:prSet presAssocID="{3E28AC74-5560-4285-B39F-B1C90F71903E}" presName="spacer" presStyleCnt="0"/>
@@ -4652,20 +5500,27 @@
         </dgm:presLayoutVars>
       </dgm:prSet>
       <dgm:spPr/>
+      <dgm:t>
+        <a:bodyPr/>
+        <a:lstStyle/>
+        <a:p>
+          <a:endParaRPr lang="en-US"/>
+        </a:p>
+      </dgm:t>
     </dgm:pt>
   </dgm:ptLst>
   <dgm:cxnLst>
-    <dgm:cxn modelId="{D2E0C745-7B51-4EFD-B7DF-79BCF6BCEE62}" type="presOf" srcId="{D21CF529-4894-4174-941D-12D835EF00E3}" destId="{40446FFA-3C8A-4580-94D9-711F869D7803}" srcOrd="0" destOrd="0" presId="urn:microsoft.com/office/officeart/2005/8/layout/vList2"/>
-    <dgm:cxn modelId="{0982D409-11D2-4C41-88EA-DDC8D38A33E0}" srcId="{78B20E72-0880-44D2-8000-C7E0B353061D}" destId="{87709601-C45A-46D9-A0EC-020CA6D42875}" srcOrd="0" destOrd="0" parTransId="{C9BA0E75-A6F3-4D7F-8F8F-CC33E259A84F}" sibTransId="{41154383-69C8-4C26-8006-9B836F83C253}"/>
-    <dgm:cxn modelId="{6FBE672E-18F2-42A3-AA4E-8BF7F0DC3A2D}" srcId="{78B20E72-0880-44D2-8000-C7E0B353061D}" destId="{163AD479-9B03-4E70-A05E-CE158A791C4D}" srcOrd="4" destOrd="0" parTransId="{26E43EB1-BC30-4C92-845C-6DB48FF9CD7C}" sibTransId="{0C632329-F9AD-4FDA-8742-FE625DB2117F}"/>
-    <dgm:cxn modelId="{BEC690D6-8349-472F-87C6-4582F2411720}" srcId="{78B20E72-0880-44D2-8000-C7E0B353061D}" destId="{683E69ED-CB54-4EE7-8794-70D2F13F7730}" srcOrd="2" destOrd="0" parTransId="{DDD71471-9E52-495A-9025-190EEDEF31A9}" sibTransId="{2C2E3372-7921-4C81-9821-E14D9486D302}"/>
-    <dgm:cxn modelId="{688C0467-010E-4E95-8923-979073D8A7E6}" type="presOf" srcId="{683E69ED-CB54-4EE7-8794-70D2F13F7730}" destId="{6C14EC16-676A-40EF-9B9C-A62FDD74D733}" srcOrd="0" destOrd="0" presId="urn:microsoft.com/office/officeart/2005/8/layout/vList2"/>
     <dgm:cxn modelId="{9716D076-EB07-4F2A-8125-249347A2BC20}" type="presOf" srcId="{87709601-C45A-46D9-A0EC-020CA6D42875}" destId="{22DF6D8C-0ED5-451A-B09B-B0A1271F66A8}" srcOrd="0" destOrd="0" presId="urn:microsoft.com/office/officeart/2005/8/layout/vList2"/>
     <dgm:cxn modelId="{CDE562C0-5EFC-47AC-A09C-E5140F85649D}" srcId="{78B20E72-0880-44D2-8000-C7E0B353061D}" destId="{D21CF529-4894-4174-941D-12D835EF00E3}" srcOrd="1" destOrd="0" parTransId="{F804816D-52DD-42FE-A28F-22DFBFC637E3}" sibTransId="{7941CB6F-C278-4BB3-8F34-1586184136AB}"/>
+    <dgm:cxn modelId="{D2E0C745-7B51-4EFD-B7DF-79BCF6BCEE62}" type="presOf" srcId="{D21CF529-4894-4174-941D-12D835EF00E3}" destId="{40446FFA-3C8A-4580-94D9-711F869D7803}" srcOrd="0" destOrd="0" presId="urn:microsoft.com/office/officeart/2005/8/layout/vList2"/>
+    <dgm:cxn modelId="{6FBE672E-18F2-42A3-AA4E-8BF7F0DC3A2D}" srcId="{78B20E72-0880-44D2-8000-C7E0B353061D}" destId="{163AD479-9B03-4E70-A05E-CE158A791C4D}" srcOrd="4" destOrd="0" parTransId="{26E43EB1-BC30-4C92-845C-6DB48FF9CD7C}" sibTransId="{0C632329-F9AD-4FDA-8742-FE625DB2117F}"/>
+    <dgm:cxn modelId="{862CE624-0E3E-4AA5-9C61-52DDC2177572}" type="presOf" srcId="{78B20E72-0880-44D2-8000-C7E0B353061D}" destId="{89CC5C0C-BC8B-4810-B5EE-71F56EF81FAE}" srcOrd="0" destOrd="0" presId="urn:microsoft.com/office/officeart/2005/8/layout/vList2"/>
+    <dgm:cxn modelId="{BEC690D6-8349-472F-87C6-4582F2411720}" srcId="{78B20E72-0880-44D2-8000-C7E0B353061D}" destId="{683E69ED-CB54-4EE7-8794-70D2F13F7730}" srcOrd="2" destOrd="0" parTransId="{DDD71471-9E52-495A-9025-190EEDEF31A9}" sibTransId="{2C2E3372-7921-4C81-9821-E14D9486D302}"/>
     <dgm:cxn modelId="{99446C20-D1F5-4E4D-B592-B3712D8E7808}" type="presOf" srcId="{73D8BF10-0F71-4633-835C-C57A871BDB31}" destId="{F36DFB6B-027A-4EC2-8FC2-9B4300AD019C}" srcOrd="0" destOrd="0" presId="urn:microsoft.com/office/officeart/2005/8/layout/vList2"/>
     <dgm:cxn modelId="{F297A6B9-E1E0-4AF8-A5D7-C38ADD2B78CF}" srcId="{78B20E72-0880-44D2-8000-C7E0B353061D}" destId="{73D8BF10-0F71-4633-835C-C57A871BDB31}" srcOrd="3" destOrd="0" parTransId="{4BB4E4C7-5354-4F71-9DE2-C338BFCA448F}" sibTransId="{3E28AC74-5560-4285-B39F-B1C90F71903E}"/>
+    <dgm:cxn modelId="{0982D409-11D2-4C41-88EA-DDC8D38A33E0}" srcId="{78B20E72-0880-44D2-8000-C7E0B353061D}" destId="{87709601-C45A-46D9-A0EC-020CA6D42875}" srcOrd="0" destOrd="0" parTransId="{C9BA0E75-A6F3-4D7F-8F8F-CC33E259A84F}" sibTransId="{41154383-69C8-4C26-8006-9B836F83C253}"/>
+    <dgm:cxn modelId="{688C0467-010E-4E95-8923-979073D8A7E6}" type="presOf" srcId="{683E69ED-CB54-4EE7-8794-70D2F13F7730}" destId="{6C14EC16-676A-40EF-9B9C-A62FDD74D733}" srcOrd="0" destOrd="0" presId="urn:microsoft.com/office/officeart/2005/8/layout/vList2"/>
     <dgm:cxn modelId="{0F5C19BC-7A2B-4C01-A7BF-D18A3F12293E}" type="presOf" srcId="{163AD479-9B03-4E70-A05E-CE158A791C4D}" destId="{7F47DEC6-5713-4E47-A195-53F755E9DF5B}" srcOrd="0" destOrd="0" presId="urn:microsoft.com/office/officeart/2005/8/layout/vList2"/>
-    <dgm:cxn modelId="{862CE624-0E3E-4AA5-9C61-52DDC2177572}" type="presOf" srcId="{78B20E72-0880-44D2-8000-C7E0B353061D}" destId="{89CC5C0C-BC8B-4810-B5EE-71F56EF81FAE}" srcOrd="0" destOrd="0" presId="urn:microsoft.com/office/officeart/2005/8/layout/vList2"/>
     <dgm:cxn modelId="{4434B8F6-D854-44E5-B876-62647767CA22}" type="presParOf" srcId="{89CC5C0C-BC8B-4810-B5EE-71F56EF81FAE}" destId="{22DF6D8C-0ED5-451A-B09B-B0A1271F66A8}" srcOrd="0" destOrd="0" presId="urn:microsoft.com/office/officeart/2005/8/layout/vList2"/>
     <dgm:cxn modelId="{3B796FB1-2B48-4B84-B1C5-B167AE48BEBC}" type="presParOf" srcId="{89CC5C0C-BC8B-4810-B5EE-71F56EF81FAE}" destId="{899CE179-FEB3-4CD3-9022-FDAF3D86187C}" srcOrd="1" destOrd="0" presId="urn:microsoft.com/office/officeart/2005/8/layout/vList2"/>
     <dgm:cxn modelId="{C58366E6-996F-4FF0-AB68-14E1BD6B5B71}" type="presParOf" srcId="{89CC5C0C-BC8B-4810-B5EE-71F56EF81FAE}" destId="{40446FFA-3C8A-4580-94D9-711F869D7803}" srcOrd="2" destOrd="0" presId="urn:microsoft.com/office/officeart/2005/8/layout/vList2"/>
@@ -4978,6 +5833,13 @@
         </dgm:presLayoutVars>
       </dgm:prSet>
       <dgm:spPr/>
+      <dgm:t>
+        <a:bodyPr/>
+        <a:lstStyle/>
+        <a:p>
+          <a:endParaRPr lang="en-US"/>
+        </a:p>
+      </dgm:t>
     </dgm:pt>
     <dgm:pt modelId="{BE81D51B-F56B-4349-A20A-066617A5FDB5}" type="pres">
       <dgm:prSet presAssocID="{9CD7F261-A261-42F3-9615-03F243A39B49}" presName="space" presStyleCnt="0"/>
@@ -4990,6 +5852,13 @@
         </dgm:presLayoutVars>
       </dgm:prSet>
       <dgm:spPr/>
+      <dgm:t>
+        <a:bodyPr/>
+        <a:lstStyle/>
+        <a:p>
+          <a:endParaRPr lang="en-US"/>
+        </a:p>
+      </dgm:t>
     </dgm:pt>
     <dgm:pt modelId="{A3BC24C1-21D5-4EE1-907D-B455916E2450}" type="pres">
       <dgm:prSet presAssocID="{7F4BAD95-633D-4CB8-B653-AC170BF56CBB}" presName="space" presStyleCnt="0"/>
@@ -5002,6 +5871,13 @@
         </dgm:presLayoutVars>
       </dgm:prSet>
       <dgm:spPr/>
+      <dgm:t>
+        <a:bodyPr/>
+        <a:lstStyle/>
+        <a:p>
+          <a:endParaRPr lang="en-US"/>
+        </a:p>
+      </dgm:t>
     </dgm:pt>
     <dgm:pt modelId="{8C4571F2-1B7A-4E1B-A343-545A2B996AD1}" type="pres">
       <dgm:prSet presAssocID="{E9776DF8-B1E2-41C3-8E3B-BBB0F6E4D2F1}" presName="space" presStyleCnt="0"/>
@@ -5014,6 +5890,13 @@
         </dgm:presLayoutVars>
       </dgm:prSet>
       <dgm:spPr/>
+      <dgm:t>
+        <a:bodyPr/>
+        <a:lstStyle/>
+        <a:p>
+          <a:endParaRPr lang="en-US"/>
+        </a:p>
+      </dgm:t>
     </dgm:pt>
     <dgm:pt modelId="{DC0F596D-B752-450B-9297-A0D194D25D23}" type="pres">
       <dgm:prSet presAssocID="{A3F08625-5847-4E62-A1E3-BAE0D9715ADD}" presName="space" presStyleCnt="0"/>
@@ -5026,6 +5909,13 @@
         </dgm:presLayoutVars>
       </dgm:prSet>
       <dgm:spPr/>
+      <dgm:t>
+        <a:bodyPr/>
+        <a:lstStyle/>
+        <a:p>
+          <a:endParaRPr lang="en-US"/>
+        </a:p>
+      </dgm:t>
     </dgm:pt>
   </dgm:ptLst>
   <dgm:cxnLst>
@@ -5055,6 +5945,1078 @@
   <dgm:extLst>
     <a:ext uri="http://schemas.microsoft.com/office/drawing/2008/diagram">
       <dsp:dataModelExt xmlns:dsp="http://schemas.microsoft.com/office/drawing/2008/diagram" relId="rId11" minVer="http://schemas.openxmlformats.org/drawingml/2006/diagram"/>
+    </a:ext>
+  </dgm:extLst>
+</dgm:dataModel>
+</file>
+
+<file path=ppt/diagrams/data5.xml><?xml version="1.0" encoding="utf-8"?>
+<dgm:dataModel xmlns:dgm="http://schemas.openxmlformats.org/drawingml/2006/diagram" xmlns:a="http://schemas.openxmlformats.org/drawingml/2006/main">
+  <dgm:ptLst>
+    <dgm:pt modelId="{A23B3A39-1384-4FE1-9C0D-BC431B70E524}" type="doc">
+      <dgm:prSet loTypeId="urn:microsoft.com/office/officeart/2005/8/layout/vList5" loCatId="list" qsTypeId="urn:microsoft.com/office/officeart/2005/8/quickstyle/simple1" qsCatId="simple" csTypeId="urn:microsoft.com/office/officeart/2005/8/colors/accent1_2" csCatId="accent1" phldr="1"/>
+      <dgm:spPr/>
+      <dgm:t>
+        <a:bodyPr/>
+        <a:lstStyle/>
+        <a:p>
+          <a:endParaRPr lang="en-US"/>
+        </a:p>
+      </dgm:t>
+    </dgm:pt>
+    <dgm:pt modelId="{8F2FFB2D-5D40-46B4-B0D8-6D5B3AAD01F2}">
+      <dgm:prSet phldrT="[Text]"/>
+      <dgm:spPr>
+        <a:solidFill>
+          <a:srgbClr val="0070C0"/>
+        </a:solidFill>
+      </dgm:spPr>
+      <dgm:t>
+        <a:bodyPr/>
+        <a:lstStyle/>
+        <a:p>
+          <a:r>
+            <a:rPr lang="en-US" dirty="0" smtClean="0">
+              <a:latin typeface="Arial" panose="020B0604020202020204" pitchFamily="34" charset="0"/>
+              <a:cs typeface="Arial" panose="020B0604020202020204" pitchFamily="34" charset="0"/>
+            </a:rPr>
+            <a:t>Input data</a:t>
+          </a:r>
+          <a:endParaRPr lang="en-US" dirty="0">
+            <a:latin typeface="Arial" panose="020B0604020202020204" pitchFamily="34" charset="0"/>
+            <a:cs typeface="Arial" panose="020B0604020202020204" pitchFamily="34" charset="0"/>
+          </a:endParaRPr>
+        </a:p>
+      </dgm:t>
+    </dgm:pt>
+    <dgm:pt modelId="{E3A10947-92AC-4F8D-862F-2BBB7038EF68}" type="parTrans" cxnId="{888A84F8-2CCB-426E-B082-9492E1F3DEFF}">
+      <dgm:prSet/>
+      <dgm:spPr/>
+      <dgm:t>
+        <a:bodyPr/>
+        <a:lstStyle/>
+        <a:p>
+          <a:endParaRPr lang="en-US">
+            <a:latin typeface="Arial" panose="020B0604020202020204" pitchFamily="34" charset="0"/>
+            <a:cs typeface="Arial" panose="020B0604020202020204" pitchFamily="34" charset="0"/>
+          </a:endParaRPr>
+        </a:p>
+      </dgm:t>
+    </dgm:pt>
+    <dgm:pt modelId="{F83A2684-0D68-484E-8B27-3F2A6E26B1C6}" type="sibTrans" cxnId="{888A84F8-2CCB-426E-B082-9492E1F3DEFF}">
+      <dgm:prSet/>
+      <dgm:spPr/>
+      <dgm:t>
+        <a:bodyPr/>
+        <a:lstStyle/>
+        <a:p>
+          <a:endParaRPr lang="en-US">
+            <a:latin typeface="Arial" panose="020B0604020202020204" pitchFamily="34" charset="0"/>
+            <a:cs typeface="Arial" panose="020B0604020202020204" pitchFamily="34" charset="0"/>
+          </a:endParaRPr>
+        </a:p>
+      </dgm:t>
+    </dgm:pt>
+    <dgm:pt modelId="{A660BCC8-0E7A-4986-8C39-D406538D91A4}">
+      <dgm:prSet phldrT="[Text]"/>
+      <dgm:spPr>
+        <a:ln w="38100">
+          <a:solidFill>
+            <a:schemeClr val="tx1">
+              <a:alpha val="90000"/>
+            </a:schemeClr>
+          </a:solidFill>
+        </a:ln>
+      </dgm:spPr>
+      <dgm:t>
+        <a:bodyPr/>
+        <a:lstStyle/>
+        <a:p>
+          <a:r>
+            <a:rPr lang="en-US" b="0" i="0" dirty="0" smtClean="0">
+              <a:latin typeface="Arial" panose="020B0604020202020204" pitchFamily="34" charset="0"/>
+              <a:cs typeface="Arial" panose="020B0604020202020204" pitchFamily="34" charset="0"/>
+            </a:rPr>
+            <a:t>The skip-gram model takes a large corpus of text as input and creates a vocabulary from it.</a:t>
+          </a:r>
+          <a:endParaRPr lang="en-US" dirty="0">
+            <a:latin typeface="Arial" panose="020B0604020202020204" pitchFamily="34" charset="0"/>
+            <a:cs typeface="Arial" panose="020B0604020202020204" pitchFamily="34" charset="0"/>
+          </a:endParaRPr>
+        </a:p>
+      </dgm:t>
+    </dgm:pt>
+    <dgm:pt modelId="{0E88CB26-80F6-4963-82D2-288193DD4EB3}" type="parTrans" cxnId="{E63F325A-380C-4EB5-8887-8055E6925194}">
+      <dgm:prSet/>
+      <dgm:spPr/>
+      <dgm:t>
+        <a:bodyPr/>
+        <a:lstStyle/>
+        <a:p>
+          <a:endParaRPr lang="en-US">
+            <a:latin typeface="Arial" panose="020B0604020202020204" pitchFamily="34" charset="0"/>
+            <a:cs typeface="Arial" panose="020B0604020202020204" pitchFamily="34" charset="0"/>
+          </a:endParaRPr>
+        </a:p>
+      </dgm:t>
+    </dgm:pt>
+    <dgm:pt modelId="{0B51367B-4C47-4612-83C7-88DB07ECE87E}" type="sibTrans" cxnId="{E63F325A-380C-4EB5-8887-8055E6925194}">
+      <dgm:prSet/>
+      <dgm:spPr/>
+      <dgm:t>
+        <a:bodyPr/>
+        <a:lstStyle/>
+        <a:p>
+          <a:endParaRPr lang="en-US">
+            <a:latin typeface="Arial" panose="020B0604020202020204" pitchFamily="34" charset="0"/>
+            <a:cs typeface="Arial" panose="020B0604020202020204" pitchFamily="34" charset="0"/>
+          </a:endParaRPr>
+        </a:p>
+      </dgm:t>
+    </dgm:pt>
+    <dgm:pt modelId="{7C9C6D73-A0F6-4D9C-B3DD-096444BD2FFD}">
+      <dgm:prSet phldrT="[Text]"/>
+      <dgm:spPr>
+        <a:ln w="38100">
+          <a:solidFill>
+            <a:schemeClr val="tx1">
+              <a:alpha val="90000"/>
+            </a:schemeClr>
+          </a:solidFill>
+        </a:ln>
+      </dgm:spPr>
+      <dgm:t>
+        <a:bodyPr/>
+        <a:lstStyle/>
+        <a:p>
+          <a:r>
+            <a:rPr lang="en-US" b="0" i="0" dirty="0" smtClean="0">
+              <a:latin typeface="Arial" panose="020B0604020202020204" pitchFamily="34" charset="0"/>
+              <a:cs typeface="Arial" panose="020B0604020202020204" pitchFamily="34" charset="0"/>
+            </a:rPr>
+            <a:t>Each word in the vocabulary is represented as a one-hot vector</a:t>
+          </a:r>
+          <a:endParaRPr lang="en-US" dirty="0">
+            <a:latin typeface="Arial" panose="020B0604020202020204" pitchFamily="34" charset="0"/>
+            <a:cs typeface="Arial" panose="020B0604020202020204" pitchFamily="34" charset="0"/>
+          </a:endParaRPr>
+        </a:p>
+      </dgm:t>
+    </dgm:pt>
+    <dgm:pt modelId="{D018B170-4B05-4B14-86D6-0E8B9FF84BD5}" type="parTrans" cxnId="{D5C07F5D-DCE1-422F-9DF0-3A758763487E}">
+      <dgm:prSet/>
+      <dgm:spPr/>
+      <dgm:t>
+        <a:bodyPr/>
+        <a:lstStyle/>
+        <a:p>
+          <a:endParaRPr lang="en-US">
+            <a:latin typeface="Arial" panose="020B0604020202020204" pitchFamily="34" charset="0"/>
+            <a:cs typeface="Arial" panose="020B0604020202020204" pitchFamily="34" charset="0"/>
+          </a:endParaRPr>
+        </a:p>
+      </dgm:t>
+    </dgm:pt>
+    <dgm:pt modelId="{9E63B202-387B-443E-B7F2-318C8F5A4D53}" type="sibTrans" cxnId="{D5C07F5D-DCE1-422F-9DF0-3A758763487E}">
+      <dgm:prSet/>
+      <dgm:spPr/>
+      <dgm:t>
+        <a:bodyPr/>
+        <a:lstStyle/>
+        <a:p>
+          <a:endParaRPr lang="en-US">
+            <a:latin typeface="Arial" panose="020B0604020202020204" pitchFamily="34" charset="0"/>
+            <a:cs typeface="Arial" panose="020B0604020202020204" pitchFamily="34" charset="0"/>
+          </a:endParaRPr>
+        </a:p>
+      </dgm:t>
+    </dgm:pt>
+    <dgm:pt modelId="{B33B854E-F809-4391-B0CE-5A62BAC97F93}">
+      <dgm:prSet phldrT="[Text]"/>
+      <dgm:spPr>
+        <a:solidFill>
+          <a:srgbClr val="0070C0"/>
+        </a:solidFill>
+      </dgm:spPr>
+      <dgm:t>
+        <a:bodyPr/>
+        <a:lstStyle/>
+        <a:p>
+          <a:r>
+            <a:rPr lang="en-US" b="0" i="0" dirty="0" smtClean="0">
+              <a:latin typeface="Arial" panose="020B0604020202020204" pitchFamily="34" charset="0"/>
+              <a:cs typeface="Arial" panose="020B0604020202020204" pitchFamily="34" charset="0"/>
+            </a:rPr>
+            <a:t>Word embeddings</a:t>
+          </a:r>
+          <a:endParaRPr lang="en-US" dirty="0">
+            <a:latin typeface="Arial" panose="020B0604020202020204" pitchFamily="34" charset="0"/>
+            <a:cs typeface="Arial" panose="020B0604020202020204" pitchFamily="34" charset="0"/>
+          </a:endParaRPr>
+        </a:p>
+      </dgm:t>
+    </dgm:pt>
+    <dgm:pt modelId="{F8548CC9-E3D9-4926-A059-0359E03698AC}" type="parTrans" cxnId="{1FCC9FB6-6867-4F22-AD85-4A1F3BC05F6C}">
+      <dgm:prSet/>
+      <dgm:spPr/>
+      <dgm:t>
+        <a:bodyPr/>
+        <a:lstStyle/>
+        <a:p>
+          <a:endParaRPr lang="en-US">
+            <a:latin typeface="Arial" panose="020B0604020202020204" pitchFamily="34" charset="0"/>
+            <a:cs typeface="Arial" panose="020B0604020202020204" pitchFamily="34" charset="0"/>
+          </a:endParaRPr>
+        </a:p>
+      </dgm:t>
+    </dgm:pt>
+    <dgm:pt modelId="{63571BEC-3C8B-4B20-8FB7-31DFFDEE8FAF}" type="sibTrans" cxnId="{1FCC9FB6-6867-4F22-AD85-4A1F3BC05F6C}">
+      <dgm:prSet/>
+      <dgm:spPr/>
+      <dgm:t>
+        <a:bodyPr/>
+        <a:lstStyle/>
+        <a:p>
+          <a:endParaRPr lang="en-US">
+            <a:latin typeface="Arial" panose="020B0604020202020204" pitchFamily="34" charset="0"/>
+            <a:cs typeface="Arial" panose="020B0604020202020204" pitchFamily="34" charset="0"/>
+          </a:endParaRPr>
+        </a:p>
+      </dgm:t>
+    </dgm:pt>
+    <dgm:pt modelId="{F198F9FD-B65D-48F3-9134-2DA97F7FC60F}">
+      <dgm:prSet phldrT="[Text]"/>
+      <dgm:spPr>
+        <a:ln w="38100">
+          <a:solidFill>
+            <a:schemeClr val="tx1">
+              <a:alpha val="90000"/>
+            </a:schemeClr>
+          </a:solidFill>
+        </a:ln>
+      </dgm:spPr>
+      <dgm:t>
+        <a:bodyPr/>
+        <a:lstStyle/>
+        <a:p>
+          <a:r>
+            <a:rPr lang="en-US" b="0" i="0" dirty="0" smtClean="0">
+              <a:latin typeface="Arial" panose="020B0604020202020204" pitchFamily="34" charset="0"/>
+              <a:cs typeface="Arial" panose="020B0604020202020204" pitchFamily="34" charset="0"/>
+            </a:rPr>
+            <a:t>The skip-gram model creates word embeddings by mapping each one-hot vector to a lower-dimensional vector of real numbers. This is done using a neural network with a hidden layer.</a:t>
+          </a:r>
+          <a:endParaRPr lang="en-US" dirty="0">
+            <a:latin typeface="Arial" panose="020B0604020202020204" pitchFamily="34" charset="0"/>
+            <a:cs typeface="Arial" panose="020B0604020202020204" pitchFamily="34" charset="0"/>
+          </a:endParaRPr>
+        </a:p>
+      </dgm:t>
+    </dgm:pt>
+    <dgm:pt modelId="{5290FD00-BB1F-4552-BD2F-61694546BDCC}" type="parTrans" cxnId="{77B7E5E7-7BBA-44A3-B643-AA70F27A1009}">
+      <dgm:prSet/>
+      <dgm:spPr/>
+      <dgm:t>
+        <a:bodyPr/>
+        <a:lstStyle/>
+        <a:p>
+          <a:endParaRPr lang="en-US">
+            <a:latin typeface="Arial" panose="020B0604020202020204" pitchFamily="34" charset="0"/>
+            <a:cs typeface="Arial" panose="020B0604020202020204" pitchFamily="34" charset="0"/>
+          </a:endParaRPr>
+        </a:p>
+      </dgm:t>
+    </dgm:pt>
+    <dgm:pt modelId="{FB3101F8-0281-48AC-A278-69E6857A0E8C}" type="sibTrans" cxnId="{77B7E5E7-7BBA-44A3-B643-AA70F27A1009}">
+      <dgm:prSet/>
+      <dgm:spPr/>
+      <dgm:t>
+        <a:bodyPr/>
+        <a:lstStyle/>
+        <a:p>
+          <a:endParaRPr lang="en-US">
+            <a:latin typeface="Arial" panose="020B0604020202020204" pitchFamily="34" charset="0"/>
+            <a:cs typeface="Arial" panose="020B0604020202020204" pitchFamily="34" charset="0"/>
+          </a:endParaRPr>
+        </a:p>
+      </dgm:t>
+    </dgm:pt>
+    <dgm:pt modelId="{03BCAA57-3ED1-4654-BBE1-7C00C98E3FDC}">
+      <dgm:prSet phldrT="[Text]"/>
+      <dgm:spPr>
+        <a:solidFill>
+          <a:srgbClr val="0070C0"/>
+        </a:solidFill>
+      </dgm:spPr>
+      <dgm:t>
+        <a:bodyPr/>
+        <a:lstStyle/>
+        <a:p>
+          <a:r>
+            <a:rPr lang="en-US" b="0" i="0" dirty="0" smtClean="0">
+              <a:latin typeface="Arial" panose="020B0604020202020204" pitchFamily="34" charset="0"/>
+              <a:cs typeface="Arial" panose="020B0604020202020204" pitchFamily="34" charset="0"/>
+            </a:rPr>
+            <a:t>Training</a:t>
+          </a:r>
+          <a:endParaRPr lang="en-US" dirty="0">
+            <a:latin typeface="Arial" panose="020B0604020202020204" pitchFamily="34" charset="0"/>
+            <a:cs typeface="Arial" panose="020B0604020202020204" pitchFamily="34" charset="0"/>
+          </a:endParaRPr>
+        </a:p>
+      </dgm:t>
+    </dgm:pt>
+    <dgm:pt modelId="{9CC46E2F-5F96-4B9D-8C51-EF47E506F653}" type="parTrans" cxnId="{9A31FDF2-54D3-4FEA-A8DB-296834DB15C6}">
+      <dgm:prSet/>
+      <dgm:spPr/>
+      <dgm:t>
+        <a:bodyPr/>
+        <a:lstStyle/>
+        <a:p>
+          <a:endParaRPr lang="en-US">
+            <a:latin typeface="Arial" panose="020B0604020202020204" pitchFamily="34" charset="0"/>
+            <a:cs typeface="Arial" panose="020B0604020202020204" pitchFamily="34" charset="0"/>
+          </a:endParaRPr>
+        </a:p>
+      </dgm:t>
+    </dgm:pt>
+    <dgm:pt modelId="{6CCA2876-95CC-49B1-87DE-322DB8FD806F}" type="sibTrans" cxnId="{9A31FDF2-54D3-4FEA-A8DB-296834DB15C6}">
+      <dgm:prSet/>
+      <dgm:spPr/>
+      <dgm:t>
+        <a:bodyPr/>
+        <a:lstStyle/>
+        <a:p>
+          <a:endParaRPr lang="en-US">
+            <a:latin typeface="Arial" panose="020B0604020202020204" pitchFamily="34" charset="0"/>
+            <a:cs typeface="Arial" panose="020B0604020202020204" pitchFamily="34" charset="0"/>
+          </a:endParaRPr>
+        </a:p>
+      </dgm:t>
+    </dgm:pt>
+    <dgm:pt modelId="{7C22DC0C-412A-4C3C-BCDA-D4CFA1C7203F}">
+      <dgm:prSet phldrT="[Text]"/>
+      <dgm:spPr>
+        <a:ln w="38100">
+          <a:solidFill>
+            <a:schemeClr val="tx1">
+              <a:alpha val="90000"/>
+            </a:schemeClr>
+          </a:solidFill>
+        </a:ln>
+      </dgm:spPr>
+      <dgm:t>
+        <a:bodyPr/>
+        <a:lstStyle/>
+        <a:p>
+          <a:r>
+            <a:rPr lang="en-US" b="0" i="0" dirty="0" smtClean="0">
+              <a:latin typeface="Arial" panose="020B0604020202020204" pitchFamily="34" charset="0"/>
+              <a:cs typeface="Arial" panose="020B0604020202020204" pitchFamily="34" charset="0"/>
+            </a:rPr>
+            <a:t>The skip-gram model is trained to predict the context words that surround a given target word</a:t>
+          </a:r>
+          <a:endParaRPr lang="en-US" dirty="0">
+            <a:latin typeface="Arial" panose="020B0604020202020204" pitchFamily="34" charset="0"/>
+            <a:cs typeface="Arial" panose="020B0604020202020204" pitchFamily="34" charset="0"/>
+          </a:endParaRPr>
+        </a:p>
+      </dgm:t>
+    </dgm:pt>
+    <dgm:pt modelId="{2EE6F705-150A-478A-902C-A5280FFC3E1D}" type="parTrans" cxnId="{F889C4B4-5D2E-430F-BC0B-C48F673AC154}">
+      <dgm:prSet/>
+      <dgm:spPr/>
+      <dgm:t>
+        <a:bodyPr/>
+        <a:lstStyle/>
+        <a:p>
+          <a:endParaRPr lang="en-US">
+            <a:latin typeface="Arial" panose="020B0604020202020204" pitchFamily="34" charset="0"/>
+            <a:cs typeface="Arial" panose="020B0604020202020204" pitchFamily="34" charset="0"/>
+          </a:endParaRPr>
+        </a:p>
+      </dgm:t>
+    </dgm:pt>
+    <dgm:pt modelId="{B2CB612C-EA35-4E72-BADF-6CABD57C51B9}" type="sibTrans" cxnId="{F889C4B4-5D2E-430F-BC0B-C48F673AC154}">
+      <dgm:prSet/>
+      <dgm:spPr/>
+      <dgm:t>
+        <a:bodyPr/>
+        <a:lstStyle/>
+        <a:p>
+          <a:endParaRPr lang="en-US">
+            <a:latin typeface="Arial" panose="020B0604020202020204" pitchFamily="34" charset="0"/>
+            <a:cs typeface="Arial" panose="020B0604020202020204" pitchFamily="34" charset="0"/>
+          </a:endParaRPr>
+        </a:p>
+      </dgm:t>
+    </dgm:pt>
+    <dgm:pt modelId="{E9692CDA-3838-4BC5-994B-7E3AEEEF650C}">
+      <dgm:prSet phldrT="[Text]"/>
+      <dgm:spPr>
+        <a:ln w="38100">
+          <a:solidFill>
+            <a:schemeClr val="tx1">
+              <a:alpha val="90000"/>
+            </a:schemeClr>
+          </a:solidFill>
+        </a:ln>
+      </dgm:spPr>
+      <dgm:t>
+        <a:bodyPr/>
+        <a:lstStyle/>
+        <a:p>
+          <a:r>
+            <a:rPr lang="en-US" b="0" i="0" dirty="0" smtClean="0">
+              <a:latin typeface="Arial" panose="020B0604020202020204" pitchFamily="34" charset="0"/>
+              <a:cs typeface="Arial" panose="020B0604020202020204" pitchFamily="34" charset="0"/>
+            </a:rPr>
+            <a:t>The context words are determined by a sliding window of fixed size that moves over the text.</a:t>
+          </a:r>
+          <a:endParaRPr lang="en-US" dirty="0">
+            <a:latin typeface="Arial" panose="020B0604020202020204" pitchFamily="34" charset="0"/>
+            <a:cs typeface="Arial" panose="020B0604020202020204" pitchFamily="34" charset="0"/>
+          </a:endParaRPr>
+        </a:p>
+      </dgm:t>
+    </dgm:pt>
+    <dgm:pt modelId="{7CDD64EB-8F9B-4E52-9B10-0E9B14B9988C}" type="parTrans" cxnId="{09409BC6-AB5B-4750-86A6-04CA32B0C797}">
+      <dgm:prSet/>
+      <dgm:spPr/>
+      <dgm:t>
+        <a:bodyPr/>
+        <a:lstStyle/>
+        <a:p>
+          <a:endParaRPr lang="en-US">
+            <a:latin typeface="Arial" panose="020B0604020202020204" pitchFamily="34" charset="0"/>
+            <a:cs typeface="Arial" panose="020B0604020202020204" pitchFamily="34" charset="0"/>
+          </a:endParaRPr>
+        </a:p>
+      </dgm:t>
+    </dgm:pt>
+    <dgm:pt modelId="{D5CA611A-F720-4A12-9F55-A1CC0F1BBD70}" type="sibTrans" cxnId="{09409BC6-AB5B-4750-86A6-04CA32B0C797}">
+      <dgm:prSet/>
+      <dgm:spPr/>
+      <dgm:t>
+        <a:bodyPr/>
+        <a:lstStyle/>
+        <a:p>
+          <a:endParaRPr lang="en-US">
+            <a:latin typeface="Arial" panose="020B0604020202020204" pitchFamily="34" charset="0"/>
+            <a:cs typeface="Arial" panose="020B0604020202020204" pitchFamily="34" charset="0"/>
+          </a:endParaRPr>
+        </a:p>
+      </dgm:t>
+    </dgm:pt>
+    <dgm:pt modelId="{CD630DAC-FDA2-4403-AAA0-69C721AA0BE6}">
+      <dgm:prSet phldrT="[Text]"/>
+      <dgm:spPr>
+        <a:solidFill>
+          <a:srgbClr val="0070C0"/>
+        </a:solidFill>
+      </dgm:spPr>
+      <dgm:t>
+        <a:bodyPr/>
+        <a:lstStyle/>
+        <a:p>
+          <a:r>
+            <a:rPr lang="en-US" dirty="0" smtClean="0">
+              <a:latin typeface="Arial" panose="020B0604020202020204" pitchFamily="34" charset="0"/>
+              <a:cs typeface="Arial" panose="020B0604020202020204" pitchFamily="34" charset="0"/>
+            </a:rPr>
+            <a:t>Output Layer</a:t>
+          </a:r>
+          <a:endParaRPr lang="en-US" dirty="0">
+            <a:latin typeface="Arial" panose="020B0604020202020204" pitchFamily="34" charset="0"/>
+            <a:cs typeface="Arial" panose="020B0604020202020204" pitchFamily="34" charset="0"/>
+          </a:endParaRPr>
+        </a:p>
+      </dgm:t>
+    </dgm:pt>
+    <dgm:pt modelId="{4AB2F7DF-D318-4D74-8BC5-C792A7485CF2}" type="parTrans" cxnId="{9ED66A02-D3FD-43EB-8ED0-9B385D115805}">
+      <dgm:prSet/>
+      <dgm:spPr/>
+      <dgm:t>
+        <a:bodyPr/>
+        <a:lstStyle/>
+        <a:p>
+          <a:endParaRPr lang="en-US">
+            <a:latin typeface="Arial" panose="020B0604020202020204" pitchFamily="34" charset="0"/>
+            <a:cs typeface="Arial" panose="020B0604020202020204" pitchFamily="34" charset="0"/>
+          </a:endParaRPr>
+        </a:p>
+      </dgm:t>
+    </dgm:pt>
+    <dgm:pt modelId="{D753F901-AA4F-4F18-B81C-D72E308B061D}" type="sibTrans" cxnId="{9ED66A02-D3FD-43EB-8ED0-9B385D115805}">
+      <dgm:prSet/>
+      <dgm:spPr/>
+      <dgm:t>
+        <a:bodyPr/>
+        <a:lstStyle/>
+        <a:p>
+          <a:endParaRPr lang="en-US">
+            <a:latin typeface="Arial" panose="020B0604020202020204" pitchFamily="34" charset="0"/>
+            <a:cs typeface="Arial" panose="020B0604020202020204" pitchFamily="34" charset="0"/>
+          </a:endParaRPr>
+        </a:p>
+      </dgm:t>
+    </dgm:pt>
+    <dgm:pt modelId="{91FEC288-DBF4-4AE9-9ECF-B5B2003CF28F}">
+      <dgm:prSet phldrT="[Text]"/>
+      <dgm:spPr>
+        <a:ln w="38100">
+          <a:solidFill>
+            <a:schemeClr val="tx1">
+              <a:alpha val="90000"/>
+            </a:schemeClr>
+          </a:solidFill>
+        </a:ln>
+      </dgm:spPr>
+      <dgm:t>
+        <a:bodyPr/>
+        <a:lstStyle/>
+        <a:p>
+          <a:r>
+            <a:rPr lang="en-US" b="0" i="0" dirty="0" smtClean="0">
+              <a:latin typeface="Arial" panose="020B0604020202020204" pitchFamily="34" charset="0"/>
+              <a:cs typeface="Arial" panose="020B0604020202020204" pitchFamily="34" charset="0"/>
+            </a:rPr>
+            <a:t>The output layer of the skip-gram model is a softmax function that computes the probability of each word in the vocabulary being a context word given the target word.</a:t>
+          </a:r>
+          <a:endParaRPr lang="en-US" dirty="0">
+            <a:latin typeface="Arial" panose="020B0604020202020204" pitchFamily="34" charset="0"/>
+            <a:cs typeface="Arial" panose="020B0604020202020204" pitchFamily="34" charset="0"/>
+          </a:endParaRPr>
+        </a:p>
+      </dgm:t>
+    </dgm:pt>
+    <dgm:pt modelId="{A6BFEAFF-9D62-4A41-BA1C-02BF601E878A}" type="parTrans" cxnId="{D22A39D3-C5A1-4BC3-B762-4E02BC7C323D}">
+      <dgm:prSet/>
+      <dgm:spPr/>
+      <dgm:t>
+        <a:bodyPr/>
+        <a:lstStyle/>
+        <a:p>
+          <a:endParaRPr lang="en-US">
+            <a:latin typeface="Arial" panose="020B0604020202020204" pitchFamily="34" charset="0"/>
+            <a:cs typeface="Arial" panose="020B0604020202020204" pitchFamily="34" charset="0"/>
+          </a:endParaRPr>
+        </a:p>
+      </dgm:t>
+    </dgm:pt>
+    <dgm:pt modelId="{D1121E82-D323-467C-A3E1-49D85BEB7335}" type="sibTrans" cxnId="{D22A39D3-C5A1-4BC3-B762-4E02BC7C323D}">
+      <dgm:prSet/>
+      <dgm:spPr/>
+      <dgm:t>
+        <a:bodyPr/>
+        <a:lstStyle/>
+        <a:p>
+          <a:endParaRPr lang="en-US">
+            <a:latin typeface="Arial" panose="020B0604020202020204" pitchFamily="34" charset="0"/>
+            <a:cs typeface="Arial" panose="020B0604020202020204" pitchFamily="34" charset="0"/>
+          </a:endParaRPr>
+        </a:p>
+      </dgm:t>
+    </dgm:pt>
+    <dgm:pt modelId="{6C26F2DE-5275-4E71-9363-A2AF37A703A2}">
+      <dgm:prSet phldrT="[Text]"/>
+      <dgm:spPr>
+        <a:solidFill>
+          <a:srgbClr val="0070C0"/>
+        </a:solidFill>
+      </dgm:spPr>
+      <dgm:t>
+        <a:bodyPr/>
+        <a:lstStyle/>
+        <a:p>
+          <a:r>
+            <a:rPr lang="en-US" b="0" i="0" smtClean="0">
+              <a:latin typeface="Arial" panose="020B0604020202020204" pitchFamily="34" charset="0"/>
+              <a:cs typeface="Arial" panose="020B0604020202020204" pitchFamily="34" charset="0"/>
+            </a:rPr>
+            <a:t>Loss function</a:t>
+          </a:r>
+          <a:endParaRPr lang="en-US" dirty="0">
+            <a:latin typeface="Arial" panose="020B0604020202020204" pitchFamily="34" charset="0"/>
+            <a:cs typeface="Arial" panose="020B0604020202020204" pitchFamily="34" charset="0"/>
+          </a:endParaRPr>
+        </a:p>
+      </dgm:t>
+    </dgm:pt>
+    <dgm:pt modelId="{4CED719F-AF4E-4127-96A5-2CA31B1C8969}" type="parTrans" cxnId="{A069AA81-EF22-4B6D-8270-11B0B313E10B}">
+      <dgm:prSet/>
+      <dgm:spPr/>
+      <dgm:t>
+        <a:bodyPr/>
+        <a:lstStyle/>
+        <a:p>
+          <a:endParaRPr lang="en-US">
+            <a:latin typeface="Arial" panose="020B0604020202020204" pitchFamily="34" charset="0"/>
+            <a:cs typeface="Arial" panose="020B0604020202020204" pitchFamily="34" charset="0"/>
+          </a:endParaRPr>
+        </a:p>
+      </dgm:t>
+    </dgm:pt>
+    <dgm:pt modelId="{F968F8A9-69B4-4E8E-A2EB-044E7A2F4B8B}" type="sibTrans" cxnId="{A069AA81-EF22-4B6D-8270-11B0B313E10B}">
+      <dgm:prSet/>
+      <dgm:spPr/>
+      <dgm:t>
+        <a:bodyPr/>
+        <a:lstStyle/>
+        <a:p>
+          <a:endParaRPr lang="en-US">
+            <a:latin typeface="Arial" panose="020B0604020202020204" pitchFamily="34" charset="0"/>
+            <a:cs typeface="Arial" panose="020B0604020202020204" pitchFamily="34" charset="0"/>
+          </a:endParaRPr>
+        </a:p>
+      </dgm:t>
+    </dgm:pt>
+    <dgm:pt modelId="{45FCE819-A539-4842-8B09-728D28DC91E6}">
+      <dgm:prSet phldrT="[Text]"/>
+      <dgm:spPr>
+        <a:ln w="38100">
+          <a:solidFill>
+            <a:schemeClr val="tx1">
+              <a:alpha val="90000"/>
+            </a:schemeClr>
+          </a:solidFill>
+        </a:ln>
+      </dgm:spPr>
+      <dgm:t>
+        <a:bodyPr/>
+        <a:lstStyle/>
+        <a:p>
+          <a:r>
+            <a:rPr lang="en-US" b="0" i="0" smtClean="0">
+              <a:latin typeface="Arial" panose="020B0604020202020204" pitchFamily="34" charset="0"/>
+              <a:cs typeface="Arial" panose="020B0604020202020204" pitchFamily="34" charset="0"/>
+            </a:rPr>
+            <a:t>The loss function used to train the skip-gram model is the negative log-likelihood of the target word given the context words.</a:t>
+          </a:r>
+          <a:endParaRPr lang="en-US" dirty="0">
+            <a:latin typeface="Arial" panose="020B0604020202020204" pitchFamily="34" charset="0"/>
+            <a:cs typeface="Arial" panose="020B0604020202020204" pitchFamily="34" charset="0"/>
+          </a:endParaRPr>
+        </a:p>
+      </dgm:t>
+    </dgm:pt>
+    <dgm:pt modelId="{7EEF028A-9DFA-41E9-803C-8D40A629C827}" type="parTrans" cxnId="{42188867-C08E-42E8-AFE5-C3A09BE25101}">
+      <dgm:prSet/>
+      <dgm:spPr/>
+      <dgm:t>
+        <a:bodyPr/>
+        <a:lstStyle/>
+        <a:p>
+          <a:endParaRPr lang="en-US">
+            <a:latin typeface="Arial" panose="020B0604020202020204" pitchFamily="34" charset="0"/>
+            <a:cs typeface="Arial" panose="020B0604020202020204" pitchFamily="34" charset="0"/>
+          </a:endParaRPr>
+        </a:p>
+      </dgm:t>
+    </dgm:pt>
+    <dgm:pt modelId="{1672B7B6-1C09-480D-8A8E-89C7BDA32DDF}" type="sibTrans" cxnId="{42188867-C08E-42E8-AFE5-C3A09BE25101}">
+      <dgm:prSet/>
+      <dgm:spPr/>
+      <dgm:t>
+        <a:bodyPr/>
+        <a:lstStyle/>
+        <a:p>
+          <a:endParaRPr lang="en-US">
+            <a:latin typeface="Arial" panose="020B0604020202020204" pitchFamily="34" charset="0"/>
+            <a:cs typeface="Arial" panose="020B0604020202020204" pitchFamily="34" charset="0"/>
+          </a:endParaRPr>
+        </a:p>
+      </dgm:t>
+    </dgm:pt>
+    <dgm:pt modelId="{131AEC3B-85C6-4F31-A755-BD8544AA3AE8}">
+      <dgm:prSet phldrT="[Text]"/>
+      <dgm:spPr>
+        <a:solidFill>
+          <a:srgbClr val="0070C0"/>
+        </a:solidFill>
+      </dgm:spPr>
+      <dgm:t>
+        <a:bodyPr/>
+        <a:lstStyle/>
+        <a:p>
+          <a:r>
+            <a:rPr lang="en-US" b="0" i="0" smtClean="0">
+              <a:latin typeface="Arial" panose="020B0604020202020204" pitchFamily="34" charset="0"/>
+              <a:cs typeface="Arial" panose="020B0604020202020204" pitchFamily="34" charset="0"/>
+            </a:rPr>
+            <a:t>Optimization</a:t>
+          </a:r>
+          <a:endParaRPr lang="en-US" dirty="0">
+            <a:latin typeface="Arial" panose="020B0604020202020204" pitchFamily="34" charset="0"/>
+            <a:cs typeface="Arial" panose="020B0604020202020204" pitchFamily="34" charset="0"/>
+          </a:endParaRPr>
+        </a:p>
+      </dgm:t>
+    </dgm:pt>
+    <dgm:pt modelId="{72D52806-A7B8-4A95-B8EE-31FB25ED3A96}" type="parTrans" cxnId="{80F8B0C8-6948-456A-9D15-51ABDF024F7B}">
+      <dgm:prSet/>
+      <dgm:spPr/>
+      <dgm:t>
+        <a:bodyPr/>
+        <a:lstStyle/>
+        <a:p>
+          <a:endParaRPr lang="en-US">
+            <a:latin typeface="Arial" panose="020B0604020202020204" pitchFamily="34" charset="0"/>
+            <a:cs typeface="Arial" panose="020B0604020202020204" pitchFamily="34" charset="0"/>
+          </a:endParaRPr>
+        </a:p>
+      </dgm:t>
+    </dgm:pt>
+    <dgm:pt modelId="{CF861DDE-74C5-450F-829A-DCF527FEDE19}" type="sibTrans" cxnId="{80F8B0C8-6948-456A-9D15-51ABDF024F7B}">
+      <dgm:prSet/>
+      <dgm:spPr/>
+      <dgm:t>
+        <a:bodyPr/>
+        <a:lstStyle/>
+        <a:p>
+          <a:endParaRPr lang="en-US">
+            <a:latin typeface="Arial" panose="020B0604020202020204" pitchFamily="34" charset="0"/>
+            <a:cs typeface="Arial" panose="020B0604020202020204" pitchFamily="34" charset="0"/>
+          </a:endParaRPr>
+        </a:p>
+      </dgm:t>
+    </dgm:pt>
+    <dgm:pt modelId="{1CF30335-A1C4-4FF7-A0A9-6692EB8A1536}">
+      <dgm:prSet phldrT="[Text]"/>
+      <dgm:spPr>
+        <a:ln w="38100">
+          <a:solidFill>
+            <a:schemeClr val="tx1">
+              <a:alpha val="90000"/>
+            </a:schemeClr>
+          </a:solidFill>
+        </a:ln>
+      </dgm:spPr>
+      <dgm:t>
+        <a:bodyPr/>
+        <a:lstStyle/>
+        <a:p>
+          <a:r>
+            <a:rPr lang="en-US" b="0" i="0" smtClean="0">
+              <a:latin typeface="Arial" panose="020B0604020202020204" pitchFamily="34" charset="0"/>
+              <a:cs typeface="Arial" panose="020B0604020202020204" pitchFamily="34" charset="0"/>
+            </a:rPr>
+            <a:t>The skip-gram model is optimized using stochastic gradient descent. During training, the weights of the neural network are updated iteratively to minimize the loss function</a:t>
+          </a:r>
+          <a:endParaRPr lang="en-US" dirty="0">
+            <a:latin typeface="Arial" panose="020B0604020202020204" pitchFamily="34" charset="0"/>
+            <a:cs typeface="Arial" panose="020B0604020202020204" pitchFamily="34" charset="0"/>
+          </a:endParaRPr>
+        </a:p>
+      </dgm:t>
+    </dgm:pt>
+    <dgm:pt modelId="{3DEB61D8-3150-4EE8-8F72-4CE75E665F9F}" type="parTrans" cxnId="{BE58AA96-884B-4AD8-A308-35C83E8B1F9A}">
+      <dgm:prSet/>
+      <dgm:spPr/>
+      <dgm:t>
+        <a:bodyPr/>
+        <a:lstStyle/>
+        <a:p>
+          <a:endParaRPr lang="en-US">
+            <a:latin typeface="Arial" panose="020B0604020202020204" pitchFamily="34" charset="0"/>
+            <a:cs typeface="Arial" panose="020B0604020202020204" pitchFamily="34" charset="0"/>
+          </a:endParaRPr>
+        </a:p>
+      </dgm:t>
+    </dgm:pt>
+    <dgm:pt modelId="{C2206267-740F-4606-B8F7-54F18AFF7394}" type="sibTrans" cxnId="{BE58AA96-884B-4AD8-A308-35C83E8B1F9A}">
+      <dgm:prSet/>
+      <dgm:spPr/>
+      <dgm:t>
+        <a:bodyPr/>
+        <a:lstStyle/>
+        <a:p>
+          <a:endParaRPr lang="en-US">
+            <a:latin typeface="Arial" panose="020B0604020202020204" pitchFamily="34" charset="0"/>
+            <a:cs typeface="Arial" panose="020B0604020202020204" pitchFamily="34" charset="0"/>
+          </a:endParaRPr>
+        </a:p>
+      </dgm:t>
+    </dgm:pt>
+    <dgm:pt modelId="{F8BC0416-4A3A-4D6B-852A-B2421611317D}" type="pres">
+      <dgm:prSet presAssocID="{A23B3A39-1384-4FE1-9C0D-BC431B70E524}" presName="Name0" presStyleCnt="0">
+        <dgm:presLayoutVars>
+          <dgm:dir/>
+          <dgm:animLvl val="lvl"/>
+          <dgm:resizeHandles val="exact"/>
+        </dgm:presLayoutVars>
+      </dgm:prSet>
+      <dgm:spPr/>
+    </dgm:pt>
+    <dgm:pt modelId="{25926C5E-9F36-4B59-8DA5-9B797B56E9CF}" type="pres">
+      <dgm:prSet presAssocID="{8F2FFB2D-5D40-46B4-B0D8-6D5B3AAD01F2}" presName="linNode" presStyleCnt="0"/>
+      <dgm:spPr/>
+    </dgm:pt>
+    <dgm:pt modelId="{EDA23762-5C04-46FB-87A2-3C68D813D0EF}" type="pres">
+      <dgm:prSet presAssocID="{8F2FFB2D-5D40-46B4-B0D8-6D5B3AAD01F2}" presName="parentText" presStyleLbl="node1" presStyleIdx="0" presStyleCnt="6" custScaleX="200684">
+        <dgm:presLayoutVars>
+          <dgm:chMax val="1"/>
+          <dgm:bulletEnabled val="1"/>
+        </dgm:presLayoutVars>
+      </dgm:prSet>
+      <dgm:spPr/>
+      <dgm:t>
+        <a:bodyPr/>
+        <a:lstStyle/>
+        <a:p>
+          <a:endParaRPr lang="en-US"/>
+        </a:p>
+      </dgm:t>
+    </dgm:pt>
+    <dgm:pt modelId="{8EC02266-7EA9-4F98-BA27-B1EAC4C96C72}" type="pres">
+      <dgm:prSet presAssocID="{8F2FFB2D-5D40-46B4-B0D8-6D5B3AAD01F2}" presName="descendantText" presStyleLbl="alignAccFollowNode1" presStyleIdx="0" presStyleCnt="6" custScaleX="732832">
+        <dgm:presLayoutVars>
+          <dgm:bulletEnabled val="1"/>
+        </dgm:presLayoutVars>
+      </dgm:prSet>
+      <dgm:spPr/>
+      <dgm:t>
+        <a:bodyPr/>
+        <a:lstStyle/>
+        <a:p>
+          <a:endParaRPr lang="en-US"/>
+        </a:p>
+      </dgm:t>
+    </dgm:pt>
+    <dgm:pt modelId="{9EE86766-EB80-4F4A-9B44-60BE42F5C983}" type="pres">
+      <dgm:prSet presAssocID="{F83A2684-0D68-484E-8B27-3F2A6E26B1C6}" presName="sp" presStyleCnt="0"/>
+      <dgm:spPr/>
+    </dgm:pt>
+    <dgm:pt modelId="{E20FBEC8-69E0-4F15-B91C-443B6405A194}" type="pres">
+      <dgm:prSet presAssocID="{B33B854E-F809-4391-B0CE-5A62BAC97F93}" presName="linNode" presStyleCnt="0"/>
+      <dgm:spPr/>
+    </dgm:pt>
+    <dgm:pt modelId="{01A20BAD-7916-4203-A5E5-060A113B6C5A}" type="pres">
+      <dgm:prSet presAssocID="{B33B854E-F809-4391-B0CE-5A62BAC97F93}" presName="parentText" presStyleLbl="node1" presStyleIdx="1" presStyleCnt="6" custScaleX="200684">
+        <dgm:presLayoutVars>
+          <dgm:chMax val="1"/>
+          <dgm:bulletEnabled val="1"/>
+        </dgm:presLayoutVars>
+      </dgm:prSet>
+      <dgm:spPr/>
+      <dgm:t>
+        <a:bodyPr/>
+        <a:lstStyle/>
+        <a:p>
+          <a:endParaRPr lang="en-US"/>
+        </a:p>
+      </dgm:t>
+    </dgm:pt>
+    <dgm:pt modelId="{2C6E3A51-C235-4B62-9443-81743F0A1E20}" type="pres">
+      <dgm:prSet presAssocID="{B33B854E-F809-4391-B0CE-5A62BAC97F93}" presName="descendantText" presStyleLbl="alignAccFollowNode1" presStyleIdx="1" presStyleCnt="6" custScaleX="732832">
+        <dgm:presLayoutVars>
+          <dgm:bulletEnabled val="1"/>
+        </dgm:presLayoutVars>
+      </dgm:prSet>
+      <dgm:spPr/>
+      <dgm:t>
+        <a:bodyPr/>
+        <a:lstStyle/>
+        <a:p>
+          <a:endParaRPr lang="en-US"/>
+        </a:p>
+      </dgm:t>
+    </dgm:pt>
+    <dgm:pt modelId="{C353A13A-324F-4E0B-8AF5-1A432E50F215}" type="pres">
+      <dgm:prSet presAssocID="{63571BEC-3C8B-4B20-8FB7-31DFFDEE8FAF}" presName="sp" presStyleCnt="0"/>
+      <dgm:spPr/>
+    </dgm:pt>
+    <dgm:pt modelId="{B55525D5-D15F-4417-B707-25A207A5430C}" type="pres">
+      <dgm:prSet presAssocID="{03BCAA57-3ED1-4654-BBE1-7C00C98E3FDC}" presName="linNode" presStyleCnt="0"/>
+      <dgm:spPr/>
+    </dgm:pt>
+    <dgm:pt modelId="{4123E632-00E3-42F5-8E95-E87227C0C1D7}" type="pres">
+      <dgm:prSet presAssocID="{03BCAA57-3ED1-4654-BBE1-7C00C98E3FDC}" presName="parentText" presStyleLbl="node1" presStyleIdx="2" presStyleCnt="6" custScaleX="200684">
+        <dgm:presLayoutVars>
+          <dgm:chMax val="1"/>
+          <dgm:bulletEnabled val="1"/>
+        </dgm:presLayoutVars>
+      </dgm:prSet>
+      <dgm:spPr/>
+      <dgm:t>
+        <a:bodyPr/>
+        <a:lstStyle/>
+        <a:p>
+          <a:endParaRPr lang="en-US"/>
+        </a:p>
+      </dgm:t>
+    </dgm:pt>
+    <dgm:pt modelId="{8E3C3996-D48D-41D0-9537-DB03CEBEC35F}" type="pres">
+      <dgm:prSet presAssocID="{03BCAA57-3ED1-4654-BBE1-7C00C98E3FDC}" presName="descendantText" presStyleLbl="alignAccFollowNode1" presStyleIdx="2" presStyleCnt="6" custScaleX="732832">
+        <dgm:presLayoutVars>
+          <dgm:bulletEnabled val="1"/>
+        </dgm:presLayoutVars>
+      </dgm:prSet>
+      <dgm:spPr/>
+      <dgm:t>
+        <a:bodyPr/>
+        <a:lstStyle/>
+        <a:p>
+          <a:endParaRPr lang="en-US"/>
+        </a:p>
+      </dgm:t>
+    </dgm:pt>
+    <dgm:pt modelId="{1A5FA501-1D24-4DF8-8493-A66D954B074F}" type="pres">
+      <dgm:prSet presAssocID="{6CCA2876-95CC-49B1-87DE-322DB8FD806F}" presName="sp" presStyleCnt="0"/>
+      <dgm:spPr/>
+    </dgm:pt>
+    <dgm:pt modelId="{7B49380E-33AD-497E-AF54-7E07271108C9}" type="pres">
+      <dgm:prSet presAssocID="{CD630DAC-FDA2-4403-AAA0-69C721AA0BE6}" presName="linNode" presStyleCnt="0"/>
+      <dgm:spPr/>
+    </dgm:pt>
+    <dgm:pt modelId="{E12A0AC7-05E9-46D2-8982-F6BCFE7BAD51}" type="pres">
+      <dgm:prSet presAssocID="{CD630DAC-FDA2-4403-AAA0-69C721AA0BE6}" presName="parentText" presStyleLbl="node1" presStyleIdx="3" presStyleCnt="6" custScaleX="200684">
+        <dgm:presLayoutVars>
+          <dgm:chMax val="1"/>
+          <dgm:bulletEnabled val="1"/>
+        </dgm:presLayoutVars>
+      </dgm:prSet>
+      <dgm:spPr/>
+    </dgm:pt>
+    <dgm:pt modelId="{A5AD3A0B-1A5E-40B6-ACB9-8A3658786663}" type="pres">
+      <dgm:prSet presAssocID="{CD630DAC-FDA2-4403-AAA0-69C721AA0BE6}" presName="descendantText" presStyleLbl="alignAccFollowNode1" presStyleIdx="3" presStyleCnt="6" custScaleX="732832">
+        <dgm:presLayoutVars>
+          <dgm:bulletEnabled val="1"/>
+        </dgm:presLayoutVars>
+      </dgm:prSet>
+      <dgm:spPr/>
+      <dgm:t>
+        <a:bodyPr/>
+        <a:lstStyle/>
+        <a:p>
+          <a:endParaRPr lang="en-US"/>
+        </a:p>
+      </dgm:t>
+    </dgm:pt>
+    <dgm:pt modelId="{6A574815-9540-4940-845F-BF2B21AD0561}" type="pres">
+      <dgm:prSet presAssocID="{D753F901-AA4F-4F18-B81C-D72E308B061D}" presName="sp" presStyleCnt="0"/>
+      <dgm:spPr/>
+    </dgm:pt>
+    <dgm:pt modelId="{CA5F163C-AE32-45CB-B690-34D397E65B23}" type="pres">
+      <dgm:prSet presAssocID="{6C26F2DE-5275-4E71-9363-A2AF37A703A2}" presName="linNode" presStyleCnt="0"/>
+      <dgm:spPr/>
+    </dgm:pt>
+    <dgm:pt modelId="{203A5E80-5E4E-4550-8E79-4E97E3F4DF3A}" type="pres">
+      <dgm:prSet presAssocID="{6C26F2DE-5275-4E71-9363-A2AF37A703A2}" presName="parentText" presStyleLbl="node1" presStyleIdx="4" presStyleCnt="6" custScaleX="200684">
+        <dgm:presLayoutVars>
+          <dgm:chMax val="1"/>
+          <dgm:bulletEnabled val="1"/>
+        </dgm:presLayoutVars>
+      </dgm:prSet>
+      <dgm:spPr/>
+      <dgm:t>
+        <a:bodyPr/>
+        <a:lstStyle/>
+        <a:p>
+          <a:endParaRPr lang="en-US"/>
+        </a:p>
+      </dgm:t>
+    </dgm:pt>
+    <dgm:pt modelId="{DED9BBEC-3241-4DA7-93A7-DC5CCBE1C446}" type="pres">
+      <dgm:prSet presAssocID="{6C26F2DE-5275-4E71-9363-A2AF37A703A2}" presName="descendantText" presStyleLbl="alignAccFollowNode1" presStyleIdx="4" presStyleCnt="6" custScaleX="732832">
+        <dgm:presLayoutVars>
+          <dgm:bulletEnabled val="1"/>
+        </dgm:presLayoutVars>
+      </dgm:prSet>
+      <dgm:spPr/>
+      <dgm:t>
+        <a:bodyPr/>
+        <a:lstStyle/>
+        <a:p>
+          <a:endParaRPr lang="en-US"/>
+        </a:p>
+      </dgm:t>
+    </dgm:pt>
+    <dgm:pt modelId="{EF6BA6C5-E042-4AC0-9AF6-BB6DA8747278}" type="pres">
+      <dgm:prSet presAssocID="{F968F8A9-69B4-4E8E-A2EB-044E7A2F4B8B}" presName="sp" presStyleCnt="0"/>
+      <dgm:spPr/>
+    </dgm:pt>
+    <dgm:pt modelId="{F70366BC-058B-4D92-A24D-464468CC8B4F}" type="pres">
+      <dgm:prSet presAssocID="{131AEC3B-85C6-4F31-A755-BD8544AA3AE8}" presName="linNode" presStyleCnt="0"/>
+      <dgm:spPr/>
+    </dgm:pt>
+    <dgm:pt modelId="{A1C0BD5E-A833-49E1-AAED-BCEA75AF27A9}" type="pres">
+      <dgm:prSet presAssocID="{131AEC3B-85C6-4F31-A755-BD8544AA3AE8}" presName="parentText" presStyleLbl="node1" presStyleIdx="5" presStyleCnt="6" custScaleX="200684">
+        <dgm:presLayoutVars>
+          <dgm:chMax val="1"/>
+          <dgm:bulletEnabled val="1"/>
+        </dgm:presLayoutVars>
+      </dgm:prSet>
+      <dgm:spPr/>
+    </dgm:pt>
+    <dgm:pt modelId="{D3C7894D-691B-4A84-A668-5C8204BE6523}" type="pres">
+      <dgm:prSet presAssocID="{131AEC3B-85C6-4F31-A755-BD8544AA3AE8}" presName="descendantText" presStyleLbl="alignAccFollowNode1" presStyleIdx="5" presStyleCnt="6" custScaleX="732832">
+        <dgm:presLayoutVars>
+          <dgm:bulletEnabled val="1"/>
+        </dgm:presLayoutVars>
+      </dgm:prSet>
+      <dgm:spPr/>
+    </dgm:pt>
+  </dgm:ptLst>
+  <dgm:cxnLst>
+    <dgm:cxn modelId="{BE58AA96-884B-4AD8-A308-35C83E8B1F9A}" srcId="{131AEC3B-85C6-4F31-A755-BD8544AA3AE8}" destId="{1CF30335-A1C4-4FF7-A0A9-6692EB8A1536}" srcOrd="0" destOrd="0" parTransId="{3DEB61D8-3150-4EE8-8F72-4CE75E665F9F}" sibTransId="{C2206267-740F-4606-B8F7-54F18AFF7394}"/>
+    <dgm:cxn modelId="{B68A4A7A-C674-46CD-B072-3994B74AF10B}" type="presOf" srcId="{8F2FFB2D-5D40-46B4-B0D8-6D5B3AAD01F2}" destId="{EDA23762-5C04-46FB-87A2-3C68D813D0EF}" srcOrd="0" destOrd="0" presId="urn:microsoft.com/office/officeart/2005/8/layout/vList5"/>
+    <dgm:cxn modelId="{E63F325A-380C-4EB5-8887-8055E6925194}" srcId="{8F2FFB2D-5D40-46B4-B0D8-6D5B3AAD01F2}" destId="{A660BCC8-0E7A-4986-8C39-D406538D91A4}" srcOrd="0" destOrd="0" parTransId="{0E88CB26-80F6-4963-82D2-288193DD4EB3}" sibTransId="{0B51367B-4C47-4612-83C7-88DB07ECE87E}"/>
+    <dgm:cxn modelId="{77449EAC-1A43-4BB4-BF24-99A2A86BE332}" type="presOf" srcId="{03BCAA57-3ED1-4654-BBE1-7C00C98E3FDC}" destId="{4123E632-00E3-42F5-8E95-E87227C0C1D7}" srcOrd="0" destOrd="0" presId="urn:microsoft.com/office/officeart/2005/8/layout/vList5"/>
+    <dgm:cxn modelId="{1B6DA192-A45A-45FE-82EB-ABBA84D1B8C1}" type="presOf" srcId="{A660BCC8-0E7A-4986-8C39-D406538D91A4}" destId="{8EC02266-7EA9-4F98-BA27-B1EAC4C96C72}" srcOrd="0" destOrd="0" presId="urn:microsoft.com/office/officeart/2005/8/layout/vList5"/>
+    <dgm:cxn modelId="{D5C07F5D-DCE1-422F-9DF0-3A758763487E}" srcId="{8F2FFB2D-5D40-46B4-B0D8-6D5B3AAD01F2}" destId="{7C9C6D73-A0F6-4D9C-B3DD-096444BD2FFD}" srcOrd="1" destOrd="0" parTransId="{D018B170-4B05-4B14-86D6-0E8B9FF84BD5}" sibTransId="{9E63B202-387B-443E-B7F2-318C8F5A4D53}"/>
+    <dgm:cxn modelId="{9ED66A02-D3FD-43EB-8ED0-9B385D115805}" srcId="{A23B3A39-1384-4FE1-9C0D-BC431B70E524}" destId="{CD630DAC-FDA2-4403-AAA0-69C721AA0BE6}" srcOrd="3" destOrd="0" parTransId="{4AB2F7DF-D318-4D74-8BC5-C792A7485CF2}" sibTransId="{D753F901-AA4F-4F18-B81C-D72E308B061D}"/>
+    <dgm:cxn modelId="{888A84F8-2CCB-426E-B082-9492E1F3DEFF}" srcId="{A23B3A39-1384-4FE1-9C0D-BC431B70E524}" destId="{8F2FFB2D-5D40-46B4-B0D8-6D5B3AAD01F2}" srcOrd="0" destOrd="0" parTransId="{E3A10947-92AC-4F8D-862F-2BBB7038EF68}" sibTransId="{F83A2684-0D68-484E-8B27-3F2A6E26B1C6}"/>
+    <dgm:cxn modelId="{48C5140A-A983-4BFE-B37B-A785DD21F398}" type="presOf" srcId="{B33B854E-F809-4391-B0CE-5A62BAC97F93}" destId="{01A20BAD-7916-4203-A5E5-060A113B6C5A}" srcOrd="0" destOrd="0" presId="urn:microsoft.com/office/officeart/2005/8/layout/vList5"/>
+    <dgm:cxn modelId="{91679400-5D07-4F1A-8661-DC60E9D62F05}" type="presOf" srcId="{F198F9FD-B65D-48F3-9134-2DA97F7FC60F}" destId="{2C6E3A51-C235-4B62-9443-81743F0A1E20}" srcOrd="0" destOrd="0" presId="urn:microsoft.com/office/officeart/2005/8/layout/vList5"/>
+    <dgm:cxn modelId="{80F8B0C8-6948-456A-9D15-51ABDF024F7B}" srcId="{A23B3A39-1384-4FE1-9C0D-BC431B70E524}" destId="{131AEC3B-85C6-4F31-A755-BD8544AA3AE8}" srcOrd="5" destOrd="0" parTransId="{72D52806-A7B8-4A95-B8EE-31FB25ED3A96}" sibTransId="{CF861DDE-74C5-450F-829A-DCF527FEDE19}"/>
+    <dgm:cxn modelId="{9A31FDF2-54D3-4FEA-A8DB-296834DB15C6}" srcId="{A23B3A39-1384-4FE1-9C0D-BC431B70E524}" destId="{03BCAA57-3ED1-4654-BBE1-7C00C98E3FDC}" srcOrd="2" destOrd="0" parTransId="{9CC46E2F-5F96-4B9D-8C51-EF47E506F653}" sibTransId="{6CCA2876-95CC-49B1-87DE-322DB8FD806F}"/>
+    <dgm:cxn modelId="{F40D44AF-E418-4707-AB86-B1C35C575BBF}" type="presOf" srcId="{E9692CDA-3838-4BC5-994B-7E3AEEEF650C}" destId="{8E3C3996-D48D-41D0-9537-DB03CEBEC35F}" srcOrd="0" destOrd="1" presId="urn:microsoft.com/office/officeart/2005/8/layout/vList5"/>
+    <dgm:cxn modelId="{8D689917-EB8A-4D14-B6F8-2D9DE008AF99}" type="presOf" srcId="{A23B3A39-1384-4FE1-9C0D-BC431B70E524}" destId="{F8BC0416-4A3A-4D6B-852A-B2421611317D}" srcOrd="0" destOrd="0" presId="urn:microsoft.com/office/officeart/2005/8/layout/vList5"/>
+    <dgm:cxn modelId="{2C81113F-E6BE-46E8-8346-41C4F31A365E}" type="presOf" srcId="{6C26F2DE-5275-4E71-9363-A2AF37A703A2}" destId="{203A5E80-5E4E-4550-8E79-4E97E3F4DF3A}" srcOrd="0" destOrd="0" presId="urn:microsoft.com/office/officeart/2005/8/layout/vList5"/>
+    <dgm:cxn modelId="{FDBFA6EB-81EF-4387-AB5E-6534D948196C}" type="presOf" srcId="{7C9C6D73-A0F6-4D9C-B3DD-096444BD2FFD}" destId="{8EC02266-7EA9-4F98-BA27-B1EAC4C96C72}" srcOrd="0" destOrd="1" presId="urn:microsoft.com/office/officeart/2005/8/layout/vList5"/>
+    <dgm:cxn modelId="{F889C4B4-5D2E-430F-BC0B-C48F673AC154}" srcId="{03BCAA57-3ED1-4654-BBE1-7C00C98E3FDC}" destId="{7C22DC0C-412A-4C3C-BCDA-D4CFA1C7203F}" srcOrd="0" destOrd="0" parTransId="{2EE6F705-150A-478A-902C-A5280FFC3E1D}" sibTransId="{B2CB612C-EA35-4E72-BADF-6CABD57C51B9}"/>
+    <dgm:cxn modelId="{09409BC6-AB5B-4750-86A6-04CA32B0C797}" srcId="{03BCAA57-3ED1-4654-BBE1-7C00C98E3FDC}" destId="{E9692CDA-3838-4BC5-994B-7E3AEEEF650C}" srcOrd="1" destOrd="0" parTransId="{7CDD64EB-8F9B-4E52-9B10-0E9B14B9988C}" sibTransId="{D5CA611A-F720-4A12-9F55-A1CC0F1BBD70}"/>
+    <dgm:cxn modelId="{42188867-C08E-42E8-AFE5-C3A09BE25101}" srcId="{6C26F2DE-5275-4E71-9363-A2AF37A703A2}" destId="{45FCE819-A539-4842-8B09-728D28DC91E6}" srcOrd="0" destOrd="0" parTransId="{7EEF028A-9DFA-41E9-803C-8D40A629C827}" sibTransId="{1672B7B6-1C09-480D-8A8E-89C7BDA32DDF}"/>
+    <dgm:cxn modelId="{2B9B5339-6B77-4982-92E0-9D85804B4F45}" type="presOf" srcId="{1CF30335-A1C4-4FF7-A0A9-6692EB8A1536}" destId="{D3C7894D-691B-4A84-A668-5C8204BE6523}" srcOrd="0" destOrd="0" presId="urn:microsoft.com/office/officeart/2005/8/layout/vList5"/>
+    <dgm:cxn modelId="{DE4BDAE6-BBAD-4EA7-9664-0755ED9DD9D2}" type="presOf" srcId="{131AEC3B-85C6-4F31-A755-BD8544AA3AE8}" destId="{A1C0BD5E-A833-49E1-AAED-BCEA75AF27A9}" srcOrd="0" destOrd="0" presId="urn:microsoft.com/office/officeart/2005/8/layout/vList5"/>
+    <dgm:cxn modelId="{1FCC9FB6-6867-4F22-AD85-4A1F3BC05F6C}" srcId="{A23B3A39-1384-4FE1-9C0D-BC431B70E524}" destId="{B33B854E-F809-4391-B0CE-5A62BAC97F93}" srcOrd="1" destOrd="0" parTransId="{F8548CC9-E3D9-4926-A059-0359E03698AC}" sibTransId="{63571BEC-3C8B-4B20-8FB7-31DFFDEE8FAF}"/>
+    <dgm:cxn modelId="{D22A39D3-C5A1-4BC3-B762-4E02BC7C323D}" srcId="{CD630DAC-FDA2-4403-AAA0-69C721AA0BE6}" destId="{91FEC288-DBF4-4AE9-9ECF-B5B2003CF28F}" srcOrd="0" destOrd="0" parTransId="{A6BFEAFF-9D62-4A41-BA1C-02BF601E878A}" sibTransId="{D1121E82-D323-467C-A3E1-49D85BEB7335}"/>
+    <dgm:cxn modelId="{196AFCED-5647-4364-9B85-1A3C0DE6CDEF}" type="presOf" srcId="{91FEC288-DBF4-4AE9-9ECF-B5B2003CF28F}" destId="{A5AD3A0B-1A5E-40B6-ACB9-8A3658786663}" srcOrd="0" destOrd="0" presId="urn:microsoft.com/office/officeart/2005/8/layout/vList5"/>
+    <dgm:cxn modelId="{330B7232-01C2-4C5D-8D07-1BA164E43953}" type="presOf" srcId="{CD630DAC-FDA2-4403-AAA0-69C721AA0BE6}" destId="{E12A0AC7-05E9-46D2-8982-F6BCFE7BAD51}" srcOrd="0" destOrd="0" presId="urn:microsoft.com/office/officeart/2005/8/layout/vList5"/>
+    <dgm:cxn modelId="{77B7E5E7-7BBA-44A3-B643-AA70F27A1009}" srcId="{B33B854E-F809-4391-B0CE-5A62BAC97F93}" destId="{F198F9FD-B65D-48F3-9134-2DA97F7FC60F}" srcOrd="0" destOrd="0" parTransId="{5290FD00-BB1F-4552-BD2F-61694546BDCC}" sibTransId="{FB3101F8-0281-48AC-A278-69E6857A0E8C}"/>
+    <dgm:cxn modelId="{1DB6E60F-C01C-4B48-93D1-A79D2B27A4B3}" type="presOf" srcId="{45FCE819-A539-4842-8B09-728D28DC91E6}" destId="{DED9BBEC-3241-4DA7-93A7-DC5CCBE1C446}" srcOrd="0" destOrd="0" presId="urn:microsoft.com/office/officeart/2005/8/layout/vList5"/>
+    <dgm:cxn modelId="{A069AA81-EF22-4B6D-8270-11B0B313E10B}" srcId="{A23B3A39-1384-4FE1-9C0D-BC431B70E524}" destId="{6C26F2DE-5275-4E71-9363-A2AF37A703A2}" srcOrd="4" destOrd="0" parTransId="{4CED719F-AF4E-4127-96A5-2CA31B1C8969}" sibTransId="{F968F8A9-69B4-4E8E-A2EB-044E7A2F4B8B}"/>
+    <dgm:cxn modelId="{962D8CC4-CEB1-4801-9742-856CE390F65F}" type="presOf" srcId="{7C22DC0C-412A-4C3C-BCDA-D4CFA1C7203F}" destId="{8E3C3996-D48D-41D0-9537-DB03CEBEC35F}" srcOrd="0" destOrd="0" presId="urn:microsoft.com/office/officeart/2005/8/layout/vList5"/>
+    <dgm:cxn modelId="{12F23065-6E20-4776-902D-1A46D3D10762}" type="presParOf" srcId="{F8BC0416-4A3A-4D6B-852A-B2421611317D}" destId="{25926C5E-9F36-4B59-8DA5-9B797B56E9CF}" srcOrd="0" destOrd="0" presId="urn:microsoft.com/office/officeart/2005/8/layout/vList5"/>
+    <dgm:cxn modelId="{FB1BF7BF-CEC9-4B6B-A09D-856498EF608D}" type="presParOf" srcId="{25926C5E-9F36-4B59-8DA5-9B797B56E9CF}" destId="{EDA23762-5C04-46FB-87A2-3C68D813D0EF}" srcOrd="0" destOrd="0" presId="urn:microsoft.com/office/officeart/2005/8/layout/vList5"/>
+    <dgm:cxn modelId="{711A5A0C-4B1D-456E-8A1C-397E9AB60C9B}" type="presParOf" srcId="{25926C5E-9F36-4B59-8DA5-9B797B56E9CF}" destId="{8EC02266-7EA9-4F98-BA27-B1EAC4C96C72}" srcOrd="1" destOrd="0" presId="urn:microsoft.com/office/officeart/2005/8/layout/vList5"/>
+    <dgm:cxn modelId="{B573BCCE-E649-477E-A847-34046C66FF9C}" type="presParOf" srcId="{F8BC0416-4A3A-4D6B-852A-B2421611317D}" destId="{9EE86766-EB80-4F4A-9B44-60BE42F5C983}" srcOrd="1" destOrd="0" presId="urn:microsoft.com/office/officeart/2005/8/layout/vList5"/>
+    <dgm:cxn modelId="{FA66E40F-7A9A-4B26-A9E4-7B0153965E56}" type="presParOf" srcId="{F8BC0416-4A3A-4D6B-852A-B2421611317D}" destId="{E20FBEC8-69E0-4F15-B91C-443B6405A194}" srcOrd="2" destOrd="0" presId="urn:microsoft.com/office/officeart/2005/8/layout/vList5"/>
+    <dgm:cxn modelId="{88C8685E-6660-4948-A6BB-9CC2CF396763}" type="presParOf" srcId="{E20FBEC8-69E0-4F15-B91C-443B6405A194}" destId="{01A20BAD-7916-4203-A5E5-060A113B6C5A}" srcOrd="0" destOrd="0" presId="urn:microsoft.com/office/officeart/2005/8/layout/vList5"/>
+    <dgm:cxn modelId="{7E17139C-8DEE-4B4A-B865-FAEAAAE9CD84}" type="presParOf" srcId="{E20FBEC8-69E0-4F15-B91C-443B6405A194}" destId="{2C6E3A51-C235-4B62-9443-81743F0A1E20}" srcOrd="1" destOrd="0" presId="urn:microsoft.com/office/officeart/2005/8/layout/vList5"/>
+    <dgm:cxn modelId="{BE4753CC-CEE7-4784-A60A-B5C1BEA57242}" type="presParOf" srcId="{F8BC0416-4A3A-4D6B-852A-B2421611317D}" destId="{C353A13A-324F-4E0B-8AF5-1A432E50F215}" srcOrd="3" destOrd="0" presId="urn:microsoft.com/office/officeart/2005/8/layout/vList5"/>
+    <dgm:cxn modelId="{0C2517F0-739E-4DAE-A57F-A72B58FC2602}" type="presParOf" srcId="{F8BC0416-4A3A-4D6B-852A-B2421611317D}" destId="{B55525D5-D15F-4417-B707-25A207A5430C}" srcOrd="4" destOrd="0" presId="urn:microsoft.com/office/officeart/2005/8/layout/vList5"/>
+    <dgm:cxn modelId="{8930BD63-72AC-47BC-96E0-62FE16ADCF4E}" type="presParOf" srcId="{B55525D5-D15F-4417-B707-25A207A5430C}" destId="{4123E632-00E3-42F5-8E95-E87227C0C1D7}" srcOrd="0" destOrd="0" presId="urn:microsoft.com/office/officeart/2005/8/layout/vList5"/>
+    <dgm:cxn modelId="{8716EC01-C791-4C1D-95B1-DD0AF3AA750C}" type="presParOf" srcId="{B55525D5-D15F-4417-B707-25A207A5430C}" destId="{8E3C3996-D48D-41D0-9537-DB03CEBEC35F}" srcOrd="1" destOrd="0" presId="urn:microsoft.com/office/officeart/2005/8/layout/vList5"/>
+    <dgm:cxn modelId="{AEFEC99E-8D63-487B-85D2-4B8201443251}" type="presParOf" srcId="{F8BC0416-4A3A-4D6B-852A-B2421611317D}" destId="{1A5FA501-1D24-4DF8-8493-A66D954B074F}" srcOrd="5" destOrd="0" presId="urn:microsoft.com/office/officeart/2005/8/layout/vList5"/>
+    <dgm:cxn modelId="{1317003E-63DD-4F66-BB74-16A57D2F7BCA}" type="presParOf" srcId="{F8BC0416-4A3A-4D6B-852A-B2421611317D}" destId="{7B49380E-33AD-497E-AF54-7E07271108C9}" srcOrd="6" destOrd="0" presId="urn:microsoft.com/office/officeart/2005/8/layout/vList5"/>
+    <dgm:cxn modelId="{7E4A2263-D5C3-41C1-90C0-D51DFB647B7E}" type="presParOf" srcId="{7B49380E-33AD-497E-AF54-7E07271108C9}" destId="{E12A0AC7-05E9-46D2-8982-F6BCFE7BAD51}" srcOrd="0" destOrd="0" presId="urn:microsoft.com/office/officeart/2005/8/layout/vList5"/>
+    <dgm:cxn modelId="{C2A88C56-00CE-4192-A34B-EAC1A1968728}" type="presParOf" srcId="{7B49380E-33AD-497E-AF54-7E07271108C9}" destId="{A5AD3A0B-1A5E-40B6-ACB9-8A3658786663}" srcOrd="1" destOrd="0" presId="urn:microsoft.com/office/officeart/2005/8/layout/vList5"/>
+    <dgm:cxn modelId="{8E207923-D6DF-4E93-BF2A-080762985EB3}" type="presParOf" srcId="{F8BC0416-4A3A-4D6B-852A-B2421611317D}" destId="{6A574815-9540-4940-845F-BF2B21AD0561}" srcOrd="7" destOrd="0" presId="urn:microsoft.com/office/officeart/2005/8/layout/vList5"/>
+    <dgm:cxn modelId="{809E7242-A73C-4A1A-8525-E4A339BD013C}" type="presParOf" srcId="{F8BC0416-4A3A-4D6B-852A-B2421611317D}" destId="{CA5F163C-AE32-45CB-B690-34D397E65B23}" srcOrd="8" destOrd="0" presId="urn:microsoft.com/office/officeart/2005/8/layout/vList5"/>
+    <dgm:cxn modelId="{57CF355E-39CF-46A1-AC40-3AC69E75A7BB}" type="presParOf" srcId="{CA5F163C-AE32-45CB-B690-34D397E65B23}" destId="{203A5E80-5E4E-4550-8E79-4E97E3F4DF3A}" srcOrd="0" destOrd="0" presId="urn:microsoft.com/office/officeart/2005/8/layout/vList5"/>
+    <dgm:cxn modelId="{DC85A083-394E-4170-8911-B4F60F703166}" type="presParOf" srcId="{CA5F163C-AE32-45CB-B690-34D397E65B23}" destId="{DED9BBEC-3241-4DA7-93A7-DC5CCBE1C446}" srcOrd="1" destOrd="0" presId="urn:microsoft.com/office/officeart/2005/8/layout/vList5"/>
+    <dgm:cxn modelId="{FB341A2D-9824-483D-9B87-4B7A89344C4B}" type="presParOf" srcId="{F8BC0416-4A3A-4D6B-852A-B2421611317D}" destId="{EF6BA6C5-E042-4AC0-9AF6-BB6DA8747278}" srcOrd="9" destOrd="0" presId="urn:microsoft.com/office/officeart/2005/8/layout/vList5"/>
+    <dgm:cxn modelId="{4A30197F-0FE8-4DCE-BDF9-24D7964DC0E3}" type="presParOf" srcId="{F8BC0416-4A3A-4D6B-852A-B2421611317D}" destId="{F70366BC-058B-4D92-A24D-464468CC8B4F}" srcOrd="10" destOrd="0" presId="urn:microsoft.com/office/officeart/2005/8/layout/vList5"/>
+    <dgm:cxn modelId="{C3B5FE8E-197E-4A77-B105-FB7DA6DC0BDF}" type="presParOf" srcId="{F70366BC-058B-4D92-A24D-464468CC8B4F}" destId="{A1C0BD5E-A833-49E1-AAED-BCEA75AF27A9}" srcOrd="0" destOrd="0" presId="urn:microsoft.com/office/officeart/2005/8/layout/vList5"/>
+    <dgm:cxn modelId="{D8092EC2-740C-4D1B-83D8-E3B8A39BB3DF}" type="presParOf" srcId="{F70366BC-058B-4D92-A24D-464468CC8B4F}" destId="{D3C7894D-691B-4A84-A668-5C8204BE6523}" srcOrd="1" destOrd="0" presId="urn:microsoft.com/office/officeart/2005/8/layout/vList5"/>
+  </dgm:cxnLst>
+  <dgm:bg/>
+  <dgm:whole/>
+  <dgm:extLst>
+    <a:ext uri="http://schemas.microsoft.com/office/drawing/2008/diagram">
+      <dsp:dataModelExt xmlns:dsp="http://schemas.microsoft.com/office/drawing/2008/diagram" relId="rId6" minVer="http://schemas.openxmlformats.org/drawingml/2006/diagram"/>
     </a:ext>
   </dgm:extLst>
 </dgm:dataModel>
@@ -5138,15 +7100,7 @@
           </a:pPr>
           <a:r>
             <a:rPr lang="en-US" sz="1400" b="0" i="0" kern="1200" dirty="0" smtClean="0"/>
-            <a:t>The model is initialized with pre-trained word </a:t>
-          </a:r>
-          <a:r>
-            <a:rPr lang="en-US" sz="1400" b="0" i="0" kern="1200" dirty="0" err="1" smtClean="0"/>
-            <a:t>embeddings</a:t>
-          </a:r>
-          <a:r>
-            <a:rPr lang="en-US" sz="1400" b="0" i="0" kern="1200" dirty="0" smtClean="0"/>
-            <a:t> that have been trained on a large corpus of text data, such as </a:t>
+            <a:t>The model is initialized with pre-trained word embeddings that have been trained on a large corpus of text data, such as </a:t>
           </a:r>
           <a:r>
             <a:rPr lang="en-US" sz="1400" b="0" i="0" kern="1200" dirty="0" err="1" smtClean="0"/>
@@ -5177,15 +7131,7 @@
           </a:pPr>
           <a:r>
             <a:rPr lang="en-US" sz="1400" b="0" i="0" kern="1200" dirty="0" smtClean="0"/>
-            <a:t>These </a:t>
-          </a:r>
-          <a:r>
-            <a:rPr lang="en-US" sz="1400" b="0" i="0" kern="1200" dirty="0" err="1" smtClean="0"/>
-            <a:t>embeddings</a:t>
-          </a:r>
-          <a:r>
-            <a:rPr lang="en-US" sz="1400" b="0" i="0" kern="1200" dirty="0" smtClean="0"/>
-            <a:t> represent the meanings of words in a high-dimensional vector space, which allows the model to capture semantic relationships between words.</a:t>
+            <a:t>These embeddings represent the meanings of words in a high-dimensional vector space, which allows the model to capture semantic relationships between words.</a:t>
           </a:r>
           <a:endParaRPr lang="en-US" sz="1400" kern="1200" dirty="0"/>
         </a:p>
@@ -7040,6 +8986,1022 @@
 </dsp:drawing>
 </file>
 
+<file path=ppt/diagrams/drawing5.xml><?xml version="1.0" encoding="utf-8"?>
+<dsp:drawing xmlns:dgm="http://schemas.openxmlformats.org/drawingml/2006/diagram" xmlns:dsp="http://schemas.microsoft.com/office/drawing/2008/diagram" xmlns:a="http://schemas.openxmlformats.org/drawingml/2006/main">
+  <dsp:spTree>
+    <dsp:nvGrpSpPr>
+      <dsp:cNvPr id="0" name=""/>
+      <dsp:cNvGrpSpPr/>
+    </dsp:nvGrpSpPr>
+    <dsp:grpSpPr/>
+    <dsp:sp modelId="{8EC02266-7EA9-4F98-BA27-B1EAC4C96C72}">
+      <dsp:nvSpPr>
+        <dsp:cNvPr id="0" name=""/>
+        <dsp:cNvSpPr/>
+      </dsp:nvSpPr>
+      <dsp:spPr>
+        <a:xfrm rot="5400000">
+          <a:off x="5705266" y="-4187721"/>
+          <a:ext cx="693208" cy="9244930"/>
+        </a:xfrm>
+        <a:prstGeom prst="round2SameRect">
+          <a:avLst/>
+        </a:prstGeom>
+        <a:solidFill>
+          <a:schemeClr val="accent1">
+            <a:alpha val="90000"/>
+            <a:tint val="40000"/>
+            <a:hueOff val="0"/>
+            <a:satOff val="0"/>
+            <a:lumOff val="0"/>
+            <a:alphaOff val="0"/>
+          </a:schemeClr>
+        </a:solidFill>
+        <a:ln w="38100" cap="flat" cmpd="sng" algn="ctr">
+          <a:solidFill>
+            <a:schemeClr val="tx1">
+              <a:alpha val="90000"/>
+            </a:schemeClr>
+          </a:solidFill>
+          <a:prstDash val="solid"/>
+        </a:ln>
+        <a:effectLst/>
+      </dsp:spPr>
+      <dsp:style>
+        <a:lnRef idx="2">
+          <a:scrgbClr r="0" g="0" b="0"/>
+        </a:lnRef>
+        <a:fillRef idx="1">
+          <a:scrgbClr r="0" g="0" b="0"/>
+        </a:fillRef>
+        <a:effectRef idx="0">
+          <a:scrgbClr r="0" g="0" b="0"/>
+        </a:effectRef>
+        <a:fontRef idx="minor"/>
+      </dsp:style>
+      <dsp:txBody>
+        <a:bodyPr spcFirstLastPara="0" vert="horz" wrap="square" lIns="64770" tIns="32385" rIns="64770" bIns="32385" numCol="1" spcCol="1270" anchor="ctr" anchorCtr="0">
+          <a:noAutofit/>
+        </a:bodyPr>
+        <a:lstStyle/>
+        <a:p>
+          <a:pPr marL="171450" lvl="1" indent="-171450" algn="l" defTabSz="755650">
+            <a:lnSpc>
+              <a:spcPct val="90000"/>
+            </a:lnSpc>
+            <a:spcBef>
+              <a:spcPct val="0"/>
+            </a:spcBef>
+            <a:spcAft>
+              <a:spcPct val="15000"/>
+            </a:spcAft>
+            <a:buChar char="••"/>
+          </a:pPr>
+          <a:r>
+            <a:rPr lang="en-US" sz="1700" b="0" i="0" kern="1200" dirty="0" smtClean="0">
+              <a:latin typeface="Arial" panose="020B0604020202020204" pitchFamily="34" charset="0"/>
+              <a:cs typeface="Arial" panose="020B0604020202020204" pitchFamily="34" charset="0"/>
+            </a:rPr>
+            <a:t>The skip-gram model takes a large corpus of text as input and creates a vocabulary from it.</a:t>
+          </a:r>
+          <a:endParaRPr lang="en-US" sz="1700" kern="1200" dirty="0">
+            <a:latin typeface="Arial" panose="020B0604020202020204" pitchFamily="34" charset="0"/>
+            <a:cs typeface="Arial" panose="020B0604020202020204" pitchFamily="34" charset="0"/>
+          </a:endParaRPr>
+        </a:p>
+        <a:p>
+          <a:pPr marL="171450" lvl="1" indent="-171450" algn="l" defTabSz="755650">
+            <a:lnSpc>
+              <a:spcPct val="90000"/>
+            </a:lnSpc>
+            <a:spcBef>
+              <a:spcPct val="0"/>
+            </a:spcBef>
+            <a:spcAft>
+              <a:spcPct val="15000"/>
+            </a:spcAft>
+            <a:buChar char="••"/>
+          </a:pPr>
+          <a:r>
+            <a:rPr lang="en-US" sz="1700" b="0" i="0" kern="1200" dirty="0" smtClean="0">
+              <a:latin typeface="Arial" panose="020B0604020202020204" pitchFamily="34" charset="0"/>
+              <a:cs typeface="Arial" panose="020B0604020202020204" pitchFamily="34" charset="0"/>
+            </a:rPr>
+            <a:t>Each word in the vocabulary is represented as a one-hot vector</a:t>
+          </a:r>
+          <a:endParaRPr lang="en-US" sz="1700" kern="1200" dirty="0">
+            <a:latin typeface="Arial" panose="020B0604020202020204" pitchFamily="34" charset="0"/>
+            <a:cs typeface="Arial" panose="020B0604020202020204" pitchFamily="34" charset="0"/>
+          </a:endParaRPr>
+        </a:p>
+      </dsp:txBody>
+      <dsp:txXfrm rot="-5400000">
+        <a:off x="1429405" y="121980"/>
+        <a:ext cx="9211090" cy="625528"/>
+      </dsp:txXfrm>
+    </dsp:sp>
+    <dsp:sp modelId="{EDA23762-5C04-46FB-87A2-3C68D813D0EF}">
+      <dsp:nvSpPr>
+        <dsp:cNvPr id="0" name=""/>
+        <dsp:cNvSpPr/>
+      </dsp:nvSpPr>
+      <dsp:spPr>
+        <a:xfrm>
+          <a:off x="5324" y="1488"/>
+          <a:ext cx="1424080" cy="866510"/>
+        </a:xfrm>
+        <a:prstGeom prst="roundRect">
+          <a:avLst/>
+        </a:prstGeom>
+        <a:solidFill>
+          <a:srgbClr val="0070C0"/>
+        </a:solidFill>
+        <a:ln w="15875" cap="flat" cmpd="sng" algn="ctr">
+          <a:solidFill>
+            <a:schemeClr val="lt1">
+              <a:hueOff val="0"/>
+              <a:satOff val="0"/>
+              <a:lumOff val="0"/>
+              <a:alphaOff val="0"/>
+            </a:schemeClr>
+          </a:solidFill>
+          <a:prstDash val="solid"/>
+        </a:ln>
+        <a:effectLst/>
+      </dsp:spPr>
+      <dsp:style>
+        <a:lnRef idx="2">
+          <a:scrgbClr r="0" g="0" b="0"/>
+        </a:lnRef>
+        <a:fillRef idx="1">
+          <a:scrgbClr r="0" g="0" b="0"/>
+        </a:fillRef>
+        <a:effectRef idx="0">
+          <a:scrgbClr r="0" g="0" b="0"/>
+        </a:effectRef>
+        <a:fontRef idx="minor">
+          <a:schemeClr val="lt1"/>
+        </a:fontRef>
+      </dsp:style>
+      <dsp:txBody>
+        <a:bodyPr spcFirstLastPara="0" vert="horz" wrap="square" lIns="60960" tIns="30480" rIns="60960" bIns="30480" numCol="1" spcCol="1270" anchor="ctr" anchorCtr="0">
+          <a:noAutofit/>
+        </a:bodyPr>
+        <a:lstStyle/>
+        <a:p>
+          <a:pPr lvl="0" algn="ctr" defTabSz="711200">
+            <a:lnSpc>
+              <a:spcPct val="90000"/>
+            </a:lnSpc>
+            <a:spcBef>
+              <a:spcPct val="0"/>
+            </a:spcBef>
+            <a:spcAft>
+              <a:spcPct val="35000"/>
+            </a:spcAft>
+          </a:pPr>
+          <a:r>
+            <a:rPr lang="en-US" sz="1600" kern="1200" dirty="0" smtClean="0">
+              <a:latin typeface="Arial" panose="020B0604020202020204" pitchFamily="34" charset="0"/>
+              <a:cs typeface="Arial" panose="020B0604020202020204" pitchFamily="34" charset="0"/>
+            </a:rPr>
+            <a:t>Input data</a:t>
+          </a:r>
+          <a:endParaRPr lang="en-US" sz="1600" kern="1200" dirty="0">
+            <a:latin typeface="Arial" panose="020B0604020202020204" pitchFamily="34" charset="0"/>
+            <a:cs typeface="Arial" panose="020B0604020202020204" pitchFamily="34" charset="0"/>
+          </a:endParaRPr>
+        </a:p>
+      </dsp:txBody>
+      <dsp:txXfrm>
+        <a:off x="47624" y="43788"/>
+        <a:ext cx="1339480" cy="781910"/>
+      </dsp:txXfrm>
+    </dsp:sp>
+    <dsp:sp modelId="{2C6E3A51-C235-4B62-9443-81743F0A1E20}">
+      <dsp:nvSpPr>
+        <dsp:cNvPr id="0" name=""/>
+        <dsp:cNvSpPr/>
+      </dsp:nvSpPr>
+      <dsp:spPr>
+        <a:xfrm rot="5400000">
+          <a:off x="5705266" y="-3277885"/>
+          <a:ext cx="693208" cy="9244930"/>
+        </a:xfrm>
+        <a:prstGeom prst="round2SameRect">
+          <a:avLst/>
+        </a:prstGeom>
+        <a:solidFill>
+          <a:schemeClr val="accent1">
+            <a:alpha val="90000"/>
+            <a:tint val="40000"/>
+            <a:hueOff val="0"/>
+            <a:satOff val="0"/>
+            <a:lumOff val="0"/>
+            <a:alphaOff val="0"/>
+          </a:schemeClr>
+        </a:solidFill>
+        <a:ln w="38100" cap="flat" cmpd="sng" algn="ctr">
+          <a:solidFill>
+            <a:schemeClr val="tx1">
+              <a:alpha val="90000"/>
+            </a:schemeClr>
+          </a:solidFill>
+          <a:prstDash val="solid"/>
+        </a:ln>
+        <a:effectLst/>
+      </dsp:spPr>
+      <dsp:style>
+        <a:lnRef idx="2">
+          <a:scrgbClr r="0" g="0" b="0"/>
+        </a:lnRef>
+        <a:fillRef idx="1">
+          <a:scrgbClr r="0" g="0" b="0"/>
+        </a:fillRef>
+        <a:effectRef idx="0">
+          <a:scrgbClr r="0" g="0" b="0"/>
+        </a:effectRef>
+        <a:fontRef idx="minor"/>
+      </dsp:style>
+      <dsp:txBody>
+        <a:bodyPr spcFirstLastPara="0" vert="horz" wrap="square" lIns="64770" tIns="32385" rIns="64770" bIns="32385" numCol="1" spcCol="1270" anchor="ctr" anchorCtr="0">
+          <a:noAutofit/>
+        </a:bodyPr>
+        <a:lstStyle/>
+        <a:p>
+          <a:pPr marL="171450" lvl="1" indent="-171450" algn="l" defTabSz="755650">
+            <a:lnSpc>
+              <a:spcPct val="90000"/>
+            </a:lnSpc>
+            <a:spcBef>
+              <a:spcPct val="0"/>
+            </a:spcBef>
+            <a:spcAft>
+              <a:spcPct val="15000"/>
+            </a:spcAft>
+            <a:buChar char="••"/>
+          </a:pPr>
+          <a:r>
+            <a:rPr lang="en-US" sz="1700" b="0" i="0" kern="1200" dirty="0" smtClean="0">
+              <a:latin typeface="Arial" panose="020B0604020202020204" pitchFamily="34" charset="0"/>
+              <a:cs typeface="Arial" panose="020B0604020202020204" pitchFamily="34" charset="0"/>
+            </a:rPr>
+            <a:t>The skip-gram model creates word embeddings by mapping each one-hot vector to a lower-dimensional vector of real numbers. This is done using a neural network with a hidden layer.</a:t>
+          </a:r>
+          <a:endParaRPr lang="en-US" sz="1700" kern="1200" dirty="0">
+            <a:latin typeface="Arial" panose="020B0604020202020204" pitchFamily="34" charset="0"/>
+            <a:cs typeface="Arial" panose="020B0604020202020204" pitchFamily="34" charset="0"/>
+          </a:endParaRPr>
+        </a:p>
+      </dsp:txBody>
+      <dsp:txXfrm rot="-5400000">
+        <a:off x="1429405" y="1031816"/>
+        <a:ext cx="9211090" cy="625528"/>
+      </dsp:txXfrm>
+    </dsp:sp>
+    <dsp:sp modelId="{01A20BAD-7916-4203-A5E5-060A113B6C5A}">
+      <dsp:nvSpPr>
+        <dsp:cNvPr id="0" name=""/>
+        <dsp:cNvSpPr/>
+      </dsp:nvSpPr>
+      <dsp:spPr>
+        <a:xfrm>
+          <a:off x="5324" y="911324"/>
+          <a:ext cx="1424080" cy="866510"/>
+        </a:xfrm>
+        <a:prstGeom prst="roundRect">
+          <a:avLst/>
+        </a:prstGeom>
+        <a:solidFill>
+          <a:srgbClr val="0070C0"/>
+        </a:solidFill>
+        <a:ln w="15875" cap="flat" cmpd="sng" algn="ctr">
+          <a:solidFill>
+            <a:schemeClr val="lt1">
+              <a:hueOff val="0"/>
+              <a:satOff val="0"/>
+              <a:lumOff val="0"/>
+              <a:alphaOff val="0"/>
+            </a:schemeClr>
+          </a:solidFill>
+          <a:prstDash val="solid"/>
+        </a:ln>
+        <a:effectLst/>
+      </dsp:spPr>
+      <dsp:style>
+        <a:lnRef idx="2">
+          <a:scrgbClr r="0" g="0" b="0"/>
+        </a:lnRef>
+        <a:fillRef idx="1">
+          <a:scrgbClr r="0" g="0" b="0"/>
+        </a:fillRef>
+        <a:effectRef idx="0">
+          <a:scrgbClr r="0" g="0" b="0"/>
+        </a:effectRef>
+        <a:fontRef idx="minor">
+          <a:schemeClr val="lt1"/>
+        </a:fontRef>
+      </dsp:style>
+      <dsp:txBody>
+        <a:bodyPr spcFirstLastPara="0" vert="horz" wrap="square" lIns="60960" tIns="30480" rIns="60960" bIns="30480" numCol="1" spcCol="1270" anchor="ctr" anchorCtr="0">
+          <a:noAutofit/>
+        </a:bodyPr>
+        <a:lstStyle/>
+        <a:p>
+          <a:pPr lvl="0" algn="ctr" defTabSz="711200">
+            <a:lnSpc>
+              <a:spcPct val="90000"/>
+            </a:lnSpc>
+            <a:spcBef>
+              <a:spcPct val="0"/>
+            </a:spcBef>
+            <a:spcAft>
+              <a:spcPct val="35000"/>
+            </a:spcAft>
+          </a:pPr>
+          <a:r>
+            <a:rPr lang="en-US" sz="1600" b="0" i="0" kern="1200" dirty="0" smtClean="0">
+              <a:latin typeface="Arial" panose="020B0604020202020204" pitchFamily="34" charset="0"/>
+              <a:cs typeface="Arial" panose="020B0604020202020204" pitchFamily="34" charset="0"/>
+            </a:rPr>
+            <a:t>Word embeddings</a:t>
+          </a:r>
+          <a:endParaRPr lang="en-US" sz="1600" kern="1200" dirty="0">
+            <a:latin typeface="Arial" panose="020B0604020202020204" pitchFamily="34" charset="0"/>
+            <a:cs typeface="Arial" panose="020B0604020202020204" pitchFamily="34" charset="0"/>
+          </a:endParaRPr>
+        </a:p>
+      </dsp:txBody>
+      <dsp:txXfrm>
+        <a:off x="47624" y="953624"/>
+        <a:ext cx="1339480" cy="781910"/>
+      </dsp:txXfrm>
+    </dsp:sp>
+    <dsp:sp modelId="{8E3C3996-D48D-41D0-9537-DB03CEBEC35F}">
+      <dsp:nvSpPr>
+        <dsp:cNvPr id="0" name=""/>
+        <dsp:cNvSpPr/>
+      </dsp:nvSpPr>
+      <dsp:spPr>
+        <a:xfrm rot="5400000">
+          <a:off x="5705266" y="-2368049"/>
+          <a:ext cx="693208" cy="9244930"/>
+        </a:xfrm>
+        <a:prstGeom prst="round2SameRect">
+          <a:avLst/>
+        </a:prstGeom>
+        <a:solidFill>
+          <a:schemeClr val="accent1">
+            <a:alpha val="90000"/>
+            <a:tint val="40000"/>
+            <a:hueOff val="0"/>
+            <a:satOff val="0"/>
+            <a:lumOff val="0"/>
+            <a:alphaOff val="0"/>
+          </a:schemeClr>
+        </a:solidFill>
+        <a:ln w="38100" cap="flat" cmpd="sng" algn="ctr">
+          <a:solidFill>
+            <a:schemeClr val="tx1">
+              <a:alpha val="90000"/>
+            </a:schemeClr>
+          </a:solidFill>
+          <a:prstDash val="solid"/>
+        </a:ln>
+        <a:effectLst/>
+      </dsp:spPr>
+      <dsp:style>
+        <a:lnRef idx="2">
+          <a:scrgbClr r="0" g="0" b="0"/>
+        </a:lnRef>
+        <a:fillRef idx="1">
+          <a:scrgbClr r="0" g="0" b="0"/>
+        </a:fillRef>
+        <a:effectRef idx="0">
+          <a:scrgbClr r="0" g="0" b="0"/>
+        </a:effectRef>
+        <a:fontRef idx="minor"/>
+      </dsp:style>
+      <dsp:txBody>
+        <a:bodyPr spcFirstLastPara="0" vert="horz" wrap="square" lIns="64770" tIns="32385" rIns="64770" bIns="32385" numCol="1" spcCol="1270" anchor="ctr" anchorCtr="0">
+          <a:noAutofit/>
+        </a:bodyPr>
+        <a:lstStyle/>
+        <a:p>
+          <a:pPr marL="171450" lvl="1" indent="-171450" algn="l" defTabSz="755650">
+            <a:lnSpc>
+              <a:spcPct val="90000"/>
+            </a:lnSpc>
+            <a:spcBef>
+              <a:spcPct val="0"/>
+            </a:spcBef>
+            <a:spcAft>
+              <a:spcPct val="15000"/>
+            </a:spcAft>
+            <a:buChar char="••"/>
+          </a:pPr>
+          <a:r>
+            <a:rPr lang="en-US" sz="1700" b="0" i="0" kern="1200" dirty="0" smtClean="0">
+              <a:latin typeface="Arial" panose="020B0604020202020204" pitchFamily="34" charset="0"/>
+              <a:cs typeface="Arial" panose="020B0604020202020204" pitchFamily="34" charset="0"/>
+            </a:rPr>
+            <a:t>The skip-gram model is trained to predict the context words that surround a given target word</a:t>
+          </a:r>
+          <a:endParaRPr lang="en-US" sz="1700" kern="1200" dirty="0">
+            <a:latin typeface="Arial" panose="020B0604020202020204" pitchFamily="34" charset="0"/>
+            <a:cs typeface="Arial" panose="020B0604020202020204" pitchFamily="34" charset="0"/>
+          </a:endParaRPr>
+        </a:p>
+        <a:p>
+          <a:pPr marL="171450" lvl="1" indent="-171450" algn="l" defTabSz="755650">
+            <a:lnSpc>
+              <a:spcPct val="90000"/>
+            </a:lnSpc>
+            <a:spcBef>
+              <a:spcPct val="0"/>
+            </a:spcBef>
+            <a:spcAft>
+              <a:spcPct val="15000"/>
+            </a:spcAft>
+            <a:buChar char="••"/>
+          </a:pPr>
+          <a:r>
+            <a:rPr lang="en-US" sz="1700" b="0" i="0" kern="1200" dirty="0" smtClean="0">
+              <a:latin typeface="Arial" panose="020B0604020202020204" pitchFamily="34" charset="0"/>
+              <a:cs typeface="Arial" panose="020B0604020202020204" pitchFamily="34" charset="0"/>
+            </a:rPr>
+            <a:t>The context words are determined by a sliding window of fixed size that moves over the text.</a:t>
+          </a:r>
+          <a:endParaRPr lang="en-US" sz="1700" kern="1200" dirty="0">
+            <a:latin typeface="Arial" panose="020B0604020202020204" pitchFamily="34" charset="0"/>
+            <a:cs typeface="Arial" panose="020B0604020202020204" pitchFamily="34" charset="0"/>
+          </a:endParaRPr>
+        </a:p>
+      </dsp:txBody>
+      <dsp:txXfrm rot="-5400000">
+        <a:off x="1429405" y="1941652"/>
+        <a:ext cx="9211090" cy="625528"/>
+      </dsp:txXfrm>
+    </dsp:sp>
+    <dsp:sp modelId="{4123E632-00E3-42F5-8E95-E87227C0C1D7}">
+      <dsp:nvSpPr>
+        <dsp:cNvPr id="0" name=""/>
+        <dsp:cNvSpPr/>
+      </dsp:nvSpPr>
+      <dsp:spPr>
+        <a:xfrm>
+          <a:off x="5324" y="1821160"/>
+          <a:ext cx="1424080" cy="866510"/>
+        </a:xfrm>
+        <a:prstGeom prst="roundRect">
+          <a:avLst/>
+        </a:prstGeom>
+        <a:solidFill>
+          <a:srgbClr val="0070C0"/>
+        </a:solidFill>
+        <a:ln w="15875" cap="flat" cmpd="sng" algn="ctr">
+          <a:solidFill>
+            <a:schemeClr val="lt1">
+              <a:hueOff val="0"/>
+              <a:satOff val="0"/>
+              <a:lumOff val="0"/>
+              <a:alphaOff val="0"/>
+            </a:schemeClr>
+          </a:solidFill>
+          <a:prstDash val="solid"/>
+        </a:ln>
+        <a:effectLst/>
+      </dsp:spPr>
+      <dsp:style>
+        <a:lnRef idx="2">
+          <a:scrgbClr r="0" g="0" b="0"/>
+        </a:lnRef>
+        <a:fillRef idx="1">
+          <a:scrgbClr r="0" g="0" b="0"/>
+        </a:fillRef>
+        <a:effectRef idx="0">
+          <a:scrgbClr r="0" g="0" b="0"/>
+        </a:effectRef>
+        <a:fontRef idx="minor">
+          <a:schemeClr val="lt1"/>
+        </a:fontRef>
+      </dsp:style>
+      <dsp:txBody>
+        <a:bodyPr spcFirstLastPara="0" vert="horz" wrap="square" lIns="60960" tIns="30480" rIns="60960" bIns="30480" numCol="1" spcCol="1270" anchor="ctr" anchorCtr="0">
+          <a:noAutofit/>
+        </a:bodyPr>
+        <a:lstStyle/>
+        <a:p>
+          <a:pPr lvl="0" algn="ctr" defTabSz="711200">
+            <a:lnSpc>
+              <a:spcPct val="90000"/>
+            </a:lnSpc>
+            <a:spcBef>
+              <a:spcPct val="0"/>
+            </a:spcBef>
+            <a:spcAft>
+              <a:spcPct val="35000"/>
+            </a:spcAft>
+          </a:pPr>
+          <a:r>
+            <a:rPr lang="en-US" sz="1600" b="0" i="0" kern="1200" dirty="0" smtClean="0">
+              <a:latin typeface="Arial" panose="020B0604020202020204" pitchFamily="34" charset="0"/>
+              <a:cs typeface="Arial" panose="020B0604020202020204" pitchFamily="34" charset="0"/>
+            </a:rPr>
+            <a:t>Training</a:t>
+          </a:r>
+          <a:endParaRPr lang="en-US" sz="1600" kern="1200" dirty="0">
+            <a:latin typeface="Arial" panose="020B0604020202020204" pitchFamily="34" charset="0"/>
+            <a:cs typeface="Arial" panose="020B0604020202020204" pitchFamily="34" charset="0"/>
+          </a:endParaRPr>
+        </a:p>
+      </dsp:txBody>
+      <dsp:txXfrm>
+        <a:off x="47624" y="1863460"/>
+        <a:ext cx="1339480" cy="781910"/>
+      </dsp:txXfrm>
+    </dsp:sp>
+    <dsp:sp modelId="{A5AD3A0B-1A5E-40B6-ACB9-8A3658786663}">
+      <dsp:nvSpPr>
+        <dsp:cNvPr id="0" name=""/>
+        <dsp:cNvSpPr/>
+      </dsp:nvSpPr>
+      <dsp:spPr>
+        <a:xfrm rot="5400000">
+          <a:off x="5705266" y="-1458213"/>
+          <a:ext cx="693208" cy="9244930"/>
+        </a:xfrm>
+        <a:prstGeom prst="round2SameRect">
+          <a:avLst/>
+        </a:prstGeom>
+        <a:solidFill>
+          <a:schemeClr val="accent1">
+            <a:alpha val="90000"/>
+            <a:tint val="40000"/>
+            <a:hueOff val="0"/>
+            <a:satOff val="0"/>
+            <a:lumOff val="0"/>
+            <a:alphaOff val="0"/>
+          </a:schemeClr>
+        </a:solidFill>
+        <a:ln w="38100" cap="flat" cmpd="sng" algn="ctr">
+          <a:solidFill>
+            <a:schemeClr val="tx1">
+              <a:alpha val="90000"/>
+            </a:schemeClr>
+          </a:solidFill>
+          <a:prstDash val="solid"/>
+        </a:ln>
+        <a:effectLst/>
+      </dsp:spPr>
+      <dsp:style>
+        <a:lnRef idx="2">
+          <a:scrgbClr r="0" g="0" b="0"/>
+        </a:lnRef>
+        <a:fillRef idx="1">
+          <a:scrgbClr r="0" g="0" b="0"/>
+        </a:fillRef>
+        <a:effectRef idx="0">
+          <a:scrgbClr r="0" g="0" b="0"/>
+        </a:effectRef>
+        <a:fontRef idx="minor"/>
+      </dsp:style>
+      <dsp:txBody>
+        <a:bodyPr spcFirstLastPara="0" vert="horz" wrap="square" lIns="64770" tIns="32385" rIns="64770" bIns="32385" numCol="1" spcCol="1270" anchor="ctr" anchorCtr="0">
+          <a:noAutofit/>
+        </a:bodyPr>
+        <a:lstStyle/>
+        <a:p>
+          <a:pPr marL="171450" lvl="1" indent="-171450" algn="l" defTabSz="755650">
+            <a:lnSpc>
+              <a:spcPct val="90000"/>
+            </a:lnSpc>
+            <a:spcBef>
+              <a:spcPct val="0"/>
+            </a:spcBef>
+            <a:spcAft>
+              <a:spcPct val="15000"/>
+            </a:spcAft>
+            <a:buChar char="••"/>
+          </a:pPr>
+          <a:r>
+            <a:rPr lang="en-US" sz="1700" b="0" i="0" kern="1200" dirty="0" smtClean="0">
+              <a:latin typeface="Arial" panose="020B0604020202020204" pitchFamily="34" charset="0"/>
+              <a:cs typeface="Arial" panose="020B0604020202020204" pitchFamily="34" charset="0"/>
+            </a:rPr>
+            <a:t>The output layer of the skip-gram model is a softmax function that computes the probability of each word in the vocabulary being a context word given the target word.</a:t>
+          </a:r>
+          <a:endParaRPr lang="en-US" sz="1700" kern="1200" dirty="0">
+            <a:latin typeface="Arial" panose="020B0604020202020204" pitchFamily="34" charset="0"/>
+            <a:cs typeface="Arial" panose="020B0604020202020204" pitchFamily="34" charset="0"/>
+          </a:endParaRPr>
+        </a:p>
+      </dsp:txBody>
+      <dsp:txXfrm rot="-5400000">
+        <a:off x="1429405" y="2851488"/>
+        <a:ext cx="9211090" cy="625528"/>
+      </dsp:txXfrm>
+    </dsp:sp>
+    <dsp:sp modelId="{E12A0AC7-05E9-46D2-8982-F6BCFE7BAD51}">
+      <dsp:nvSpPr>
+        <dsp:cNvPr id="0" name=""/>
+        <dsp:cNvSpPr/>
+      </dsp:nvSpPr>
+      <dsp:spPr>
+        <a:xfrm>
+          <a:off x="5324" y="2730996"/>
+          <a:ext cx="1424080" cy="866510"/>
+        </a:xfrm>
+        <a:prstGeom prst="roundRect">
+          <a:avLst/>
+        </a:prstGeom>
+        <a:solidFill>
+          <a:srgbClr val="0070C0"/>
+        </a:solidFill>
+        <a:ln w="15875" cap="flat" cmpd="sng" algn="ctr">
+          <a:solidFill>
+            <a:schemeClr val="lt1">
+              <a:hueOff val="0"/>
+              <a:satOff val="0"/>
+              <a:lumOff val="0"/>
+              <a:alphaOff val="0"/>
+            </a:schemeClr>
+          </a:solidFill>
+          <a:prstDash val="solid"/>
+        </a:ln>
+        <a:effectLst/>
+      </dsp:spPr>
+      <dsp:style>
+        <a:lnRef idx="2">
+          <a:scrgbClr r="0" g="0" b="0"/>
+        </a:lnRef>
+        <a:fillRef idx="1">
+          <a:scrgbClr r="0" g="0" b="0"/>
+        </a:fillRef>
+        <a:effectRef idx="0">
+          <a:scrgbClr r="0" g="0" b="0"/>
+        </a:effectRef>
+        <a:fontRef idx="minor">
+          <a:schemeClr val="lt1"/>
+        </a:fontRef>
+      </dsp:style>
+      <dsp:txBody>
+        <a:bodyPr spcFirstLastPara="0" vert="horz" wrap="square" lIns="60960" tIns="30480" rIns="60960" bIns="30480" numCol="1" spcCol="1270" anchor="ctr" anchorCtr="0">
+          <a:noAutofit/>
+        </a:bodyPr>
+        <a:lstStyle/>
+        <a:p>
+          <a:pPr lvl="0" algn="ctr" defTabSz="711200">
+            <a:lnSpc>
+              <a:spcPct val="90000"/>
+            </a:lnSpc>
+            <a:spcBef>
+              <a:spcPct val="0"/>
+            </a:spcBef>
+            <a:spcAft>
+              <a:spcPct val="35000"/>
+            </a:spcAft>
+          </a:pPr>
+          <a:r>
+            <a:rPr lang="en-US" sz="1600" kern="1200" dirty="0" smtClean="0">
+              <a:latin typeface="Arial" panose="020B0604020202020204" pitchFamily="34" charset="0"/>
+              <a:cs typeface="Arial" panose="020B0604020202020204" pitchFamily="34" charset="0"/>
+            </a:rPr>
+            <a:t>Output Layer</a:t>
+          </a:r>
+          <a:endParaRPr lang="en-US" sz="1600" kern="1200" dirty="0">
+            <a:latin typeface="Arial" panose="020B0604020202020204" pitchFamily="34" charset="0"/>
+            <a:cs typeface="Arial" panose="020B0604020202020204" pitchFamily="34" charset="0"/>
+          </a:endParaRPr>
+        </a:p>
+      </dsp:txBody>
+      <dsp:txXfrm>
+        <a:off x="47624" y="2773296"/>
+        <a:ext cx="1339480" cy="781910"/>
+      </dsp:txXfrm>
+    </dsp:sp>
+    <dsp:sp modelId="{DED9BBEC-3241-4DA7-93A7-DC5CCBE1C446}">
+      <dsp:nvSpPr>
+        <dsp:cNvPr id="0" name=""/>
+        <dsp:cNvSpPr/>
+      </dsp:nvSpPr>
+      <dsp:spPr>
+        <a:xfrm rot="5400000">
+          <a:off x="5705266" y="-548377"/>
+          <a:ext cx="693208" cy="9244930"/>
+        </a:xfrm>
+        <a:prstGeom prst="round2SameRect">
+          <a:avLst/>
+        </a:prstGeom>
+        <a:solidFill>
+          <a:schemeClr val="accent1">
+            <a:alpha val="90000"/>
+            <a:tint val="40000"/>
+            <a:hueOff val="0"/>
+            <a:satOff val="0"/>
+            <a:lumOff val="0"/>
+            <a:alphaOff val="0"/>
+          </a:schemeClr>
+        </a:solidFill>
+        <a:ln w="38100" cap="flat" cmpd="sng" algn="ctr">
+          <a:solidFill>
+            <a:schemeClr val="tx1">
+              <a:alpha val="90000"/>
+            </a:schemeClr>
+          </a:solidFill>
+          <a:prstDash val="solid"/>
+        </a:ln>
+        <a:effectLst/>
+      </dsp:spPr>
+      <dsp:style>
+        <a:lnRef idx="2">
+          <a:scrgbClr r="0" g="0" b="0"/>
+        </a:lnRef>
+        <a:fillRef idx="1">
+          <a:scrgbClr r="0" g="0" b="0"/>
+        </a:fillRef>
+        <a:effectRef idx="0">
+          <a:scrgbClr r="0" g="0" b="0"/>
+        </a:effectRef>
+        <a:fontRef idx="minor"/>
+      </dsp:style>
+      <dsp:txBody>
+        <a:bodyPr spcFirstLastPara="0" vert="horz" wrap="square" lIns="64770" tIns="32385" rIns="64770" bIns="32385" numCol="1" spcCol="1270" anchor="ctr" anchorCtr="0">
+          <a:noAutofit/>
+        </a:bodyPr>
+        <a:lstStyle/>
+        <a:p>
+          <a:pPr marL="171450" lvl="1" indent="-171450" algn="l" defTabSz="755650">
+            <a:lnSpc>
+              <a:spcPct val="90000"/>
+            </a:lnSpc>
+            <a:spcBef>
+              <a:spcPct val="0"/>
+            </a:spcBef>
+            <a:spcAft>
+              <a:spcPct val="15000"/>
+            </a:spcAft>
+            <a:buChar char="••"/>
+          </a:pPr>
+          <a:r>
+            <a:rPr lang="en-US" sz="1700" b="0" i="0" kern="1200" smtClean="0">
+              <a:latin typeface="Arial" panose="020B0604020202020204" pitchFamily="34" charset="0"/>
+              <a:cs typeface="Arial" panose="020B0604020202020204" pitchFamily="34" charset="0"/>
+            </a:rPr>
+            <a:t>The loss function used to train the skip-gram model is the negative log-likelihood of the target word given the context words.</a:t>
+          </a:r>
+          <a:endParaRPr lang="en-US" sz="1700" kern="1200" dirty="0">
+            <a:latin typeface="Arial" panose="020B0604020202020204" pitchFamily="34" charset="0"/>
+            <a:cs typeface="Arial" panose="020B0604020202020204" pitchFamily="34" charset="0"/>
+          </a:endParaRPr>
+        </a:p>
+      </dsp:txBody>
+      <dsp:txXfrm rot="-5400000">
+        <a:off x="1429405" y="3761324"/>
+        <a:ext cx="9211090" cy="625528"/>
+      </dsp:txXfrm>
+    </dsp:sp>
+    <dsp:sp modelId="{203A5E80-5E4E-4550-8E79-4E97E3F4DF3A}">
+      <dsp:nvSpPr>
+        <dsp:cNvPr id="0" name=""/>
+        <dsp:cNvSpPr/>
+      </dsp:nvSpPr>
+      <dsp:spPr>
+        <a:xfrm>
+          <a:off x="5324" y="3640832"/>
+          <a:ext cx="1424080" cy="866510"/>
+        </a:xfrm>
+        <a:prstGeom prst="roundRect">
+          <a:avLst/>
+        </a:prstGeom>
+        <a:solidFill>
+          <a:srgbClr val="0070C0"/>
+        </a:solidFill>
+        <a:ln w="15875" cap="flat" cmpd="sng" algn="ctr">
+          <a:solidFill>
+            <a:schemeClr val="lt1">
+              <a:hueOff val="0"/>
+              <a:satOff val="0"/>
+              <a:lumOff val="0"/>
+              <a:alphaOff val="0"/>
+            </a:schemeClr>
+          </a:solidFill>
+          <a:prstDash val="solid"/>
+        </a:ln>
+        <a:effectLst/>
+      </dsp:spPr>
+      <dsp:style>
+        <a:lnRef idx="2">
+          <a:scrgbClr r="0" g="0" b="0"/>
+        </a:lnRef>
+        <a:fillRef idx="1">
+          <a:scrgbClr r="0" g="0" b="0"/>
+        </a:fillRef>
+        <a:effectRef idx="0">
+          <a:scrgbClr r="0" g="0" b="0"/>
+        </a:effectRef>
+        <a:fontRef idx="minor">
+          <a:schemeClr val="lt1"/>
+        </a:fontRef>
+      </dsp:style>
+      <dsp:txBody>
+        <a:bodyPr spcFirstLastPara="0" vert="horz" wrap="square" lIns="60960" tIns="30480" rIns="60960" bIns="30480" numCol="1" spcCol="1270" anchor="ctr" anchorCtr="0">
+          <a:noAutofit/>
+        </a:bodyPr>
+        <a:lstStyle/>
+        <a:p>
+          <a:pPr lvl="0" algn="ctr" defTabSz="711200">
+            <a:lnSpc>
+              <a:spcPct val="90000"/>
+            </a:lnSpc>
+            <a:spcBef>
+              <a:spcPct val="0"/>
+            </a:spcBef>
+            <a:spcAft>
+              <a:spcPct val="35000"/>
+            </a:spcAft>
+          </a:pPr>
+          <a:r>
+            <a:rPr lang="en-US" sz="1600" b="0" i="0" kern="1200" smtClean="0">
+              <a:latin typeface="Arial" panose="020B0604020202020204" pitchFamily="34" charset="0"/>
+              <a:cs typeface="Arial" panose="020B0604020202020204" pitchFamily="34" charset="0"/>
+            </a:rPr>
+            <a:t>Loss function</a:t>
+          </a:r>
+          <a:endParaRPr lang="en-US" sz="1600" kern="1200" dirty="0">
+            <a:latin typeface="Arial" panose="020B0604020202020204" pitchFamily="34" charset="0"/>
+            <a:cs typeface="Arial" panose="020B0604020202020204" pitchFamily="34" charset="0"/>
+          </a:endParaRPr>
+        </a:p>
+      </dsp:txBody>
+      <dsp:txXfrm>
+        <a:off x="47624" y="3683132"/>
+        <a:ext cx="1339480" cy="781910"/>
+      </dsp:txXfrm>
+    </dsp:sp>
+    <dsp:sp modelId="{D3C7894D-691B-4A84-A668-5C8204BE6523}">
+      <dsp:nvSpPr>
+        <dsp:cNvPr id="0" name=""/>
+        <dsp:cNvSpPr/>
+      </dsp:nvSpPr>
+      <dsp:spPr>
+        <a:xfrm rot="5400000">
+          <a:off x="5705266" y="361457"/>
+          <a:ext cx="693208" cy="9244930"/>
+        </a:xfrm>
+        <a:prstGeom prst="round2SameRect">
+          <a:avLst/>
+        </a:prstGeom>
+        <a:solidFill>
+          <a:schemeClr val="accent1">
+            <a:alpha val="90000"/>
+            <a:tint val="40000"/>
+            <a:hueOff val="0"/>
+            <a:satOff val="0"/>
+            <a:lumOff val="0"/>
+            <a:alphaOff val="0"/>
+          </a:schemeClr>
+        </a:solidFill>
+        <a:ln w="38100" cap="flat" cmpd="sng" algn="ctr">
+          <a:solidFill>
+            <a:schemeClr val="tx1">
+              <a:alpha val="90000"/>
+            </a:schemeClr>
+          </a:solidFill>
+          <a:prstDash val="solid"/>
+        </a:ln>
+        <a:effectLst/>
+      </dsp:spPr>
+      <dsp:style>
+        <a:lnRef idx="2">
+          <a:scrgbClr r="0" g="0" b="0"/>
+        </a:lnRef>
+        <a:fillRef idx="1">
+          <a:scrgbClr r="0" g="0" b="0"/>
+        </a:fillRef>
+        <a:effectRef idx="0">
+          <a:scrgbClr r="0" g="0" b="0"/>
+        </a:effectRef>
+        <a:fontRef idx="minor"/>
+      </dsp:style>
+      <dsp:txBody>
+        <a:bodyPr spcFirstLastPara="0" vert="horz" wrap="square" lIns="64770" tIns="32385" rIns="64770" bIns="32385" numCol="1" spcCol="1270" anchor="ctr" anchorCtr="0">
+          <a:noAutofit/>
+        </a:bodyPr>
+        <a:lstStyle/>
+        <a:p>
+          <a:pPr marL="171450" lvl="1" indent="-171450" algn="l" defTabSz="755650">
+            <a:lnSpc>
+              <a:spcPct val="90000"/>
+            </a:lnSpc>
+            <a:spcBef>
+              <a:spcPct val="0"/>
+            </a:spcBef>
+            <a:spcAft>
+              <a:spcPct val="15000"/>
+            </a:spcAft>
+            <a:buChar char="••"/>
+          </a:pPr>
+          <a:r>
+            <a:rPr lang="en-US" sz="1700" b="0" i="0" kern="1200" smtClean="0">
+              <a:latin typeface="Arial" panose="020B0604020202020204" pitchFamily="34" charset="0"/>
+              <a:cs typeface="Arial" panose="020B0604020202020204" pitchFamily="34" charset="0"/>
+            </a:rPr>
+            <a:t>The skip-gram model is optimized using stochastic gradient descent. During training, the weights of the neural network are updated iteratively to minimize the loss function</a:t>
+          </a:r>
+          <a:endParaRPr lang="en-US" sz="1700" kern="1200" dirty="0">
+            <a:latin typeface="Arial" panose="020B0604020202020204" pitchFamily="34" charset="0"/>
+            <a:cs typeface="Arial" panose="020B0604020202020204" pitchFamily="34" charset="0"/>
+          </a:endParaRPr>
+        </a:p>
+      </dsp:txBody>
+      <dsp:txXfrm rot="-5400000">
+        <a:off x="1429405" y="4671158"/>
+        <a:ext cx="9211090" cy="625528"/>
+      </dsp:txXfrm>
+    </dsp:sp>
+    <dsp:sp modelId="{A1C0BD5E-A833-49E1-AAED-BCEA75AF27A9}">
+      <dsp:nvSpPr>
+        <dsp:cNvPr id="0" name=""/>
+        <dsp:cNvSpPr/>
+      </dsp:nvSpPr>
+      <dsp:spPr>
+        <a:xfrm>
+          <a:off x="5324" y="4550668"/>
+          <a:ext cx="1424080" cy="866510"/>
+        </a:xfrm>
+        <a:prstGeom prst="roundRect">
+          <a:avLst/>
+        </a:prstGeom>
+        <a:solidFill>
+          <a:srgbClr val="0070C0"/>
+        </a:solidFill>
+        <a:ln w="15875" cap="flat" cmpd="sng" algn="ctr">
+          <a:solidFill>
+            <a:schemeClr val="lt1">
+              <a:hueOff val="0"/>
+              <a:satOff val="0"/>
+              <a:lumOff val="0"/>
+              <a:alphaOff val="0"/>
+            </a:schemeClr>
+          </a:solidFill>
+          <a:prstDash val="solid"/>
+        </a:ln>
+        <a:effectLst/>
+      </dsp:spPr>
+      <dsp:style>
+        <a:lnRef idx="2">
+          <a:scrgbClr r="0" g="0" b="0"/>
+        </a:lnRef>
+        <a:fillRef idx="1">
+          <a:scrgbClr r="0" g="0" b="0"/>
+        </a:fillRef>
+        <a:effectRef idx="0">
+          <a:scrgbClr r="0" g="0" b="0"/>
+        </a:effectRef>
+        <a:fontRef idx="minor">
+          <a:schemeClr val="lt1"/>
+        </a:fontRef>
+      </dsp:style>
+      <dsp:txBody>
+        <a:bodyPr spcFirstLastPara="0" vert="horz" wrap="square" lIns="60960" tIns="30480" rIns="60960" bIns="30480" numCol="1" spcCol="1270" anchor="ctr" anchorCtr="0">
+          <a:noAutofit/>
+        </a:bodyPr>
+        <a:lstStyle/>
+        <a:p>
+          <a:pPr lvl="0" algn="ctr" defTabSz="711200">
+            <a:lnSpc>
+              <a:spcPct val="90000"/>
+            </a:lnSpc>
+            <a:spcBef>
+              <a:spcPct val="0"/>
+            </a:spcBef>
+            <a:spcAft>
+              <a:spcPct val="35000"/>
+            </a:spcAft>
+          </a:pPr>
+          <a:r>
+            <a:rPr lang="en-US" sz="1600" b="0" i="0" kern="1200" smtClean="0">
+              <a:latin typeface="Arial" panose="020B0604020202020204" pitchFamily="34" charset="0"/>
+              <a:cs typeface="Arial" panose="020B0604020202020204" pitchFamily="34" charset="0"/>
+            </a:rPr>
+            <a:t>Optimization</a:t>
+          </a:r>
+          <a:endParaRPr lang="en-US" sz="1600" kern="1200" dirty="0">
+            <a:latin typeface="Arial" panose="020B0604020202020204" pitchFamily="34" charset="0"/>
+            <a:cs typeface="Arial" panose="020B0604020202020204" pitchFamily="34" charset="0"/>
+          </a:endParaRPr>
+        </a:p>
+      </dsp:txBody>
+      <dsp:txXfrm>
+        <a:off x="47624" y="4592968"/>
+        <a:ext cx="1339480" cy="781910"/>
+      </dsp:txXfrm>
+    </dsp:sp>
+  </dsp:spTree>
+</dsp:drawing>
+</file>
+
 <file path=ppt/diagrams/layout1.xml><?xml version="1.0" encoding="utf-8"?>
 <dgm:layoutDef xmlns:dgm="http://schemas.openxmlformats.org/drawingml/2006/diagram" xmlns:a="http://schemas.openxmlformats.org/drawingml/2006/main" uniqueId="urn:microsoft.com/office/officeart/2005/8/layout/vList5">
   <dgm:title val=""/>
@@ -7675,6 +10637,239 @@
 </dgm:layoutDef>
 </file>
 
+<file path=ppt/diagrams/layout5.xml><?xml version="1.0" encoding="utf-8"?>
+<dgm:layoutDef xmlns:dgm="http://schemas.openxmlformats.org/drawingml/2006/diagram" xmlns:a="http://schemas.openxmlformats.org/drawingml/2006/main" uniqueId="urn:microsoft.com/office/officeart/2005/8/layout/vList5">
+  <dgm:title val=""/>
+  <dgm:desc val=""/>
+  <dgm:catLst>
+    <dgm:cat type="list" pri="15000"/>
+    <dgm:cat type="convert" pri="2000"/>
+  </dgm:catLst>
+  <dgm:sampData>
+    <dgm:dataModel>
+      <dgm:ptLst>
+        <dgm:pt modelId="0" type="doc"/>
+        <dgm:pt modelId="1">
+          <dgm:prSet phldr="1"/>
+        </dgm:pt>
+        <dgm:pt modelId="11">
+          <dgm:prSet phldr="1"/>
+        </dgm:pt>
+        <dgm:pt modelId="12">
+          <dgm:prSet phldr="1"/>
+        </dgm:pt>
+        <dgm:pt modelId="2">
+          <dgm:prSet phldr="1"/>
+        </dgm:pt>
+        <dgm:pt modelId="21">
+          <dgm:prSet phldr="1"/>
+        </dgm:pt>
+        <dgm:pt modelId="22">
+          <dgm:prSet phldr="1"/>
+        </dgm:pt>
+        <dgm:pt modelId="3">
+          <dgm:prSet phldr="1"/>
+        </dgm:pt>
+        <dgm:pt modelId="31">
+          <dgm:prSet phldr="1"/>
+        </dgm:pt>
+        <dgm:pt modelId="32">
+          <dgm:prSet phldr="1"/>
+        </dgm:pt>
+      </dgm:ptLst>
+      <dgm:cxnLst>
+        <dgm:cxn modelId="4" srcId="0" destId="1" srcOrd="0" destOrd="0"/>
+        <dgm:cxn modelId="5" srcId="0" destId="2" srcOrd="1" destOrd="0"/>
+        <dgm:cxn modelId="6" srcId="0" destId="3" srcOrd="2" destOrd="0"/>
+        <dgm:cxn modelId="13" srcId="1" destId="11" srcOrd="0" destOrd="0"/>
+        <dgm:cxn modelId="14" srcId="1" destId="12" srcOrd="1" destOrd="0"/>
+        <dgm:cxn modelId="23" srcId="2" destId="21" srcOrd="0" destOrd="0"/>
+        <dgm:cxn modelId="24" srcId="2" destId="22" srcOrd="1" destOrd="0"/>
+        <dgm:cxn modelId="33" srcId="3" destId="31" srcOrd="0" destOrd="0"/>
+        <dgm:cxn modelId="34" srcId="3" destId="32" srcOrd="1" destOrd="0"/>
+      </dgm:cxnLst>
+      <dgm:bg/>
+      <dgm:whole/>
+    </dgm:dataModel>
+  </dgm:sampData>
+  <dgm:styleData>
+    <dgm:dataModel>
+      <dgm:ptLst>
+        <dgm:pt modelId="0" type="doc"/>
+        <dgm:pt modelId="1"/>
+        <dgm:pt modelId="11"/>
+        <dgm:pt modelId="2"/>
+        <dgm:pt modelId="21"/>
+      </dgm:ptLst>
+      <dgm:cxnLst>
+        <dgm:cxn modelId="4" srcId="0" destId="1" srcOrd="0" destOrd="0"/>
+        <dgm:cxn modelId="5" srcId="0" destId="2" srcOrd="1" destOrd="0"/>
+        <dgm:cxn modelId="13" srcId="1" destId="11" srcOrd="0" destOrd="0"/>
+        <dgm:cxn modelId="23" srcId="2" destId="21" srcOrd="0" destOrd="0"/>
+      </dgm:cxnLst>
+      <dgm:bg/>
+      <dgm:whole/>
+    </dgm:dataModel>
+  </dgm:styleData>
+  <dgm:clrData>
+    <dgm:dataModel>
+      <dgm:ptLst>
+        <dgm:pt modelId="0" type="doc"/>
+        <dgm:pt modelId="1"/>
+        <dgm:pt modelId="11"/>
+        <dgm:pt modelId="2"/>
+        <dgm:pt modelId="21"/>
+        <dgm:pt modelId="3"/>
+        <dgm:pt modelId="31"/>
+        <dgm:pt modelId="4"/>
+        <dgm:pt modelId="41"/>
+      </dgm:ptLst>
+      <dgm:cxnLst>
+        <dgm:cxn modelId="5" srcId="0" destId="1" srcOrd="0" destOrd="0"/>
+        <dgm:cxn modelId="6" srcId="0" destId="2" srcOrd="1" destOrd="0"/>
+        <dgm:cxn modelId="7" srcId="0" destId="3" srcOrd="2" destOrd="0"/>
+        <dgm:cxn modelId="8" srcId="0" destId="4" srcOrd="3" destOrd="0"/>
+        <dgm:cxn modelId="13" srcId="1" destId="11" srcOrd="0" destOrd="0"/>
+        <dgm:cxn modelId="23" srcId="2" destId="21" srcOrd="0" destOrd="0"/>
+        <dgm:cxn modelId="33" srcId="3" destId="31" srcOrd="0" destOrd="0"/>
+        <dgm:cxn modelId="43" srcId="4" destId="41" srcOrd="0" destOrd="0"/>
+      </dgm:cxnLst>
+      <dgm:bg/>
+      <dgm:whole/>
+    </dgm:dataModel>
+  </dgm:clrData>
+  <dgm:layoutNode name="Name0">
+    <dgm:varLst>
+      <dgm:dir/>
+      <dgm:animLvl val="lvl"/>
+      <dgm:resizeHandles val="exact"/>
+    </dgm:varLst>
+    <dgm:choose name="Name1">
+      <dgm:if name="Name2" func="var" arg="dir" op="equ" val="norm">
+        <dgm:alg type="lin">
+          <dgm:param type="linDir" val="fromT"/>
+          <dgm:param type="nodeHorzAlign" val="l"/>
+        </dgm:alg>
+      </dgm:if>
+      <dgm:else name="Name3">
+        <dgm:alg type="lin">
+          <dgm:param type="linDir" val="fromT"/>
+          <dgm:param type="nodeHorzAlign" val="r"/>
+        </dgm:alg>
+      </dgm:else>
+    </dgm:choose>
+    <dgm:shape xmlns:r="http://schemas.openxmlformats.org/officeDocument/2006/relationships" r:blip="">
+      <dgm:adjLst/>
+    </dgm:shape>
+    <dgm:presOf/>
+    <dgm:constrLst>
+      <dgm:constr type="h" for="ch" forName="linNode" refType="h"/>
+      <dgm:constr type="w" for="ch" forName="linNode" refType="w"/>
+      <dgm:constr type="h" for="ch" forName="sp" refType="h" fact="0.05"/>
+      <dgm:constr type="primFontSz" for="des" forName="parentText" op="equ" val="65"/>
+      <dgm:constr type="secFontSz" for="des" forName="descendantText" op="equ"/>
+    </dgm:constrLst>
+    <dgm:ruleLst/>
+    <dgm:forEach name="Name4" axis="ch" ptType="node">
+      <dgm:layoutNode name="linNode">
+        <dgm:choose name="Name5">
+          <dgm:if name="Name6" func="var" arg="dir" op="equ" val="norm">
+            <dgm:alg type="lin">
+              <dgm:param type="linDir" val="fromL"/>
+            </dgm:alg>
+          </dgm:if>
+          <dgm:else name="Name7">
+            <dgm:alg type="lin">
+              <dgm:param type="linDir" val="fromR"/>
+            </dgm:alg>
+          </dgm:else>
+        </dgm:choose>
+        <dgm:shape xmlns:r="http://schemas.openxmlformats.org/officeDocument/2006/relationships" r:blip="">
+          <dgm:adjLst/>
+        </dgm:shape>
+        <dgm:presOf/>
+        <dgm:constrLst>
+          <dgm:constr type="w" for="ch" forName="parentText" refType="w" fact="0.36"/>
+          <dgm:constr type="w" for="ch" forName="descendantText" refType="w" fact="0.64"/>
+          <dgm:constr type="h" for="ch" forName="parentText" refType="h"/>
+          <dgm:constr type="h" for="ch" forName="descendantText" refType="h" refFor="ch" refForName="parentText" fact="0.8"/>
+        </dgm:constrLst>
+        <dgm:ruleLst/>
+        <dgm:layoutNode name="parentText">
+          <dgm:varLst>
+            <dgm:chMax val="1"/>
+            <dgm:bulletEnabled val="1"/>
+          </dgm:varLst>
+          <dgm:alg type="tx"/>
+          <dgm:shape xmlns:r="http://schemas.openxmlformats.org/officeDocument/2006/relationships" type="roundRect" r:blip="" zOrderOff="3">
+            <dgm:adjLst/>
+          </dgm:shape>
+          <dgm:presOf axis="self" ptType="node"/>
+          <dgm:constrLst>
+            <dgm:constr type="tMarg" refType="primFontSz" fact="0.15"/>
+            <dgm:constr type="bMarg" refType="primFontSz" fact="0.15"/>
+            <dgm:constr type="lMarg" refType="primFontSz" fact="0.3"/>
+            <dgm:constr type="rMarg" refType="primFontSz" fact="0.3"/>
+          </dgm:constrLst>
+          <dgm:ruleLst>
+            <dgm:rule type="primFontSz" val="5" fact="NaN" max="NaN"/>
+          </dgm:ruleLst>
+        </dgm:layoutNode>
+        <dgm:choose name="Name8">
+          <dgm:if name="Name9" axis="ch" ptType="node" func="cnt" op="gte" val="1">
+            <dgm:layoutNode name="descendantText" styleLbl="alignAccFollowNode1">
+              <dgm:varLst>
+                <dgm:bulletEnabled val="1"/>
+              </dgm:varLst>
+              <dgm:alg type="tx">
+                <dgm:param type="stBulletLvl" val="1"/>
+                <dgm:param type="txAnchorVertCh" val="mid"/>
+              </dgm:alg>
+              <dgm:choose name="Name10">
+                <dgm:if name="Name11" func="var" arg="dir" op="equ" val="norm">
+                  <dgm:shape xmlns:r="http://schemas.openxmlformats.org/officeDocument/2006/relationships" rot="90" type="round2SameRect" r:blip="">
+                    <dgm:adjLst/>
+                  </dgm:shape>
+                </dgm:if>
+                <dgm:else name="Name12">
+                  <dgm:shape xmlns:r="http://schemas.openxmlformats.org/officeDocument/2006/relationships" rot="-90" type="round2SameRect" r:blip="">
+                    <dgm:adjLst/>
+                  </dgm:shape>
+                </dgm:else>
+              </dgm:choose>
+              <dgm:presOf axis="des" ptType="node"/>
+              <dgm:constrLst>
+                <dgm:constr type="secFontSz" val="65"/>
+                <dgm:constr type="primFontSz" refType="secFontSz"/>
+                <dgm:constr type="lMarg" refType="secFontSz" fact="0.3"/>
+                <dgm:constr type="rMarg" refType="secFontSz" fact="0.3"/>
+                <dgm:constr type="tMarg" refType="secFontSz" fact="0.15"/>
+                <dgm:constr type="bMarg" refType="secFontSz" fact="0.15"/>
+              </dgm:constrLst>
+              <dgm:ruleLst>
+                <dgm:rule type="secFontSz" val="5" fact="NaN" max="NaN"/>
+              </dgm:ruleLst>
+            </dgm:layoutNode>
+          </dgm:if>
+          <dgm:else name="Name13"/>
+        </dgm:choose>
+      </dgm:layoutNode>
+      <dgm:forEach name="Name14" axis="followSib" ptType="sibTrans" cnt="1">
+        <dgm:layoutNode name="sp">
+          <dgm:alg type="sp"/>
+          <dgm:shape xmlns:r="http://schemas.openxmlformats.org/officeDocument/2006/relationships" r:blip="">
+            <dgm:adjLst/>
+          </dgm:shape>
+          <dgm:presOf/>
+          <dgm:constrLst/>
+          <dgm:ruleLst/>
+        </dgm:layoutNode>
+      </dgm:forEach>
+    </dgm:forEach>
+  </dgm:layoutNode>
+</dgm:layoutDef>
+</file>
+
 <file path=ppt/diagrams/quickStyle1.xml><?xml version="1.0" encoding="utf-8"?>
 <dgm:styleDef xmlns:dgm="http://schemas.openxmlformats.org/drawingml/2006/diagram" xmlns:a="http://schemas.openxmlformats.org/drawingml/2006/main" uniqueId="urn:microsoft.com/office/officeart/2005/8/quickstyle/simple1">
   <dgm:title val=""/>
@@ -10778,6 +13973,1040 @@
 </file>
 
 <file path=ppt/diagrams/quickStyle4.xml><?xml version="1.0" encoding="utf-8"?>
+<dgm:styleDef xmlns:dgm="http://schemas.openxmlformats.org/drawingml/2006/diagram" xmlns:a="http://schemas.openxmlformats.org/drawingml/2006/main" uniqueId="urn:microsoft.com/office/officeart/2005/8/quickstyle/simple1">
+  <dgm:title val=""/>
+  <dgm:desc val=""/>
+  <dgm:catLst>
+    <dgm:cat type="simple" pri="10100"/>
+  </dgm:catLst>
+  <dgm:scene3d>
+    <a:camera prst="orthographicFront"/>
+    <a:lightRig rig="threePt" dir="t"/>
+  </dgm:scene3d>
+  <dgm:styleLbl name="node0">
+    <dgm:scene3d>
+      <a:camera prst="orthographicFront"/>
+      <a:lightRig rig="threePt" dir="t"/>
+    </dgm:scene3d>
+    <dgm:sp3d/>
+    <dgm:txPr/>
+    <dgm:style>
+      <a:lnRef idx="2">
+        <a:scrgbClr r="0" g="0" b="0"/>
+      </a:lnRef>
+      <a:fillRef idx="1">
+        <a:scrgbClr r="0" g="0" b="0"/>
+      </a:fillRef>
+      <a:effectRef idx="0">
+        <a:scrgbClr r="0" g="0" b="0"/>
+      </a:effectRef>
+      <a:fontRef idx="minor">
+        <a:schemeClr val="lt1"/>
+      </a:fontRef>
+    </dgm:style>
+  </dgm:styleLbl>
+  <dgm:styleLbl name="lnNode1">
+    <dgm:scene3d>
+      <a:camera prst="orthographicFront"/>
+      <a:lightRig rig="threePt" dir="t"/>
+    </dgm:scene3d>
+    <dgm:sp3d/>
+    <dgm:txPr/>
+    <dgm:style>
+      <a:lnRef idx="2">
+        <a:scrgbClr r="0" g="0" b="0"/>
+      </a:lnRef>
+      <a:fillRef idx="1">
+        <a:scrgbClr r="0" g="0" b="0"/>
+      </a:fillRef>
+      <a:effectRef idx="0">
+        <a:scrgbClr r="0" g="0" b="0"/>
+      </a:effectRef>
+      <a:fontRef idx="minor">
+        <a:schemeClr val="lt1"/>
+      </a:fontRef>
+    </dgm:style>
+  </dgm:styleLbl>
+  <dgm:styleLbl name="vennNode1">
+    <dgm:scene3d>
+      <a:camera prst="orthographicFront"/>
+      <a:lightRig rig="threePt" dir="t"/>
+    </dgm:scene3d>
+    <dgm:sp3d/>
+    <dgm:txPr/>
+    <dgm:style>
+      <a:lnRef idx="2">
+        <a:scrgbClr r="0" g="0" b="0"/>
+      </a:lnRef>
+      <a:fillRef idx="1">
+        <a:scrgbClr r="0" g="0" b="0"/>
+      </a:fillRef>
+      <a:effectRef idx="0">
+        <a:scrgbClr r="0" g="0" b="0"/>
+      </a:effectRef>
+      <a:fontRef idx="minor">
+        <a:schemeClr val="tx1"/>
+      </a:fontRef>
+    </dgm:style>
+  </dgm:styleLbl>
+  <dgm:styleLbl name="alignNode1">
+    <dgm:scene3d>
+      <a:camera prst="orthographicFront"/>
+      <a:lightRig rig="threePt" dir="t"/>
+    </dgm:scene3d>
+    <dgm:sp3d/>
+    <dgm:txPr/>
+    <dgm:style>
+      <a:lnRef idx="2">
+        <a:scrgbClr r="0" g="0" b="0"/>
+      </a:lnRef>
+      <a:fillRef idx="1">
+        <a:scrgbClr r="0" g="0" b="0"/>
+      </a:fillRef>
+      <a:effectRef idx="0">
+        <a:scrgbClr r="0" g="0" b="0"/>
+      </a:effectRef>
+      <a:fontRef idx="minor">
+        <a:schemeClr val="lt1"/>
+      </a:fontRef>
+    </dgm:style>
+  </dgm:styleLbl>
+  <dgm:styleLbl name="node1">
+    <dgm:scene3d>
+      <a:camera prst="orthographicFront"/>
+      <a:lightRig rig="threePt" dir="t"/>
+    </dgm:scene3d>
+    <dgm:sp3d/>
+    <dgm:txPr/>
+    <dgm:style>
+      <a:lnRef idx="2">
+        <a:scrgbClr r="0" g="0" b="0"/>
+      </a:lnRef>
+      <a:fillRef idx="1">
+        <a:scrgbClr r="0" g="0" b="0"/>
+      </a:fillRef>
+      <a:effectRef idx="0">
+        <a:scrgbClr r="0" g="0" b="0"/>
+      </a:effectRef>
+      <a:fontRef idx="minor">
+        <a:schemeClr val="lt1"/>
+      </a:fontRef>
+    </dgm:style>
+  </dgm:styleLbl>
+  <dgm:styleLbl name="node2">
+    <dgm:scene3d>
+      <a:camera prst="orthographicFront"/>
+      <a:lightRig rig="threePt" dir="t"/>
+    </dgm:scene3d>
+    <dgm:sp3d/>
+    <dgm:txPr/>
+    <dgm:style>
+      <a:lnRef idx="2">
+        <a:scrgbClr r="0" g="0" b="0"/>
+      </a:lnRef>
+      <a:fillRef idx="1">
+        <a:scrgbClr r="0" g="0" b="0"/>
+      </a:fillRef>
+      <a:effectRef idx="0">
+        <a:scrgbClr r="0" g="0" b="0"/>
+      </a:effectRef>
+      <a:fontRef idx="minor">
+        <a:schemeClr val="lt1"/>
+      </a:fontRef>
+    </dgm:style>
+  </dgm:styleLbl>
+  <dgm:styleLbl name="node3">
+    <dgm:scene3d>
+      <a:camera prst="orthographicFront"/>
+      <a:lightRig rig="threePt" dir="t"/>
+    </dgm:scene3d>
+    <dgm:sp3d/>
+    <dgm:txPr/>
+    <dgm:style>
+      <a:lnRef idx="2">
+        <a:scrgbClr r="0" g="0" b="0"/>
+      </a:lnRef>
+      <a:fillRef idx="1">
+        <a:scrgbClr r="0" g="0" b="0"/>
+      </a:fillRef>
+      <a:effectRef idx="0">
+        <a:scrgbClr r="0" g="0" b="0"/>
+      </a:effectRef>
+      <a:fontRef idx="minor">
+        <a:schemeClr val="lt1"/>
+      </a:fontRef>
+    </dgm:style>
+  </dgm:styleLbl>
+  <dgm:styleLbl name="node4">
+    <dgm:scene3d>
+      <a:camera prst="orthographicFront"/>
+      <a:lightRig rig="threePt" dir="t"/>
+    </dgm:scene3d>
+    <dgm:sp3d/>
+    <dgm:txPr/>
+    <dgm:style>
+      <a:lnRef idx="2">
+        <a:scrgbClr r="0" g="0" b="0"/>
+      </a:lnRef>
+      <a:fillRef idx="1">
+        <a:scrgbClr r="0" g="0" b="0"/>
+      </a:fillRef>
+      <a:effectRef idx="0">
+        <a:scrgbClr r="0" g="0" b="0"/>
+      </a:effectRef>
+      <a:fontRef idx="minor">
+        <a:schemeClr val="lt1"/>
+      </a:fontRef>
+    </dgm:style>
+  </dgm:styleLbl>
+  <dgm:styleLbl name="fgImgPlace1">
+    <dgm:scene3d>
+      <a:camera prst="orthographicFront"/>
+      <a:lightRig rig="threePt" dir="t"/>
+    </dgm:scene3d>
+    <dgm:sp3d/>
+    <dgm:txPr/>
+    <dgm:style>
+      <a:lnRef idx="2">
+        <a:scrgbClr r="0" g="0" b="0"/>
+      </a:lnRef>
+      <a:fillRef idx="1">
+        <a:scrgbClr r="0" g="0" b="0"/>
+      </a:fillRef>
+      <a:effectRef idx="0">
+        <a:scrgbClr r="0" g="0" b="0"/>
+      </a:effectRef>
+      <a:fontRef idx="minor"/>
+    </dgm:style>
+  </dgm:styleLbl>
+  <dgm:styleLbl name="alignImgPlace1">
+    <dgm:scene3d>
+      <a:camera prst="orthographicFront"/>
+      <a:lightRig rig="threePt" dir="t"/>
+    </dgm:scene3d>
+    <dgm:sp3d/>
+    <dgm:txPr/>
+    <dgm:style>
+      <a:lnRef idx="2">
+        <a:scrgbClr r="0" g="0" b="0"/>
+      </a:lnRef>
+      <a:fillRef idx="1">
+        <a:scrgbClr r="0" g="0" b="0"/>
+      </a:fillRef>
+      <a:effectRef idx="0">
+        <a:scrgbClr r="0" g="0" b="0"/>
+      </a:effectRef>
+      <a:fontRef idx="minor"/>
+    </dgm:style>
+  </dgm:styleLbl>
+  <dgm:styleLbl name="bgImgPlace1">
+    <dgm:scene3d>
+      <a:camera prst="orthographicFront"/>
+      <a:lightRig rig="threePt" dir="t"/>
+    </dgm:scene3d>
+    <dgm:sp3d/>
+    <dgm:txPr/>
+    <dgm:style>
+      <a:lnRef idx="2">
+        <a:scrgbClr r="0" g="0" b="0"/>
+      </a:lnRef>
+      <a:fillRef idx="1">
+        <a:scrgbClr r="0" g="0" b="0"/>
+      </a:fillRef>
+      <a:effectRef idx="0">
+        <a:scrgbClr r="0" g="0" b="0"/>
+      </a:effectRef>
+      <a:fontRef idx="minor"/>
+    </dgm:style>
+  </dgm:styleLbl>
+  <dgm:styleLbl name="sibTrans2D1">
+    <dgm:scene3d>
+      <a:camera prst="orthographicFront"/>
+      <a:lightRig rig="threePt" dir="t"/>
+    </dgm:scene3d>
+    <dgm:sp3d/>
+    <dgm:txPr/>
+    <dgm:style>
+      <a:lnRef idx="0">
+        <a:scrgbClr r="0" g="0" b="0"/>
+      </a:lnRef>
+      <a:fillRef idx="1">
+        <a:scrgbClr r="0" g="0" b="0"/>
+      </a:fillRef>
+      <a:effectRef idx="0">
+        <a:scrgbClr r="0" g="0" b="0"/>
+      </a:effectRef>
+      <a:fontRef idx="minor">
+        <a:schemeClr val="lt1"/>
+      </a:fontRef>
+    </dgm:style>
+  </dgm:styleLbl>
+  <dgm:styleLbl name="fgSibTrans2D1">
+    <dgm:scene3d>
+      <a:camera prst="orthographicFront"/>
+      <a:lightRig rig="threePt" dir="t"/>
+    </dgm:scene3d>
+    <dgm:sp3d/>
+    <dgm:txPr/>
+    <dgm:style>
+      <a:lnRef idx="0">
+        <a:scrgbClr r="0" g="0" b="0"/>
+      </a:lnRef>
+      <a:fillRef idx="1">
+        <a:scrgbClr r="0" g="0" b="0"/>
+      </a:fillRef>
+      <a:effectRef idx="0">
+        <a:scrgbClr r="0" g="0" b="0"/>
+      </a:effectRef>
+      <a:fontRef idx="minor">
+        <a:schemeClr val="lt1"/>
+      </a:fontRef>
+    </dgm:style>
+  </dgm:styleLbl>
+  <dgm:styleLbl name="bgSibTrans2D1">
+    <dgm:scene3d>
+      <a:camera prst="orthographicFront"/>
+      <a:lightRig rig="threePt" dir="t"/>
+    </dgm:scene3d>
+    <dgm:sp3d/>
+    <dgm:txPr/>
+    <dgm:style>
+      <a:lnRef idx="0">
+        <a:scrgbClr r="0" g="0" b="0"/>
+      </a:lnRef>
+      <a:fillRef idx="1">
+        <a:scrgbClr r="0" g="0" b="0"/>
+      </a:fillRef>
+      <a:effectRef idx="0">
+        <a:scrgbClr r="0" g="0" b="0"/>
+      </a:effectRef>
+      <a:fontRef idx="minor">
+        <a:schemeClr val="lt1"/>
+      </a:fontRef>
+    </dgm:style>
+  </dgm:styleLbl>
+  <dgm:styleLbl name="sibTrans1D1">
+    <dgm:scene3d>
+      <a:camera prst="orthographicFront"/>
+      <a:lightRig rig="threePt" dir="t"/>
+    </dgm:scene3d>
+    <dgm:sp3d/>
+    <dgm:txPr/>
+    <dgm:style>
+      <a:lnRef idx="1">
+        <a:scrgbClr r="0" g="0" b="0"/>
+      </a:lnRef>
+      <a:fillRef idx="0">
+        <a:scrgbClr r="0" g="0" b="0"/>
+      </a:fillRef>
+      <a:effectRef idx="0">
+        <a:scrgbClr r="0" g="0" b="0"/>
+      </a:effectRef>
+      <a:fontRef idx="minor"/>
+    </dgm:style>
+  </dgm:styleLbl>
+  <dgm:styleLbl name="callout">
+    <dgm:scene3d>
+      <a:camera prst="orthographicFront"/>
+      <a:lightRig rig="threePt" dir="t"/>
+    </dgm:scene3d>
+    <dgm:sp3d/>
+    <dgm:txPr/>
+    <dgm:style>
+      <a:lnRef idx="2">
+        <a:scrgbClr r="0" g="0" b="0"/>
+      </a:lnRef>
+      <a:fillRef idx="1">
+        <a:scrgbClr r="0" g="0" b="0"/>
+      </a:fillRef>
+      <a:effectRef idx="0">
+        <a:scrgbClr r="0" g="0" b="0"/>
+      </a:effectRef>
+      <a:fontRef idx="minor"/>
+    </dgm:style>
+  </dgm:styleLbl>
+  <dgm:styleLbl name="asst0">
+    <dgm:scene3d>
+      <a:camera prst="orthographicFront"/>
+      <a:lightRig rig="threePt" dir="t"/>
+    </dgm:scene3d>
+    <dgm:sp3d/>
+    <dgm:txPr/>
+    <dgm:style>
+      <a:lnRef idx="2">
+        <a:scrgbClr r="0" g="0" b="0"/>
+      </a:lnRef>
+      <a:fillRef idx="1">
+        <a:scrgbClr r="0" g="0" b="0"/>
+      </a:fillRef>
+      <a:effectRef idx="0">
+        <a:scrgbClr r="0" g="0" b="0"/>
+      </a:effectRef>
+      <a:fontRef idx="minor">
+        <a:schemeClr val="lt1"/>
+      </a:fontRef>
+    </dgm:style>
+  </dgm:styleLbl>
+  <dgm:styleLbl name="asst1">
+    <dgm:scene3d>
+      <a:camera prst="orthographicFront"/>
+      <a:lightRig rig="threePt" dir="t"/>
+    </dgm:scene3d>
+    <dgm:sp3d/>
+    <dgm:txPr/>
+    <dgm:style>
+      <a:lnRef idx="2">
+        <a:scrgbClr r="0" g="0" b="0"/>
+      </a:lnRef>
+      <a:fillRef idx="1">
+        <a:scrgbClr r="0" g="0" b="0"/>
+      </a:fillRef>
+      <a:effectRef idx="0">
+        <a:scrgbClr r="0" g="0" b="0"/>
+      </a:effectRef>
+      <a:fontRef idx="minor">
+        <a:schemeClr val="lt1"/>
+      </a:fontRef>
+    </dgm:style>
+  </dgm:styleLbl>
+  <dgm:styleLbl name="asst2">
+    <dgm:scene3d>
+      <a:camera prst="orthographicFront"/>
+      <a:lightRig rig="threePt" dir="t"/>
+    </dgm:scene3d>
+    <dgm:sp3d/>
+    <dgm:txPr/>
+    <dgm:style>
+      <a:lnRef idx="2">
+        <a:scrgbClr r="0" g="0" b="0"/>
+      </a:lnRef>
+      <a:fillRef idx="1">
+        <a:scrgbClr r="0" g="0" b="0"/>
+      </a:fillRef>
+      <a:effectRef idx="0">
+        <a:scrgbClr r="0" g="0" b="0"/>
+      </a:effectRef>
+      <a:fontRef idx="minor">
+        <a:schemeClr val="lt1"/>
+      </a:fontRef>
+    </dgm:style>
+  </dgm:styleLbl>
+  <dgm:styleLbl name="asst3">
+    <dgm:scene3d>
+      <a:camera prst="orthographicFront"/>
+      <a:lightRig rig="threePt" dir="t"/>
+    </dgm:scene3d>
+    <dgm:sp3d/>
+    <dgm:txPr/>
+    <dgm:style>
+      <a:lnRef idx="2">
+        <a:scrgbClr r="0" g="0" b="0"/>
+      </a:lnRef>
+      <a:fillRef idx="1">
+        <a:scrgbClr r="0" g="0" b="0"/>
+      </a:fillRef>
+      <a:effectRef idx="0">
+        <a:scrgbClr r="0" g="0" b="0"/>
+      </a:effectRef>
+      <a:fontRef idx="minor">
+        <a:schemeClr val="lt1"/>
+      </a:fontRef>
+    </dgm:style>
+  </dgm:styleLbl>
+  <dgm:styleLbl name="asst4">
+    <dgm:scene3d>
+      <a:camera prst="orthographicFront"/>
+      <a:lightRig rig="threePt" dir="t"/>
+    </dgm:scene3d>
+    <dgm:sp3d/>
+    <dgm:txPr/>
+    <dgm:style>
+      <a:lnRef idx="2">
+        <a:scrgbClr r="0" g="0" b="0"/>
+      </a:lnRef>
+      <a:fillRef idx="1">
+        <a:scrgbClr r="0" g="0" b="0"/>
+      </a:fillRef>
+      <a:effectRef idx="0">
+        <a:scrgbClr r="0" g="0" b="0"/>
+      </a:effectRef>
+      <a:fontRef idx="minor">
+        <a:schemeClr val="lt1"/>
+      </a:fontRef>
+    </dgm:style>
+  </dgm:styleLbl>
+  <dgm:styleLbl name="parChTrans2D1">
+    <dgm:scene3d>
+      <a:camera prst="orthographicFront"/>
+      <a:lightRig rig="threePt" dir="t"/>
+    </dgm:scene3d>
+    <dgm:sp3d/>
+    <dgm:txPr/>
+    <dgm:style>
+      <a:lnRef idx="2">
+        <a:scrgbClr r="0" g="0" b="0"/>
+      </a:lnRef>
+      <a:fillRef idx="1">
+        <a:scrgbClr r="0" g="0" b="0"/>
+      </a:fillRef>
+      <a:effectRef idx="0">
+        <a:scrgbClr r="0" g="0" b="0"/>
+      </a:effectRef>
+      <a:fontRef idx="minor">
+        <a:schemeClr val="lt1"/>
+      </a:fontRef>
+    </dgm:style>
+  </dgm:styleLbl>
+  <dgm:styleLbl name="parChTrans2D2">
+    <dgm:scene3d>
+      <a:camera prst="orthographicFront"/>
+      <a:lightRig rig="threePt" dir="t"/>
+    </dgm:scene3d>
+    <dgm:sp3d/>
+    <dgm:txPr/>
+    <dgm:style>
+      <a:lnRef idx="2">
+        <a:scrgbClr r="0" g="0" b="0"/>
+      </a:lnRef>
+      <a:fillRef idx="1">
+        <a:scrgbClr r="0" g="0" b="0"/>
+      </a:fillRef>
+      <a:effectRef idx="0">
+        <a:scrgbClr r="0" g="0" b="0"/>
+      </a:effectRef>
+      <a:fontRef idx="minor">
+        <a:schemeClr val="lt1"/>
+      </a:fontRef>
+    </dgm:style>
+  </dgm:styleLbl>
+  <dgm:styleLbl name="parChTrans2D3">
+    <dgm:scene3d>
+      <a:camera prst="orthographicFront"/>
+      <a:lightRig rig="threePt" dir="t"/>
+    </dgm:scene3d>
+    <dgm:sp3d/>
+    <dgm:txPr/>
+    <dgm:style>
+      <a:lnRef idx="2">
+        <a:scrgbClr r="0" g="0" b="0"/>
+      </a:lnRef>
+      <a:fillRef idx="1">
+        <a:scrgbClr r="0" g="0" b="0"/>
+      </a:fillRef>
+      <a:effectRef idx="0">
+        <a:scrgbClr r="0" g="0" b="0"/>
+      </a:effectRef>
+      <a:fontRef idx="minor">
+        <a:schemeClr val="lt1"/>
+      </a:fontRef>
+    </dgm:style>
+  </dgm:styleLbl>
+  <dgm:styleLbl name="parChTrans2D4">
+    <dgm:scene3d>
+      <a:camera prst="orthographicFront"/>
+      <a:lightRig rig="threePt" dir="t"/>
+    </dgm:scene3d>
+    <dgm:sp3d/>
+    <dgm:txPr/>
+    <dgm:style>
+      <a:lnRef idx="2">
+        <a:scrgbClr r="0" g="0" b="0"/>
+      </a:lnRef>
+      <a:fillRef idx="1">
+        <a:scrgbClr r="0" g="0" b="0"/>
+      </a:fillRef>
+      <a:effectRef idx="0">
+        <a:scrgbClr r="0" g="0" b="0"/>
+      </a:effectRef>
+      <a:fontRef idx="minor">
+        <a:schemeClr val="lt1"/>
+      </a:fontRef>
+    </dgm:style>
+  </dgm:styleLbl>
+  <dgm:styleLbl name="parChTrans1D1">
+    <dgm:scene3d>
+      <a:camera prst="orthographicFront"/>
+      <a:lightRig rig="threePt" dir="t"/>
+    </dgm:scene3d>
+    <dgm:sp3d/>
+    <dgm:txPr/>
+    <dgm:style>
+      <a:lnRef idx="2">
+        <a:scrgbClr r="0" g="0" b="0"/>
+      </a:lnRef>
+      <a:fillRef idx="0">
+        <a:scrgbClr r="0" g="0" b="0"/>
+      </a:fillRef>
+      <a:effectRef idx="0">
+        <a:scrgbClr r="0" g="0" b="0"/>
+      </a:effectRef>
+      <a:fontRef idx="minor"/>
+    </dgm:style>
+  </dgm:styleLbl>
+  <dgm:styleLbl name="parChTrans1D2">
+    <dgm:scene3d>
+      <a:camera prst="orthographicFront"/>
+      <a:lightRig rig="threePt" dir="t"/>
+    </dgm:scene3d>
+    <dgm:sp3d/>
+    <dgm:txPr/>
+    <dgm:style>
+      <a:lnRef idx="2">
+        <a:scrgbClr r="0" g="0" b="0"/>
+      </a:lnRef>
+      <a:fillRef idx="0">
+        <a:scrgbClr r="0" g="0" b="0"/>
+      </a:fillRef>
+      <a:effectRef idx="0">
+        <a:scrgbClr r="0" g="0" b="0"/>
+      </a:effectRef>
+      <a:fontRef idx="minor"/>
+    </dgm:style>
+  </dgm:styleLbl>
+  <dgm:styleLbl name="parChTrans1D3">
+    <dgm:scene3d>
+      <a:camera prst="orthographicFront"/>
+      <a:lightRig rig="threePt" dir="t"/>
+    </dgm:scene3d>
+    <dgm:sp3d/>
+    <dgm:txPr/>
+    <dgm:style>
+      <a:lnRef idx="2">
+        <a:scrgbClr r="0" g="0" b="0"/>
+      </a:lnRef>
+      <a:fillRef idx="0">
+        <a:scrgbClr r="0" g="0" b="0"/>
+      </a:fillRef>
+      <a:effectRef idx="0">
+        <a:scrgbClr r="0" g="0" b="0"/>
+      </a:effectRef>
+      <a:fontRef idx="minor"/>
+    </dgm:style>
+  </dgm:styleLbl>
+  <dgm:styleLbl name="parChTrans1D4">
+    <dgm:scene3d>
+      <a:camera prst="orthographicFront"/>
+      <a:lightRig rig="threePt" dir="t"/>
+    </dgm:scene3d>
+    <dgm:sp3d/>
+    <dgm:txPr/>
+    <dgm:style>
+      <a:lnRef idx="2">
+        <a:scrgbClr r="0" g="0" b="0"/>
+      </a:lnRef>
+      <a:fillRef idx="0">
+        <a:scrgbClr r="0" g="0" b="0"/>
+      </a:fillRef>
+      <a:effectRef idx="0">
+        <a:scrgbClr r="0" g="0" b="0"/>
+      </a:effectRef>
+      <a:fontRef idx="minor"/>
+    </dgm:style>
+  </dgm:styleLbl>
+  <dgm:styleLbl name="fgAcc1">
+    <dgm:scene3d>
+      <a:camera prst="orthographicFront"/>
+      <a:lightRig rig="threePt" dir="t"/>
+    </dgm:scene3d>
+    <dgm:sp3d/>
+    <dgm:txPr/>
+    <dgm:style>
+      <a:lnRef idx="2">
+        <a:scrgbClr r="0" g="0" b="0"/>
+      </a:lnRef>
+      <a:fillRef idx="1">
+        <a:scrgbClr r="0" g="0" b="0"/>
+      </a:fillRef>
+      <a:effectRef idx="0">
+        <a:scrgbClr r="0" g="0" b="0"/>
+      </a:effectRef>
+      <a:fontRef idx="minor"/>
+    </dgm:style>
+  </dgm:styleLbl>
+  <dgm:styleLbl name="conFgAcc1">
+    <dgm:scene3d>
+      <a:camera prst="orthographicFront"/>
+      <a:lightRig rig="threePt" dir="t"/>
+    </dgm:scene3d>
+    <dgm:sp3d/>
+    <dgm:txPr/>
+    <dgm:style>
+      <a:lnRef idx="2">
+        <a:scrgbClr r="0" g="0" b="0"/>
+      </a:lnRef>
+      <a:fillRef idx="1">
+        <a:scrgbClr r="0" g="0" b="0"/>
+      </a:fillRef>
+      <a:effectRef idx="0">
+        <a:scrgbClr r="0" g="0" b="0"/>
+      </a:effectRef>
+      <a:fontRef idx="minor"/>
+    </dgm:style>
+  </dgm:styleLbl>
+  <dgm:styleLbl name="alignAcc1">
+    <dgm:scene3d>
+      <a:camera prst="orthographicFront"/>
+      <a:lightRig rig="threePt" dir="t"/>
+    </dgm:scene3d>
+    <dgm:sp3d/>
+    <dgm:txPr/>
+    <dgm:style>
+      <a:lnRef idx="2">
+        <a:scrgbClr r="0" g="0" b="0"/>
+      </a:lnRef>
+      <a:fillRef idx="1">
+        <a:scrgbClr r="0" g="0" b="0"/>
+      </a:fillRef>
+      <a:effectRef idx="0">
+        <a:scrgbClr r="0" g="0" b="0"/>
+      </a:effectRef>
+      <a:fontRef idx="minor"/>
+    </dgm:style>
+  </dgm:styleLbl>
+  <dgm:styleLbl name="trAlignAcc1">
+    <dgm:scene3d>
+      <a:camera prst="orthographicFront"/>
+      <a:lightRig rig="threePt" dir="t"/>
+    </dgm:scene3d>
+    <dgm:sp3d/>
+    <dgm:txPr/>
+    <dgm:style>
+      <a:lnRef idx="1">
+        <a:scrgbClr r="0" g="0" b="0"/>
+      </a:lnRef>
+      <a:fillRef idx="1">
+        <a:scrgbClr r="0" g="0" b="0"/>
+      </a:fillRef>
+      <a:effectRef idx="0">
+        <a:scrgbClr r="0" g="0" b="0"/>
+      </a:effectRef>
+      <a:fontRef idx="minor"/>
+    </dgm:style>
+  </dgm:styleLbl>
+  <dgm:styleLbl name="bgAcc1">
+    <dgm:scene3d>
+      <a:camera prst="orthographicFront"/>
+      <a:lightRig rig="threePt" dir="t"/>
+    </dgm:scene3d>
+    <dgm:sp3d/>
+    <dgm:txPr/>
+    <dgm:style>
+      <a:lnRef idx="2">
+        <a:scrgbClr r="0" g="0" b="0"/>
+      </a:lnRef>
+      <a:fillRef idx="1">
+        <a:scrgbClr r="0" g="0" b="0"/>
+      </a:fillRef>
+      <a:effectRef idx="0">
+        <a:scrgbClr r="0" g="0" b="0"/>
+      </a:effectRef>
+      <a:fontRef idx="minor"/>
+    </dgm:style>
+  </dgm:styleLbl>
+  <dgm:styleLbl name="solidFgAcc1">
+    <dgm:scene3d>
+      <a:camera prst="orthographicFront"/>
+      <a:lightRig rig="threePt" dir="t"/>
+    </dgm:scene3d>
+    <dgm:sp3d/>
+    <dgm:txPr/>
+    <dgm:style>
+      <a:lnRef idx="2">
+        <a:scrgbClr r="0" g="0" b="0"/>
+      </a:lnRef>
+      <a:fillRef idx="1">
+        <a:scrgbClr r="0" g="0" b="0"/>
+      </a:fillRef>
+      <a:effectRef idx="0">
+        <a:scrgbClr r="0" g="0" b="0"/>
+      </a:effectRef>
+      <a:fontRef idx="minor"/>
+    </dgm:style>
+  </dgm:styleLbl>
+  <dgm:styleLbl name="solidAlignAcc1">
+    <dgm:scene3d>
+      <a:camera prst="orthographicFront"/>
+      <a:lightRig rig="threePt" dir="t"/>
+    </dgm:scene3d>
+    <dgm:sp3d/>
+    <dgm:txPr/>
+    <dgm:style>
+      <a:lnRef idx="2">
+        <a:scrgbClr r="0" g="0" b="0"/>
+      </a:lnRef>
+      <a:fillRef idx="1">
+        <a:scrgbClr r="0" g="0" b="0"/>
+      </a:fillRef>
+      <a:effectRef idx="0">
+        <a:scrgbClr r="0" g="0" b="0"/>
+      </a:effectRef>
+      <a:fontRef idx="minor"/>
+    </dgm:style>
+  </dgm:styleLbl>
+  <dgm:styleLbl name="solidBgAcc1">
+    <dgm:scene3d>
+      <a:camera prst="orthographicFront"/>
+      <a:lightRig rig="threePt" dir="t"/>
+    </dgm:scene3d>
+    <dgm:sp3d/>
+    <dgm:txPr/>
+    <dgm:style>
+      <a:lnRef idx="2">
+        <a:scrgbClr r="0" g="0" b="0"/>
+      </a:lnRef>
+      <a:fillRef idx="1">
+        <a:scrgbClr r="0" g="0" b="0"/>
+      </a:fillRef>
+      <a:effectRef idx="0">
+        <a:scrgbClr r="0" g="0" b="0"/>
+      </a:effectRef>
+      <a:fontRef idx="minor"/>
+    </dgm:style>
+  </dgm:styleLbl>
+  <dgm:styleLbl name="fgAccFollowNode1">
+    <dgm:scene3d>
+      <a:camera prst="orthographicFront"/>
+      <a:lightRig rig="threePt" dir="t"/>
+    </dgm:scene3d>
+    <dgm:sp3d/>
+    <dgm:txPr/>
+    <dgm:style>
+      <a:lnRef idx="2">
+        <a:scrgbClr r="0" g="0" b="0"/>
+      </a:lnRef>
+      <a:fillRef idx="1">
+        <a:scrgbClr r="0" g="0" b="0"/>
+      </a:fillRef>
+      <a:effectRef idx="0">
+        <a:scrgbClr r="0" g="0" b="0"/>
+      </a:effectRef>
+      <a:fontRef idx="minor"/>
+    </dgm:style>
+  </dgm:styleLbl>
+  <dgm:styleLbl name="alignAccFollowNode1">
+    <dgm:scene3d>
+      <a:camera prst="orthographicFront"/>
+      <a:lightRig rig="threePt" dir="t"/>
+    </dgm:scene3d>
+    <dgm:sp3d/>
+    <dgm:txPr/>
+    <dgm:style>
+      <a:lnRef idx="2">
+        <a:scrgbClr r="0" g="0" b="0"/>
+      </a:lnRef>
+      <a:fillRef idx="1">
+        <a:scrgbClr r="0" g="0" b="0"/>
+      </a:fillRef>
+      <a:effectRef idx="0">
+        <a:scrgbClr r="0" g="0" b="0"/>
+      </a:effectRef>
+      <a:fontRef idx="minor"/>
+    </dgm:style>
+  </dgm:styleLbl>
+  <dgm:styleLbl name="bgAccFollowNode1">
+    <dgm:scene3d>
+      <a:camera prst="orthographicFront"/>
+      <a:lightRig rig="threePt" dir="t"/>
+    </dgm:scene3d>
+    <dgm:sp3d/>
+    <dgm:txPr/>
+    <dgm:style>
+      <a:lnRef idx="2">
+        <a:scrgbClr r="0" g="0" b="0"/>
+      </a:lnRef>
+      <a:fillRef idx="1">
+        <a:scrgbClr r="0" g="0" b="0"/>
+      </a:fillRef>
+      <a:effectRef idx="0">
+        <a:scrgbClr r="0" g="0" b="0"/>
+      </a:effectRef>
+      <a:fontRef idx="minor"/>
+    </dgm:style>
+  </dgm:styleLbl>
+  <dgm:styleLbl name="fgAcc0">
+    <dgm:scene3d>
+      <a:camera prst="orthographicFront"/>
+      <a:lightRig rig="threePt" dir="t"/>
+    </dgm:scene3d>
+    <dgm:sp3d/>
+    <dgm:txPr/>
+    <dgm:style>
+      <a:lnRef idx="2">
+        <a:scrgbClr r="0" g="0" b="0"/>
+      </a:lnRef>
+      <a:fillRef idx="1">
+        <a:scrgbClr r="0" g="0" b="0"/>
+      </a:fillRef>
+      <a:effectRef idx="0">
+        <a:scrgbClr r="0" g="0" b="0"/>
+      </a:effectRef>
+      <a:fontRef idx="minor"/>
+    </dgm:style>
+  </dgm:styleLbl>
+  <dgm:styleLbl name="fgAcc2">
+    <dgm:scene3d>
+      <a:camera prst="orthographicFront"/>
+      <a:lightRig rig="threePt" dir="t"/>
+    </dgm:scene3d>
+    <dgm:sp3d/>
+    <dgm:txPr/>
+    <dgm:style>
+      <a:lnRef idx="2">
+        <a:scrgbClr r="0" g="0" b="0"/>
+      </a:lnRef>
+      <a:fillRef idx="1">
+        <a:scrgbClr r="0" g="0" b="0"/>
+      </a:fillRef>
+      <a:effectRef idx="0">
+        <a:scrgbClr r="0" g="0" b="0"/>
+      </a:effectRef>
+      <a:fontRef idx="minor"/>
+    </dgm:style>
+  </dgm:styleLbl>
+  <dgm:styleLbl name="fgAcc3">
+    <dgm:scene3d>
+      <a:camera prst="orthographicFront"/>
+      <a:lightRig rig="threePt" dir="t"/>
+    </dgm:scene3d>
+    <dgm:sp3d/>
+    <dgm:txPr/>
+    <dgm:style>
+      <a:lnRef idx="2">
+        <a:scrgbClr r="0" g="0" b="0"/>
+      </a:lnRef>
+      <a:fillRef idx="1">
+        <a:scrgbClr r="0" g="0" b="0"/>
+      </a:fillRef>
+      <a:effectRef idx="0">
+        <a:scrgbClr r="0" g="0" b="0"/>
+      </a:effectRef>
+      <a:fontRef idx="minor"/>
+    </dgm:style>
+  </dgm:styleLbl>
+  <dgm:styleLbl name="fgAcc4">
+    <dgm:scene3d>
+      <a:camera prst="orthographicFront"/>
+      <a:lightRig rig="threePt" dir="t"/>
+    </dgm:scene3d>
+    <dgm:sp3d/>
+    <dgm:txPr/>
+    <dgm:style>
+      <a:lnRef idx="2">
+        <a:scrgbClr r="0" g="0" b="0"/>
+      </a:lnRef>
+      <a:fillRef idx="1">
+        <a:scrgbClr r="0" g="0" b="0"/>
+      </a:fillRef>
+      <a:effectRef idx="0">
+        <a:scrgbClr r="0" g="0" b="0"/>
+      </a:effectRef>
+      <a:fontRef idx="minor"/>
+    </dgm:style>
+  </dgm:styleLbl>
+  <dgm:styleLbl name="bgShp">
+    <dgm:scene3d>
+      <a:camera prst="orthographicFront"/>
+      <a:lightRig rig="threePt" dir="t"/>
+    </dgm:scene3d>
+    <dgm:sp3d/>
+    <dgm:txPr/>
+    <dgm:style>
+      <a:lnRef idx="0">
+        <a:scrgbClr r="0" g="0" b="0"/>
+      </a:lnRef>
+      <a:fillRef idx="1">
+        <a:scrgbClr r="0" g="0" b="0"/>
+      </a:fillRef>
+      <a:effectRef idx="0">
+        <a:scrgbClr r="0" g="0" b="0"/>
+      </a:effectRef>
+      <a:fontRef idx="minor"/>
+    </dgm:style>
+  </dgm:styleLbl>
+  <dgm:styleLbl name="dkBgShp">
+    <dgm:scene3d>
+      <a:camera prst="orthographicFront"/>
+      <a:lightRig rig="threePt" dir="t"/>
+    </dgm:scene3d>
+    <dgm:sp3d/>
+    <dgm:txPr/>
+    <dgm:style>
+      <a:lnRef idx="0">
+        <a:scrgbClr r="0" g="0" b="0"/>
+      </a:lnRef>
+      <a:fillRef idx="1">
+        <a:scrgbClr r="0" g="0" b="0"/>
+      </a:fillRef>
+      <a:effectRef idx="0">
+        <a:scrgbClr r="0" g="0" b="0"/>
+      </a:effectRef>
+      <a:fontRef idx="minor"/>
+    </dgm:style>
+  </dgm:styleLbl>
+  <dgm:styleLbl name="trBgShp">
+    <dgm:scene3d>
+      <a:camera prst="orthographicFront"/>
+      <a:lightRig rig="threePt" dir="t"/>
+    </dgm:scene3d>
+    <dgm:sp3d/>
+    <dgm:txPr/>
+    <dgm:style>
+      <a:lnRef idx="0">
+        <a:scrgbClr r="0" g="0" b="0"/>
+      </a:lnRef>
+      <a:fillRef idx="1">
+        <a:scrgbClr r="0" g="0" b="0"/>
+      </a:fillRef>
+      <a:effectRef idx="0">
+        <a:scrgbClr r="0" g="0" b="0"/>
+      </a:effectRef>
+      <a:fontRef idx="minor"/>
+    </dgm:style>
+  </dgm:styleLbl>
+  <dgm:styleLbl name="fgShp">
+    <dgm:scene3d>
+      <a:camera prst="orthographicFront"/>
+      <a:lightRig rig="threePt" dir="t"/>
+    </dgm:scene3d>
+    <dgm:sp3d/>
+    <dgm:txPr/>
+    <dgm:style>
+      <a:lnRef idx="2">
+        <a:scrgbClr r="0" g="0" b="0"/>
+      </a:lnRef>
+      <a:fillRef idx="1">
+        <a:scrgbClr r="0" g="0" b="0"/>
+      </a:fillRef>
+      <a:effectRef idx="0">
+        <a:scrgbClr r="0" g="0" b="0"/>
+      </a:effectRef>
+      <a:fontRef idx="minor"/>
+    </dgm:style>
+  </dgm:styleLbl>
+  <dgm:styleLbl name="revTx">
+    <dgm:scene3d>
+      <a:camera prst="orthographicFront"/>
+      <a:lightRig rig="threePt" dir="t"/>
+    </dgm:scene3d>
+    <dgm:sp3d/>
+    <dgm:txPr/>
+    <dgm:style>
+      <a:lnRef idx="0">
+        <a:scrgbClr r="0" g="0" b="0"/>
+      </a:lnRef>
+      <a:fillRef idx="0">
+        <a:scrgbClr r="0" g="0" b="0"/>
+      </a:fillRef>
+      <a:effectRef idx="0">
+        <a:scrgbClr r="0" g="0" b="0"/>
+      </a:effectRef>
+      <a:fontRef idx="minor"/>
+    </dgm:style>
+  </dgm:styleLbl>
+</dgm:styleDef>
+</file>
+
+<file path=ppt/diagrams/quickStyle5.xml><?xml version="1.0" encoding="utf-8"?>
 <dgm:styleDef xmlns:dgm="http://schemas.openxmlformats.org/drawingml/2006/diagram" xmlns:a="http://schemas.openxmlformats.org/drawingml/2006/main" uniqueId="urn:microsoft.com/office/officeart/2005/8/quickstyle/simple1">
   <dgm:title val=""/>
   <dgm:desc val=""/>
@@ -11893,7 +16122,7 @@
           <a:p>
             <a:fld id="{567CD4C3-BCCD-4418-A520-625022AB0D81}" type="datetimeFigureOut">
               <a:rPr lang="en-US" smtClean="0"/>
-              <a:t>4/9/2023</a:t>
+              <a:t>4/10/2023</a:t>
             </a:fld>
             <a:endParaRPr lang="en-US"/>
           </a:p>
@@ -21038,7 +25267,7 @@
           <a:p>
             <a:fld id="{1C40CE7B-31D0-4A1C-A2D0-DD4037BC2D38}" type="datetimeFigureOut">
               <a:rPr lang="en-US" smtClean="0"/>
-              <a:t>4/9/2023</a:t>
+              <a:t>4/10/2023</a:t>
             </a:fld>
             <a:endParaRPr lang="en-US"/>
           </a:p>
@@ -21245,7 +25474,7 @@
           <a:p>
             <a:fld id="{1C40CE7B-31D0-4A1C-A2D0-DD4037BC2D38}" type="datetimeFigureOut">
               <a:rPr lang="en-US" smtClean="0"/>
-              <a:t>4/9/2023</a:t>
+              <a:t>4/10/2023</a:t>
             </a:fld>
             <a:endParaRPr lang="en-US"/>
           </a:p>
@@ -21425,7 +25654,7 @@
           <a:p>
             <a:fld id="{1C40CE7B-31D0-4A1C-A2D0-DD4037BC2D38}" type="datetimeFigureOut">
               <a:rPr lang="en-US" smtClean="0"/>
-              <a:t>4/9/2023</a:t>
+              <a:t>4/10/2023</a:t>
             </a:fld>
             <a:endParaRPr lang="en-US"/>
           </a:p>
@@ -21630,7 +25859,7 @@
           <a:p>
             <a:fld id="{1C40CE7B-31D0-4A1C-A2D0-DD4037BC2D38}" type="datetimeFigureOut">
               <a:rPr lang="en-US" smtClean="0"/>
-              <a:t>4/9/2023</a:t>
+              <a:t>4/10/2023</a:t>
             </a:fld>
             <a:endParaRPr lang="en-US"/>
           </a:p>
@@ -30528,7 +34757,7 @@
           <a:p>
             <a:fld id="{1C40CE7B-31D0-4A1C-A2D0-DD4037BC2D38}" type="datetimeFigureOut">
               <a:rPr lang="en-US" smtClean="0"/>
-              <a:t>4/9/2023</a:t>
+              <a:t>4/10/2023</a:t>
             </a:fld>
             <a:endParaRPr lang="en-US"/>
           </a:p>
@@ -30802,7 +35031,7 @@
           <a:p>
             <a:fld id="{1C40CE7B-31D0-4A1C-A2D0-DD4037BC2D38}" type="datetimeFigureOut">
               <a:rPr lang="en-US" smtClean="0"/>
-              <a:t>4/9/2023</a:t>
+              <a:t>4/10/2023</a:t>
             </a:fld>
             <a:endParaRPr lang="en-US"/>
           </a:p>
@@ -31200,7 +35429,7 @@
           <a:p>
             <a:fld id="{1C40CE7B-31D0-4A1C-A2D0-DD4037BC2D38}" type="datetimeFigureOut">
               <a:rPr lang="en-US" smtClean="0"/>
-              <a:t>4/9/2023</a:t>
+              <a:t>4/10/2023</a:t>
             </a:fld>
             <a:endParaRPr lang="en-US"/>
           </a:p>
@@ -31318,7 +35547,7 @@
           <a:p>
             <a:fld id="{1C40CE7B-31D0-4A1C-A2D0-DD4037BC2D38}" type="datetimeFigureOut">
               <a:rPr lang="en-US" smtClean="0"/>
-              <a:t>4/9/2023</a:t>
+              <a:t>4/10/2023</a:t>
             </a:fld>
             <a:endParaRPr lang="en-US"/>
           </a:p>
@@ -31413,7 +35642,7 @@
           <a:p>
             <a:fld id="{1C40CE7B-31D0-4A1C-A2D0-DD4037BC2D38}" type="datetimeFigureOut">
               <a:rPr lang="en-US" smtClean="0"/>
-              <a:t>4/9/2023</a:t>
+              <a:t>4/10/2023</a:t>
             </a:fld>
             <a:endParaRPr lang="en-US"/>
           </a:p>
@@ -31703,7 +35932,7 @@
           <a:p>
             <a:fld id="{1C40CE7B-31D0-4A1C-A2D0-DD4037BC2D38}" type="datetimeFigureOut">
               <a:rPr lang="en-US" smtClean="0"/>
-              <a:t>4/9/2023</a:t>
+              <a:t>4/10/2023</a:t>
             </a:fld>
             <a:endParaRPr lang="en-US"/>
           </a:p>
@@ -31983,7 +36212,7 @@
           <a:p>
             <a:fld id="{1C40CE7B-31D0-4A1C-A2D0-DD4037BC2D38}" type="datetimeFigureOut">
               <a:rPr lang="en-US" smtClean="0"/>
-              <a:t>4/9/2023</a:t>
+              <a:t>4/10/2023</a:t>
             </a:fld>
             <a:endParaRPr lang="en-US"/>
           </a:p>
@@ -32233,7 +36462,7 @@
           <a:p>
             <a:fld id="{1C40CE7B-31D0-4A1C-A2D0-DD4037BC2D38}" type="datetimeFigureOut">
               <a:rPr lang="en-US" smtClean="0"/>
-              <a:t>4/9/2023</a:t>
+              <a:t>4/10/2023</a:t>
             </a:fld>
             <a:endParaRPr lang="en-US"/>
           </a:p>
@@ -32866,10 +37095,6 @@
               </a:rPr>
               <a:t>Gradient Boosting is an ensemble learning technique that combines multiple weak learners to create a stronger model.</a:t>
             </a:r>
-            <a:endParaRPr lang="en-US" dirty="0">
-              <a:latin typeface="Times New Roman" panose="02020603050405020304" pitchFamily="18" charset="0"/>
-              <a:cs typeface="Times New Roman" panose="02020603050405020304" pitchFamily="18" charset="0"/>
-            </a:endParaRPr>
           </a:p>
         </p:txBody>
       </p:sp>
@@ -33988,10 +38213,6 @@
               </a:rPr>
               <a:t>The negative gradient of the loss function is a measure of how much the current model's predictions differ from the true values. Specifically, it represents the direction and magnitude of the steepest descent of the loss function with respect to the predicted values.</a:t>
             </a:r>
-            <a:endParaRPr lang="en-US" sz="3600" dirty="0">
-              <a:latin typeface="Times New Roman" panose="02020603050405020304" pitchFamily="18" charset="0"/>
-              <a:cs typeface="Times New Roman" panose="02020603050405020304" pitchFamily="18" charset="0"/>
-            </a:endParaRPr>
           </a:p>
         </p:txBody>
       </p:sp>
@@ -34934,6 +39155,1156 @@
     <p:extLst>
       <p:ext uri="{BB962C8B-B14F-4D97-AF65-F5344CB8AC3E}">
         <p14:creationId xmlns:p14="http://schemas.microsoft.com/office/powerpoint/2010/main" val="2347107707"/>
+      </p:ext>
+    </p:extLst>
+  </p:cSld>
+  <p:clrMapOvr>
+    <a:masterClrMapping/>
+  </p:clrMapOvr>
+</p:sld>
+</file>
+
+<file path=ppt/slides/slide16.xml><?xml version="1.0" encoding="utf-8"?>
+<p:sld xmlns:a="http://schemas.openxmlformats.org/drawingml/2006/main" xmlns:r="http://schemas.openxmlformats.org/officeDocument/2006/relationships" xmlns:p="http://schemas.openxmlformats.org/presentationml/2006/main">
+  <p:cSld>
+    <p:bg>
+      <p:bgPr>
+        <a:solidFill>
+          <a:srgbClr val="7030A0"/>
+        </a:solidFill>
+        <a:effectLst/>
+      </p:bgPr>
+    </p:bg>
+    <p:spTree>
+      <p:nvGrpSpPr>
+        <p:cNvPr id="1" name=""/>
+        <p:cNvGrpSpPr/>
+        <p:nvPr/>
+      </p:nvGrpSpPr>
+      <p:grpSpPr>
+        <a:xfrm>
+          <a:off x="0" y="0"/>
+          <a:ext cx="0" cy="0"/>
+          <a:chOff x="0" y="0"/>
+          <a:chExt cx="0" cy="0"/>
+        </a:xfrm>
+      </p:grpSpPr>
+      <p:sp>
+        <p:nvSpPr>
+          <p:cNvPr id="2" name="Rectangle 1"/>
+          <p:cNvSpPr/>
+          <p:nvPr/>
+        </p:nvSpPr>
+        <p:spPr>
+          <a:xfrm>
+            <a:off x="1311639" y="1670446"/>
+            <a:ext cx="10118361" cy="4862870"/>
+          </a:xfrm>
+          <a:prstGeom prst="rect">
+            <a:avLst/>
+          </a:prstGeom>
+        </p:spPr>
+        <p:txBody>
+          <a:bodyPr wrap="square">
+            <a:spAutoFit/>
+          </a:bodyPr>
+          <a:lstStyle/>
+          <a:p>
+            <a:pPr marL="457200" indent="-457200" algn="just">
+              <a:spcBef>
+                <a:spcPts val="600"/>
+              </a:spcBef>
+              <a:spcAft>
+                <a:spcPts val="600"/>
+              </a:spcAft>
+              <a:buFont typeface="Wingdings" panose="05000000000000000000" pitchFamily="2" charset="2"/>
+              <a:buChar char="q"/>
+            </a:pPr>
+            <a:r>
+              <a:rPr lang="en-US" sz="2800" dirty="0">
+                <a:solidFill>
+                  <a:schemeClr val="bg2"/>
+                </a:solidFill>
+                <a:latin typeface="Arial" panose="020B0604020202020204" pitchFamily="34" charset="0"/>
+                <a:cs typeface="Arial" panose="020B0604020202020204" pitchFamily="34" charset="0"/>
+              </a:rPr>
+              <a:t>The continuous bag of words (CBOW) model is a type of neural network language model used in natural language processing (NLP). </a:t>
+            </a:r>
+            <a:endParaRPr lang="en-US" sz="2800" dirty="0" smtClean="0">
+              <a:solidFill>
+                <a:schemeClr val="bg2"/>
+              </a:solidFill>
+              <a:latin typeface="Arial" panose="020B0604020202020204" pitchFamily="34" charset="0"/>
+              <a:cs typeface="Arial" panose="020B0604020202020204" pitchFamily="34" charset="0"/>
+            </a:endParaRPr>
+          </a:p>
+          <a:p>
+            <a:pPr marL="457200" indent="-457200" algn="just">
+              <a:spcBef>
+                <a:spcPts val="600"/>
+              </a:spcBef>
+              <a:spcAft>
+                <a:spcPts val="600"/>
+              </a:spcAft>
+              <a:buFont typeface="Wingdings" panose="05000000000000000000" pitchFamily="2" charset="2"/>
+              <a:buChar char="q"/>
+            </a:pPr>
+            <a:r>
+              <a:rPr lang="en-US" sz="2800" dirty="0" smtClean="0">
+                <a:solidFill>
+                  <a:schemeClr val="bg2"/>
+                </a:solidFill>
+                <a:latin typeface="Arial" panose="020B0604020202020204" pitchFamily="34" charset="0"/>
+                <a:cs typeface="Arial" panose="020B0604020202020204" pitchFamily="34" charset="0"/>
+              </a:rPr>
+              <a:t>The </a:t>
+            </a:r>
+            <a:r>
+              <a:rPr lang="en-US" sz="2800" dirty="0">
+                <a:solidFill>
+                  <a:schemeClr val="bg2"/>
+                </a:solidFill>
+                <a:latin typeface="Arial" panose="020B0604020202020204" pitchFamily="34" charset="0"/>
+                <a:cs typeface="Arial" panose="020B0604020202020204" pitchFamily="34" charset="0"/>
+              </a:rPr>
+              <a:t>CBOW model is used to predict the target word based on the context words that surround it</a:t>
+            </a:r>
+            <a:r>
+              <a:rPr lang="en-US" sz="2800" dirty="0" smtClean="0">
+                <a:solidFill>
+                  <a:schemeClr val="bg2"/>
+                </a:solidFill>
+                <a:latin typeface="Arial" panose="020B0604020202020204" pitchFamily="34" charset="0"/>
+                <a:cs typeface="Arial" panose="020B0604020202020204" pitchFamily="34" charset="0"/>
+              </a:rPr>
+              <a:t>.</a:t>
+            </a:r>
+          </a:p>
+          <a:p>
+            <a:pPr marL="457200" indent="-457200" algn="just">
+              <a:spcBef>
+                <a:spcPts val="600"/>
+              </a:spcBef>
+              <a:spcAft>
+                <a:spcPts val="600"/>
+              </a:spcAft>
+              <a:buFont typeface="Wingdings" panose="05000000000000000000" pitchFamily="2" charset="2"/>
+              <a:buChar char="q"/>
+            </a:pPr>
+            <a:r>
+              <a:rPr lang="en-US" sz="2800" dirty="0">
+                <a:solidFill>
+                  <a:schemeClr val="bg2"/>
+                </a:solidFill>
+                <a:latin typeface="Arial" panose="020B0604020202020204" pitchFamily="34" charset="0"/>
+                <a:cs typeface="Arial" panose="020B0604020202020204" pitchFamily="34" charset="0"/>
+              </a:rPr>
+              <a:t>The objective of the CBOW model is to minimize the negative log-likelihood of the target word given the context words. </a:t>
+            </a:r>
+            <a:endParaRPr lang="en-US" sz="2800" dirty="0" smtClean="0">
+              <a:solidFill>
+                <a:schemeClr val="bg2"/>
+              </a:solidFill>
+              <a:latin typeface="Arial" panose="020B0604020202020204" pitchFamily="34" charset="0"/>
+              <a:cs typeface="Arial" panose="020B0604020202020204" pitchFamily="34" charset="0"/>
+            </a:endParaRPr>
+          </a:p>
+          <a:p>
+            <a:pPr marL="457200" indent="-457200" algn="just">
+              <a:spcBef>
+                <a:spcPts val="600"/>
+              </a:spcBef>
+              <a:spcAft>
+                <a:spcPts val="600"/>
+              </a:spcAft>
+              <a:buFont typeface="Wingdings" panose="05000000000000000000" pitchFamily="2" charset="2"/>
+              <a:buChar char="q"/>
+            </a:pPr>
+            <a:r>
+              <a:rPr lang="en-US" sz="2800" dirty="0" smtClean="0">
+                <a:solidFill>
+                  <a:schemeClr val="bg2"/>
+                </a:solidFill>
+                <a:latin typeface="Arial" panose="020B0604020202020204" pitchFamily="34" charset="0"/>
+                <a:cs typeface="Arial" panose="020B0604020202020204" pitchFamily="34" charset="0"/>
+              </a:rPr>
+              <a:t>The </a:t>
+            </a:r>
+            <a:r>
+              <a:rPr lang="en-US" sz="2800" dirty="0">
+                <a:solidFill>
+                  <a:schemeClr val="bg2"/>
+                </a:solidFill>
+                <a:latin typeface="Arial" panose="020B0604020202020204" pitchFamily="34" charset="0"/>
+                <a:cs typeface="Arial" panose="020B0604020202020204" pitchFamily="34" charset="0"/>
+              </a:rPr>
+              <a:t>model is trained using backpropagation and stochastic gradient descent.</a:t>
+            </a:r>
+            <a:endParaRPr lang="en-US" sz="4000" b="0" i="0" dirty="0">
+              <a:solidFill>
+                <a:schemeClr val="bg2"/>
+              </a:solidFill>
+              <a:effectLst/>
+              <a:latin typeface="Arial" panose="020B0604020202020204" pitchFamily="34" charset="0"/>
+              <a:cs typeface="Arial" panose="020B0604020202020204" pitchFamily="34" charset="0"/>
+            </a:endParaRPr>
+          </a:p>
+        </p:txBody>
+      </p:sp>
+      <p:sp>
+        <p:nvSpPr>
+          <p:cNvPr id="3" name="TextBox 2"/>
+          <p:cNvSpPr txBox="1"/>
+          <p:nvPr/>
+        </p:nvSpPr>
+        <p:spPr>
+          <a:xfrm>
+            <a:off x="2705725" y="644576"/>
+            <a:ext cx="7330190" cy="830997"/>
+          </a:xfrm>
+          <a:prstGeom prst="rect">
+            <a:avLst/>
+          </a:prstGeom>
+          <a:noFill/>
+        </p:spPr>
+        <p:txBody>
+          <a:bodyPr wrap="square" rtlCol="0">
+            <a:spAutoFit/>
+          </a:bodyPr>
+          <a:lstStyle/>
+          <a:p>
+            <a:r>
+              <a:rPr lang="en-US" sz="4800" dirty="0" smtClean="0">
+                <a:latin typeface="Arial" panose="020B0604020202020204" pitchFamily="34" charset="0"/>
+                <a:cs typeface="Arial" panose="020B0604020202020204" pitchFamily="34" charset="0"/>
+              </a:rPr>
+              <a:t>Continuous Bag of Words</a:t>
+            </a:r>
+            <a:endParaRPr lang="en-US" sz="4800" dirty="0">
+              <a:latin typeface="Arial" panose="020B0604020202020204" pitchFamily="34" charset="0"/>
+              <a:cs typeface="Arial" panose="020B0604020202020204" pitchFamily="34" charset="0"/>
+            </a:endParaRPr>
+          </a:p>
+        </p:txBody>
+      </p:sp>
+    </p:spTree>
+    <p:extLst>
+      <p:ext uri="{BB962C8B-B14F-4D97-AF65-F5344CB8AC3E}">
+        <p14:creationId xmlns:p14="http://schemas.microsoft.com/office/powerpoint/2010/main" val="593336625"/>
+      </p:ext>
+    </p:extLst>
+  </p:cSld>
+  <p:clrMapOvr>
+    <a:masterClrMapping/>
+  </p:clrMapOvr>
+</p:sld>
+</file>
+
+<file path=ppt/slides/slide17.xml><?xml version="1.0" encoding="utf-8"?>
+<p:sld xmlns:a="http://schemas.openxmlformats.org/drawingml/2006/main" xmlns:r="http://schemas.openxmlformats.org/officeDocument/2006/relationships" xmlns:p="http://schemas.openxmlformats.org/presentationml/2006/main">
+  <p:cSld>
+    <p:bg>
+      <p:bgPr>
+        <a:solidFill>
+          <a:srgbClr val="7030A0"/>
+        </a:solidFill>
+        <a:effectLst/>
+      </p:bgPr>
+    </p:bg>
+    <p:spTree>
+      <p:nvGrpSpPr>
+        <p:cNvPr id="1" name=""/>
+        <p:cNvGrpSpPr/>
+        <p:nvPr/>
+      </p:nvGrpSpPr>
+      <p:grpSpPr>
+        <a:xfrm>
+          <a:off x="0" y="0"/>
+          <a:ext cx="0" cy="0"/>
+          <a:chOff x="0" y="0"/>
+          <a:chExt cx="0" cy="0"/>
+        </a:xfrm>
+      </p:grpSpPr>
+      <p:sp>
+        <p:nvSpPr>
+          <p:cNvPr id="2" name="Rectangle 1"/>
+          <p:cNvSpPr/>
+          <p:nvPr/>
+        </p:nvSpPr>
+        <p:spPr>
+          <a:xfrm>
+            <a:off x="1738858" y="2263516"/>
+            <a:ext cx="8664315" cy="3293209"/>
+          </a:xfrm>
+          <a:prstGeom prst="rect">
+            <a:avLst/>
+          </a:prstGeom>
+        </p:spPr>
+        <p:txBody>
+          <a:bodyPr wrap="square">
+            <a:spAutoFit/>
+          </a:bodyPr>
+          <a:lstStyle/>
+          <a:p>
+            <a:pPr>
+              <a:spcBef>
+                <a:spcPts val="600"/>
+              </a:spcBef>
+              <a:spcAft>
+                <a:spcPts val="600"/>
+              </a:spcAft>
+              <a:buFont typeface="+mj-lt"/>
+              <a:buAutoNum type="arabicPeriod"/>
+            </a:pPr>
+            <a:r>
+              <a:rPr lang="en-US" sz="2800" dirty="0">
+                <a:solidFill>
+                  <a:schemeClr val="bg2"/>
+                </a:solidFill>
+                <a:latin typeface="Corbel" panose="020B0503020204020204" pitchFamily="34" charset="0"/>
+              </a:rPr>
+              <a:t>The model takes a sequence of context words as input.</a:t>
+            </a:r>
+          </a:p>
+          <a:p>
+            <a:pPr>
+              <a:spcBef>
+                <a:spcPts val="600"/>
+              </a:spcBef>
+              <a:spcAft>
+                <a:spcPts val="600"/>
+              </a:spcAft>
+              <a:buFont typeface="+mj-lt"/>
+              <a:buAutoNum type="arabicPeriod"/>
+            </a:pPr>
+            <a:r>
+              <a:rPr lang="en-US" sz="2800" dirty="0">
+                <a:solidFill>
+                  <a:schemeClr val="bg2"/>
+                </a:solidFill>
+                <a:latin typeface="Corbel" panose="020B0503020204020204" pitchFamily="34" charset="0"/>
+              </a:rPr>
+              <a:t>Each context word is converted into a one-hot vector.</a:t>
+            </a:r>
+          </a:p>
+          <a:p>
+            <a:pPr>
+              <a:spcBef>
+                <a:spcPts val="600"/>
+              </a:spcBef>
+              <a:spcAft>
+                <a:spcPts val="600"/>
+              </a:spcAft>
+              <a:buFont typeface="+mj-lt"/>
+              <a:buAutoNum type="arabicPeriod"/>
+            </a:pPr>
+            <a:r>
+              <a:rPr lang="en-US" sz="2800" dirty="0">
+                <a:solidFill>
+                  <a:schemeClr val="bg2"/>
+                </a:solidFill>
+                <a:latin typeface="Corbel" panose="020B0503020204020204" pitchFamily="34" charset="0"/>
+              </a:rPr>
+              <a:t>The one-hot vectors are averaged to form a context vector.</a:t>
+            </a:r>
+          </a:p>
+          <a:p>
+            <a:pPr>
+              <a:spcBef>
+                <a:spcPts val="600"/>
+              </a:spcBef>
+              <a:spcAft>
+                <a:spcPts val="600"/>
+              </a:spcAft>
+              <a:buFont typeface="+mj-lt"/>
+              <a:buAutoNum type="arabicPeriod"/>
+            </a:pPr>
+            <a:r>
+              <a:rPr lang="en-US" sz="2800" dirty="0">
+                <a:solidFill>
+                  <a:schemeClr val="bg2"/>
+                </a:solidFill>
+                <a:latin typeface="Corbel" panose="020B0503020204020204" pitchFamily="34" charset="0"/>
+              </a:rPr>
+              <a:t>The context vector is passed through a hidden layer.</a:t>
+            </a:r>
+          </a:p>
+          <a:p>
+            <a:pPr>
+              <a:spcBef>
+                <a:spcPts val="600"/>
+              </a:spcBef>
+              <a:spcAft>
+                <a:spcPts val="600"/>
+              </a:spcAft>
+              <a:buFont typeface="+mj-lt"/>
+              <a:buAutoNum type="arabicPeriod"/>
+            </a:pPr>
+            <a:r>
+              <a:rPr lang="en-US" sz="2800" dirty="0">
+                <a:solidFill>
+                  <a:schemeClr val="bg2"/>
+                </a:solidFill>
+                <a:latin typeface="Corbel" panose="020B0503020204020204" pitchFamily="34" charset="0"/>
+              </a:rPr>
+              <a:t>The output layer of the model predicts the target word.</a:t>
+            </a:r>
+            <a:endParaRPr lang="en-US" sz="2800" b="0" i="0" dirty="0">
+              <a:solidFill>
+                <a:schemeClr val="bg2"/>
+              </a:solidFill>
+              <a:effectLst/>
+              <a:latin typeface="Corbel" panose="020B0503020204020204" pitchFamily="34" charset="0"/>
+            </a:endParaRPr>
+          </a:p>
+        </p:txBody>
+      </p:sp>
+      <p:sp>
+        <p:nvSpPr>
+          <p:cNvPr id="3" name="TextBox 2"/>
+          <p:cNvSpPr txBox="1"/>
+          <p:nvPr/>
+        </p:nvSpPr>
+        <p:spPr>
+          <a:xfrm>
+            <a:off x="2405920" y="944380"/>
+            <a:ext cx="7330190" cy="830997"/>
+          </a:xfrm>
+          <a:prstGeom prst="rect">
+            <a:avLst/>
+          </a:prstGeom>
+          <a:noFill/>
+        </p:spPr>
+        <p:txBody>
+          <a:bodyPr wrap="square" rtlCol="0">
+            <a:spAutoFit/>
+          </a:bodyPr>
+          <a:lstStyle/>
+          <a:p>
+            <a:r>
+              <a:rPr lang="en-US" sz="4800" dirty="0" smtClean="0">
+                <a:latin typeface="Arial" panose="020B0604020202020204" pitchFamily="34" charset="0"/>
+                <a:cs typeface="Arial" panose="020B0604020202020204" pitchFamily="34" charset="0"/>
+              </a:rPr>
+              <a:t>Continuous Bag of Words</a:t>
+            </a:r>
+            <a:endParaRPr lang="en-US" sz="4800" dirty="0">
+              <a:latin typeface="Arial" panose="020B0604020202020204" pitchFamily="34" charset="0"/>
+              <a:cs typeface="Arial" panose="020B0604020202020204" pitchFamily="34" charset="0"/>
+            </a:endParaRPr>
+          </a:p>
+        </p:txBody>
+      </p:sp>
+    </p:spTree>
+    <p:extLst>
+      <p:ext uri="{BB962C8B-B14F-4D97-AF65-F5344CB8AC3E}">
+        <p14:creationId xmlns:p14="http://schemas.microsoft.com/office/powerpoint/2010/main" val="290148219"/>
+      </p:ext>
+    </p:extLst>
+  </p:cSld>
+  <p:clrMapOvr>
+    <a:masterClrMapping/>
+  </p:clrMapOvr>
+</p:sld>
+</file>
+
+<file path=ppt/slides/slide18.xml><?xml version="1.0" encoding="utf-8"?>
+<p:sld xmlns:a="http://schemas.openxmlformats.org/drawingml/2006/main" xmlns:r="http://schemas.openxmlformats.org/officeDocument/2006/relationships" xmlns:p="http://schemas.openxmlformats.org/presentationml/2006/main">
+  <p:cSld>
+    <p:bg>
+      <p:bgPr>
+        <a:solidFill>
+          <a:schemeClr val="bg1">
+            <a:lumMod val="85000"/>
+          </a:schemeClr>
+        </a:solidFill>
+        <a:effectLst/>
+      </p:bgPr>
+    </p:bg>
+    <p:spTree>
+      <p:nvGrpSpPr>
+        <p:cNvPr id="1" name=""/>
+        <p:cNvGrpSpPr/>
+        <p:nvPr/>
+      </p:nvGrpSpPr>
+      <p:grpSpPr>
+        <a:xfrm>
+          <a:off x="0" y="0"/>
+          <a:ext cx="0" cy="0"/>
+          <a:chOff x="0" y="0"/>
+          <a:chExt cx="0" cy="0"/>
+        </a:xfrm>
+      </p:grpSpPr>
+      <p:graphicFrame>
+        <p:nvGraphicFramePr>
+          <p:cNvPr id="4" name="Diagram 3"/>
+          <p:cNvGraphicFramePr/>
+          <p:nvPr>
+            <p:extLst>
+              <p:ext uri="{D42A27DB-BD31-4B8C-83A1-F6EECF244321}">
+                <p14:modId xmlns:p14="http://schemas.microsoft.com/office/powerpoint/2010/main" val="599084238"/>
+              </p:ext>
+            </p:extLst>
+          </p:nvPr>
+        </p:nvGraphicFramePr>
+        <p:xfrm>
+          <a:off x="912648" y="1208397"/>
+          <a:ext cx="10679660" cy="5418667"/>
+        </p:xfrm>
+        <a:graphic>
+          <a:graphicData uri="http://schemas.openxmlformats.org/drawingml/2006/diagram">
+            <dgm:relIds xmlns:dgm="http://schemas.openxmlformats.org/drawingml/2006/diagram" xmlns:r="http://schemas.openxmlformats.org/officeDocument/2006/relationships" r:dm="rId2" r:lo="rId3" r:qs="rId4" r:cs="rId5"/>
+          </a:graphicData>
+        </a:graphic>
+      </p:graphicFrame>
+      <p:sp>
+        <p:nvSpPr>
+          <p:cNvPr id="5" name="TextBox 4"/>
+          <p:cNvSpPr txBox="1"/>
+          <p:nvPr/>
+        </p:nvSpPr>
+        <p:spPr>
+          <a:xfrm>
+            <a:off x="4367049" y="0"/>
+            <a:ext cx="6400800" cy="1015663"/>
+          </a:xfrm>
+          <a:prstGeom prst="rect">
+            <a:avLst/>
+          </a:prstGeom>
+          <a:noFill/>
+        </p:spPr>
+        <p:txBody>
+          <a:bodyPr wrap="square" rtlCol="0">
+            <a:spAutoFit/>
+          </a:bodyPr>
+          <a:lstStyle/>
+          <a:p>
+            <a:r>
+              <a:rPr lang="en-US" sz="6000" dirty="0" smtClean="0">
+                <a:latin typeface="Times New Roman" panose="02020603050405020304" pitchFamily="18" charset="0"/>
+                <a:cs typeface="Times New Roman" panose="02020603050405020304" pitchFamily="18" charset="0"/>
+              </a:rPr>
+              <a:t>Skip Grams</a:t>
+            </a:r>
+            <a:endParaRPr lang="en-US" sz="6000" dirty="0">
+              <a:latin typeface="Times New Roman" panose="02020603050405020304" pitchFamily="18" charset="0"/>
+              <a:cs typeface="Times New Roman" panose="02020603050405020304" pitchFamily="18" charset="0"/>
+            </a:endParaRPr>
+          </a:p>
+        </p:txBody>
+      </p:sp>
+    </p:spTree>
+    <p:extLst>
+      <p:ext uri="{BB962C8B-B14F-4D97-AF65-F5344CB8AC3E}">
+        <p14:creationId xmlns:p14="http://schemas.microsoft.com/office/powerpoint/2010/main" val="4136663648"/>
+      </p:ext>
+    </p:extLst>
+  </p:cSld>
+  <p:clrMapOvr>
+    <a:masterClrMapping/>
+  </p:clrMapOvr>
+</p:sld>
+</file>
+
+<file path=ppt/slides/slide19.xml><?xml version="1.0" encoding="utf-8"?>
+<p:sld xmlns:a="http://schemas.openxmlformats.org/drawingml/2006/main" xmlns:r="http://schemas.openxmlformats.org/officeDocument/2006/relationships" xmlns:p="http://schemas.openxmlformats.org/presentationml/2006/main">
+  <p:cSld>
+    <p:spTree>
+      <p:nvGrpSpPr>
+        <p:cNvPr id="1" name=""/>
+        <p:cNvGrpSpPr/>
+        <p:nvPr/>
+      </p:nvGrpSpPr>
+      <p:grpSpPr>
+        <a:xfrm>
+          <a:off x="0" y="0"/>
+          <a:ext cx="0" cy="0"/>
+          <a:chOff x="0" y="0"/>
+          <a:chExt cx="0" cy="0"/>
+        </a:xfrm>
+      </p:grpSpPr>
+      <p:sp>
+        <p:nvSpPr>
+          <p:cNvPr id="2" name="Rectangle 1"/>
+          <p:cNvSpPr/>
+          <p:nvPr/>
+        </p:nvSpPr>
+        <p:spPr>
+          <a:xfrm>
+            <a:off x="349771" y="1803687"/>
+            <a:ext cx="4866806" cy="1477328"/>
+          </a:xfrm>
+          <a:prstGeom prst="rect">
+            <a:avLst/>
+          </a:prstGeom>
+          <a:solidFill>
+            <a:schemeClr val="bg1"/>
+          </a:solidFill>
+        </p:spPr>
+        <p:style>
+          <a:lnRef idx="0">
+            <a:schemeClr val="accent6"/>
+          </a:lnRef>
+          <a:fillRef idx="3">
+            <a:schemeClr val="accent6"/>
+          </a:fillRef>
+          <a:effectRef idx="3">
+            <a:schemeClr val="accent6"/>
+          </a:effectRef>
+          <a:fontRef idx="minor">
+            <a:schemeClr val="lt1"/>
+          </a:fontRef>
+        </p:style>
+        <p:txBody>
+          <a:bodyPr wrap="square">
+            <a:spAutoFit/>
+          </a:bodyPr>
+          <a:lstStyle/>
+          <a:p>
+            <a:r>
+              <a:rPr lang="en-US" dirty="0" smtClean="0">
+                <a:solidFill>
+                  <a:srgbClr val="374151"/>
+                </a:solidFill>
+                <a:latin typeface="Söhne"/>
+              </a:rPr>
+              <a:t>We </a:t>
+            </a:r>
+            <a:r>
+              <a:rPr lang="en-US" dirty="0">
+                <a:solidFill>
+                  <a:srgbClr val="374151"/>
+                </a:solidFill>
+                <a:latin typeface="Söhne"/>
+              </a:rPr>
+              <a:t>first embed each word in the input sequence into a d-dimensional vector space using a learned embedding matrix. The resulting input embeddings are [e1, e2, e3], where each </a:t>
+            </a:r>
+            <a:r>
+              <a:rPr lang="en-US" dirty="0" err="1">
+                <a:solidFill>
+                  <a:srgbClr val="374151"/>
+                </a:solidFill>
+                <a:latin typeface="Söhne"/>
+              </a:rPr>
+              <a:t>ei</a:t>
+            </a:r>
+            <a:r>
+              <a:rPr lang="en-US" dirty="0">
+                <a:solidFill>
+                  <a:srgbClr val="374151"/>
+                </a:solidFill>
+                <a:latin typeface="Söhne"/>
+              </a:rPr>
+              <a:t> is a d-dimensional vector</a:t>
+            </a:r>
+            <a:r>
+              <a:rPr lang="en-US" dirty="0" smtClean="0">
+                <a:solidFill>
+                  <a:srgbClr val="374151"/>
+                </a:solidFill>
+                <a:latin typeface="Söhne"/>
+              </a:rPr>
+              <a:t>.</a:t>
+            </a:r>
+            <a:endParaRPr lang="en-US" dirty="0">
+              <a:solidFill>
+                <a:srgbClr val="374151"/>
+              </a:solidFill>
+              <a:latin typeface="Söhne"/>
+            </a:endParaRPr>
+          </a:p>
+        </p:txBody>
+      </p:sp>
+      <p:sp>
+        <p:nvSpPr>
+          <p:cNvPr id="3" name="Rectangle 2"/>
+          <p:cNvSpPr/>
+          <p:nvPr/>
+        </p:nvSpPr>
+        <p:spPr>
+          <a:xfrm>
+            <a:off x="5771215" y="896069"/>
+            <a:ext cx="6096000" cy="2585323"/>
+          </a:xfrm>
+          <a:prstGeom prst="rect">
+            <a:avLst/>
+          </a:prstGeom>
+          <a:solidFill>
+            <a:schemeClr val="bg1"/>
+          </a:solidFill>
+        </p:spPr>
+        <p:style>
+          <a:lnRef idx="0">
+            <a:schemeClr val="accent6"/>
+          </a:lnRef>
+          <a:fillRef idx="3">
+            <a:schemeClr val="accent6"/>
+          </a:fillRef>
+          <a:effectRef idx="3">
+            <a:schemeClr val="accent6"/>
+          </a:effectRef>
+          <a:fontRef idx="minor">
+            <a:schemeClr val="lt1"/>
+          </a:fontRef>
+        </p:style>
+        <p:txBody>
+          <a:bodyPr>
+            <a:spAutoFit/>
+          </a:bodyPr>
+          <a:lstStyle/>
+          <a:p>
+            <a:r>
+              <a:rPr lang="en-US" dirty="0" smtClean="0">
+                <a:solidFill>
+                  <a:srgbClr val="374151"/>
+                </a:solidFill>
+                <a:latin typeface="Söhne"/>
+              </a:rPr>
+              <a:t>We </a:t>
+            </a:r>
+            <a:r>
+              <a:rPr lang="en-US" dirty="0">
+                <a:solidFill>
+                  <a:srgbClr val="374151"/>
+                </a:solidFill>
+                <a:latin typeface="Söhne"/>
+              </a:rPr>
+              <a:t>then compute the attention scores between each pair of query and key vectors using dot-product similarity. The dot product between the query and key vectors for a given pair of words represents their similarity, and is used to compute an attention weight. We apply a softmax function to the attention scores to obtain a probability distribution over the values. These attention weights capture how much each word in the input sequence contributes to the representation of each other </a:t>
+            </a:r>
+            <a:r>
+              <a:rPr lang="en-US" dirty="0" smtClean="0">
+                <a:solidFill>
+                  <a:srgbClr val="374151"/>
+                </a:solidFill>
+                <a:latin typeface="Söhne"/>
+              </a:rPr>
+              <a:t>word</a:t>
+            </a:r>
+          </a:p>
+        </p:txBody>
+      </p:sp>
+      <p:sp>
+        <p:nvSpPr>
+          <p:cNvPr id="5" name="Rectangle 4"/>
+          <p:cNvSpPr/>
+          <p:nvPr/>
+        </p:nvSpPr>
+        <p:spPr>
+          <a:xfrm>
+            <a:off x="5746230" y="4341082"/>
+            <a:ext cx="6096000" cy="2031325"/>
+          </a:xfrm>
+          <a:prstGeom prst="rect">
+            <a:avLst/>
+          </a:prstGeom>
+          <a:solidFill>
+            <a:schemeClr val="bg1"/>
+          </a:solidFill>
+        </p:spPr>
+        <p:style>
+          <a:lnRef idx="0">
+            <a:schemeClr val="accent6"/>
+          </a:lnRef>
+          <a:fillRef idx="3">
+            <a:schemeClr val="accent6"/>
+          </a:fillRef>
+          <a:effectRef idx="3">
+            <a:schemeClr val="accent6"/>
+          </a:effectRef>
+          <a:fontRef idx="minor">
+            <a:schemeClr val="lt1"/>
+          </a:fontRef>
+        </p:style>
+        <p:txBody>
+          <a:bodyPr>
+            <a:spAutoFit/>
+          </a:bodyPr>
+          <a:lstStyle/>
+          <a:p>
+            <a:r>
+              <a:rPr lang="en-US" dirty="0" smtClean="0">
+                <a:solidFill>
+                  <a:srgbClr val="374151"/>
+                </a:solidFill>
+                <a:latin typeface="Söhne"/>
+              </a:rPr>
+              <a:t>We </a:t>
+            </a:r>
+            <a:r>
+              <a:rPr lang="en-US" dirty="0">
+                <a:solidFill>
+                  <a:srgbClr val="374151"/>
+                </a:solidFill>
+                <a:latin typeface="Söhne"/>
+              </a:rPr>
+              <a:t>finally compute a weighted sum of the value vectors for each word in the input sequence, using the attention weights as weights. This produces a new representation of each word in the input sequence, which captures its relationship to the other words. This process is repeated multiple times to iteratively refine the representations of each word.</a:t>
+            </a:r>
+            <a:endParaRPr lang="en-US" dirty="0">
+              <a:solidFill>
+                <a:srgbClr val="374151"/>
+              </a:solidFill>
+              <a:latin typeface="Söhne"/>
+            </a:endParaRPr>
+          </a:p>
+        </p:txBody>
+      </p:sp>
+      <p:sp>
+        <p:nvSpPr>
+          <p:cNvPr id="6" name="TextBox 5"/>
+          <p:cNvSpPr txBox="1"/>
+          <p:nvPr/>
+        </p:nvSpPr>
+        <p:spPr>
+          <a:xfrm>
+            <a:off x="349771" y="365908"/>
+            <a:ext cx="4432091" cy="707886"/>
+          </a:xfrm>
+          <a:prstGeom prst="rect">
+            <a:avLst/>
+          </a:prstGeom>
+          <a:noFill/>
+        </p:spPr>
+        <p:txBody>
+          <a:bodyPr wrap="square" rtlCol="0">
+            <a:spAutoFit/>
+          </a:bodyPr>
+          <a:lstStyle/>
+          <a:p>
+            <a:r>
+              <a:rPr lang="en-US" sz="4000" dirty="0" smtClean="0">
+                <a:latin typeface="Arial" panose="020B0604020202020204" pitchFamily="34" charset="0"/>
+                <a:cs typeface="Arial" panose="020B0604020202020204" pitchFamily="34" charset="0"/>
+              </a:rPr>
+              <a:t>Self Attention</a:t>
+            </a:r>
+            <a:endParaRPr lang="en-US" sz="4000" dirty="0">
+              <a:latin typeface="Arial" panose="020B0604020202020204" pitchFamily="34" charset="0"/>
+              <a:cs typeface="Arial" panose="020B0604020202020204" pitchFamily="34" charset="0"/>
+            </a:endParaRPr>
+          </a:p>
+        </p:txBody>
+      </p:sp>
+      <p:sp>
+        <p:nvSpPr>
+          <p:cNvPr id="7" name="Rectangle 6"/>
+          <p:cNvSpPr/>
+          <p:nvPr/>
+        </p:nvSpPr>
+        <p:spPr>
+          <a:xfrm>
+            <a:off x="349771" y="1336522"/>
+            <a:ext cx="4866806" cy="461665"/>
+          </a:xfrm>
+          <a:prstGeom prst="rect">
+            <a:avLst/>
+          </a:prstGeom>
+        </p:spPr>
+        <p:style>
+          <a:lnRef idx="0">
+            <a:schemeClr val="accent6"/>
+          </a:lnRef>
+          <a:fillRef idx="3">
+            <a:schemeClr val="accent6"/>
+          </a:fillRef>
+          <a:effectRef idx="3">
+            <a:schemeClr val="accent6"/>
+          </a:effectRef>
+          <a:fontRef idx="minor">
+            <a:schemeClr val="lt1"/>
+          </a:fontRef>
+        </p:style>
+        <p:txBody>
+          <a:bodyPr wrap="square">
+            <a:spAutoFit/>
+          </a:bodyPr>
+          <a:lstStyle/>
+          <a:p>
+            <a:pPr algn="ctr"/>
+            <a:r>
+              <a:rPr lang="en-US" sz="2400" dirty="0">
+                <a:solidFill>
+                  <a:srgbClr val="374151"/>
+                </a:solidFill>
+                <a:latin typeface="Söhne"/>
+              </a:rPr>
+              <a:t>Input </a:t>
+            </a:r>
+            <a:r>
+              <a:rPr lang="en-US" sz="2400" dirty="0" smtClean="0">
+                <a:solidFill>
+                  <a:srgbClr val="374151"/>
+                </a:solidFill>
+                <a:latin typeface="Söhne"/>
+              </a:rPr>
+              <a:t>embeddings </a:t>
+            </a:r>
+          </a:p>
+        </p:txBody>
+      </p:sp>
+      <p:sp>
+        <p:nvSpPr>
+          <p:cNvPr id="8" name="Rectangle 7"/>
+          <p:cNvSpPr/>
+          <p:nvPr/>
+        </p:nvSpPr>
+        <p:spPr>
+          <a:xfrm>
+            <a:off x="349771" y="3719980"/>
+            <a:ext cx="4866806" cy="461665"/>
+          </a:xfrm>
+          <a:prstGeom prst="rect">
+            <a:avLst/>
+          </a:prstGeom>
+        </p:spPr>
+        <p:style>
+          <a:lnRef idx="0">
+            <a:schemeClr val="accent6"/>
+          </a:lnRef>
+          <a:fillRef idx="3">
+            <a:schemeClr val="accent6"/>
+          </a:fillRef>
+          <a:effectRef idx="3">
+            <a:schemeClr val="accent6"/>
+          </a:effectRef>
+          <a:fontRef idx="minor">
+            <a:schemeClr val="lt1"/>
+          </a:fontRef>
+        </p:style>
+        <p:txBody>
+          <a:bodyPr wrap="square">
+            <a:spAutoFit/>
+          </a:bodyPr>
+          <a:lstStyle/>
+          <a:p>
+            <a:pPr algn="ctr"/>
+            <a:r>
+              <a:rPr lang="en-US" sz="2400" dirty="0">
+                <a:solidFill>
+                  <a:srgbClr val="374151"/>
+                </a:solidFill>
+                <a:latin typeface="Söhne"/>
+              </a:rPr>
+              <a:t>Query, key, and value </a:t>
+            </a:r>
+            <a:r>
+              <a:rPr lang="en-US" sz="2400" dirty="0" smtClean="0">
+                <a:solidFill>
+                  <a:srgbClr val="374151"/>
+                </a:solidFill>
+                <a:latin typeface="Söhne"/>
+              </a:rPr>
+              <a:t>vectors</a:t>
+            </a:r>
+            <a:r>
+              <a:rPr lang="en-US" dirty="0" smtClean="0">
+                <a:solidFill>
+                  <a:srgbClr val="374151"/>
+                </a:solidFill>
+                <a:latin typeface="Söhne"/>
+              </a:rPr>
+              <a:t> </a:t>
+            </a:r>
+          </a:p>
+        </p:txBody>
+      </p:sp>
+      <p:sp>
+        <p:nvSpPr>
+          <p:cNvPr id="9" name="Rectangle 8"/>
+          <p:cNvSpPr/>
+          <p:nvPr/>
+        </p:nvSpPr>
+        <p:spPr>
+          <a:xfrm>
+            <a:off x="349771" y="4181645"/>
+            <a:ext cx="4866806" cy="2031325"/>
+          </a:xfrm>
+          <a:prstGeom prst="rect">
+            <a:avLst/>
+          </a:prstGeom>
+          <a:solidFill>
+            <a:schemeClr val="bg1"/>
+          </a:solidFill>
+        </p:spPr>
+        <p:style>
+          <a:lnRef idx="0">
+            <a:schemeClr val="accent6"/>
+          </a:lnRef>
+          <a:fillRef idx="3">
+            <a:schemeClr val="accent6"/>
+          </a:fillRef>
+          <a:effectRef idx="3">
+            <a:schemeClr val="accent6"/>
+          </a:effectRef>
+          <a:fontRef idx="minor">
+            <a:schemeClr val="lt1"/>
+          </a:fontRef>
+        </p:style>
+        <p:txBody>
+          <a:bodyPr wrap="square">
+            <a:spAutoFit/>
+          </a:bodyPr>
+          <a:lstStyle/>
+          <a:p>
+            <a:r>
+              <a:rPr lang="en-US" dirty="0" smtClean="0">
+                <a:solidFill>
+                  <a:srgbClr val="374151"/>
+                </a:solidFill>
+                <a:latin typeface="Söhne"/>
+              </a:rPr>
+              <a:t>Next</a:t>
+            </a:r>
+            <a:r>
+              <a:rPr lang="en-US" dirty="0">
+                <a:solidFill>
+                  <a:srgbClr val="374151"/>
+                </a:solidFill>
+                <a:latin typeface="Söhne"/>
+              </a:rPr>
+              <a:t>, we compute query, key, and value vectors for each word in the input sequence. These are learned weight vectors of dimensionality d, which are used to compute attention weights between words. For example, the query vector for the first word "The" might be [q1, q2, ..., </a:t>
+            </a:r>
+            <a:r>
+              <a:rPr lang="en-US" dirty="0" err="1">
+                <a:solidFill>
+                  <a:srgbClr val="374151"/>
+                </a:solidFill>
+                <a:latin typeface="Söhne"/>
+              </a:rPr>
+              <a:t>qd</a:t>
+            </a:r>
+            <a:r>
+              <a:rPr lang="en-US" dirty="0">
+                <a:solidFill>
+                  <a:srgbClr val="374151"/>
+                </a:solidFill>
+                <a:latin typeface="Söhne"/>
+              </a:rPr>
+              <a:t>]</a:t>
+            </a:r>
+          </a:p>
+        </p:txBody>
+      </p:sp>
+      <p:sp>
+        <p:nvSpPr>
+          <p:cNvPr id="10" name="Rectangle 9"/>
+          <p:cNvSpPr/>
+          <p:nvPr/>
+        </p:nvSpPr>
+        <p:spPr>
+          <a:xfrm>
+            <a:off x="5746230" y="3879417"/>
+            <a:ext cx="6096000" cy="461665"/>
+          </a:xfrm>
+          <a:prstGeom prst="rect">
+            <a:avLst/>
+          </a:prstGeom>
+        </p:spPr>
+        <p:style>
+          <a:lnRef idx="0">
+            <a:schemeClr val="accent6"/>
+          </a:lnRef>
+          <a:fillRef idx="3">
+            <a:schemeClr val="accent6"/>
+          </a:fillRef>
+          <a:effectRef idx="3">
+            <a:schemeClr val="accent6"/>
+          </a:effectRef>
+          <a:fontRef idx="minor">
+            <a:schemeClr val="lt1"/>
+          </a:fontRef>
+        </p:style>
+        <p:txBody>
+          <a:bodyPr>
+            <a:spAutoFit/>
+          </a:bodyPr>
+          <a:lstStyle/>
+          <a:p>
+            <a:pPr algn="ctr"/>
+            <a:r>
+              <a:rPr lang="en-US" sz="2400" dirty="0">
+                <a:solidFill>
+                  <a:srgbClr val="374151"/>
+                </a:solidFill>
+                <a:latin typeface="Söhne"/>
+              </a:rPr>
+              <a:t>Weighted sum of </a:t>
+            </a:r>
+            <a:r>
+              <a:rPr lang="en-US" sz="2400" dirty="0" smtClean="0">
+                <a:solidFill>
+                  <a:srgbClr val="374151"/>
+                </a:solidFill>
+                <a:latin typeface="Söhne"/>
+              </a:rPr>
+              <a:t>values</a:t>
+            </a:r>
+            <a:endParaRPr lang="en-US" dirty="0">
+              <a:solidFill>
+                <a:srgbClr val="374151"/>
+              </a:solidFill>
+              <a:latin typeface="Söhne"/>
+            </a:endParaRPr>
+          </a:p>
+        </p:txBody>
+      </p:sp>
+      <p:sp>
+        <p:nvSpPr>
+          <p:cNvPr id="11" name="Rectangle 10"/>
+          <p:cNvSpPr/>
+          <p:nvPr/>
+        </p:nvSpPr>
+        <p:spPr>
+          <a:xfrm>
+            <a:off x="5746230" y="434404"/>
+            <a:ext cx="6096000" cy="461665"/>
+          </a:xfrm>
+          <a:prstGeom prst="rect">
+            <a:avLst/>
+          </a:prstGeom>
+        </p:spPr>
+        <p:style>
+          <a:lnRef idx="0">
+            <a:schemeClr val="accent6"/>
+          </a:lnRef>
+          <a:fillRef idx="3">
+            <a:schemeClr val="accent6"/>
+          </a:fillRef>
+          <a:effectRef idx="3">
+            <a:schemeClr val="accent6"/>
+          </a:effectRef>
+          <a:fontRef idx="minor">
+            <a:schemeClr val="lt1"/>
+          </a:fontRef>
+        </p:style>
+        <p:txBody>
+          <a:bodyPr>
+            <a:spAutoFit/>
+          </a:bodyPr>
+          <a:lstStyle/>
+          <a:p>
+            <a:pPr algn="ctr"/>
+            <a:r>
+              <a:rPr lang="en-US" sz="2400" dirty="0" smtClean="0">
+                <a:solidFill>
+                  <a:srgbClr val="374151"/>
+                </a:solidFill>
+                <a:latin typeface="Söhne"/>
+              </a:rPr>
+              <a:t>Dot-product attention</a:t>
+            </a:r>
+            <a:endParaRPr lang="en-US" dirty="0" smtClean="0">
+              <a:solidFill>
+                <a:srgbClr val="374151"/>
+              </a:solidFill>
+              <a:latin typeface="Söhne"/>
+            </a:endParaRPr>
+          </a:p>
+        </p:txBody>
+      </p:sp>
+    </p:spTree>
+    <p:extLst>
+      <p:ext uri="{BB962C8B-B14F-4D97-AF65-F5344CB8AC3E}">
+        <p14:creationId xmlns:p14="http://schemas.microsoft.com/office/powerpoint/2010/main" val="1201719156"/>
       </p:ext>
     </p:extLst>
   </p:cSld>
@@ -36039,10 +41410,6 @@
               </a:rPr>
               <a:t>probability of an event with new evidence or information to obtain a posterior probability. </a:t>
             </a:r>
-            <a:endParaRPr lang="en-US" sz="3200" dirty="0">
-              <a:latin typeface="Times New Roman" panose="02020603050405020304" pitchFamily="18" charset="0"/>
-              <a:cs typeface="Times New Roman" panose="02020603050405020304" pitchFamily="18" charset="0"/>
-            </a:endParaRPr>
           </a:p>
         </p:txBody>
       </p:sp>
